--- a/python_ppt/Python 5장. 함수.pptx
+++ b/python_ppt/Python 5장. 함수.pptx
@@ -248,7 +248,7 @@
           <a:p>
             <a:fld id="{7665CDAC-D627-4E87-877A-1B781DD4CADC}" type="datetimeFigureOut">
               <a:rPr lang="ko-KR" altLang="en-US" smtClean="0"/>
-              <a:t>2023-04-01</a:t>
+              <a:t>2023-04-21</a:t>
             </a:fld>
             <a:endParaRPr lang="ko-KR" altLang="en-US"/>
           </a:p>
@@ -660,7 +660,7 @@
           <a:p>
             <a:fld id="{C25BCFD5-C4DF-4EBC-B718-C69ED2FBDE6F}" type="datetime1">
               <a:rPr lang="ko-KR" altLang="en-US" smtClean="0"/>
-              <a:t>2023-04-01</a:t>
+              <a:t>2023-04-21</a:t>
             </a:fld>
             <a:endParaRPr lang="ko-KR" altLang="en-US"/>
           </a:p>
@@ -1111,7 +1111,7 @@
           <a:p>
             <a:fld id="{AB448CD7-D367-43D5-B461-ACE552E75063}" type="datetime1">
               <a:rPr lang="ko-KR" altLang="en-US" smtClean="0"/>
-              <a:t>2023-04-01</a:t>
+              <a:t>2023-04-21</a:t>
             </a:fld>
             <a:endParaRPr lang="ko-KR" altLang="en-US"/>
           </a:p>
@@ -1289,7 +1289,7 @@
           <a:p>
             <a:fld id="{B6E49E79-7361-4780-8BEF-7EDE3708298A}" type="datetime1">
               <a:rPr lang="ko-KR" altLang="en-US" smtClean="0"/>
-              <a:t>2023-04-01</a:t>
+              <a:t>2023-04-21</a:t>
             </a:fld>
             <a:endParaRPr lang="ko-KR" altLang="en-US"/>
           </a:p>
@@ -1461,7 +1461,7 @@
           <a:p>
             <a:fld id="{A4D42E3C-B70B-437C-85CF-1286301B9CBA}" type="datetime1">
               <a:rPr lang="ko-KR" altLang="en-US" smtClean="0"/>
-              <a:t>2023-04-01</a:t>
+              <a:t>2023-04-21</a:t>
             </a:fld>
             <a:endParaRPr lang="ko-KR" altLang="en-US"/>
           </a:p>
@@ -1713,7 +1713,7 @@
           <a:p>
             <a:fld id="{B3369A20-5B3D-4D98-A822-26B93D177A40}" type="datetime1">
               <a:rPr lang="ko-KR" altLang="en-US" smtClean="0"/>
-              <a:t>2023-04-01</a:t>
+              <a:t>2023-04-21</a:t>
             </a:fld>
             <a:endParaRPr lang="ko-KR" altLang="en-US"/>
           </a:p>
@@ -1998,7 +1998,7 @@
           <a:p>
             <a:fld id="{685CD4CE-9E43-4F70-A9D8-A2130CA7D92A}" type="datetime1">
               <a:rPr lang="ko-KR" altLang="en-US" smtClean="0"/>
-              <a:t>2023-04-01</a:t>
+              <a:t>2023-04-21</a:t>
             </a:fld>
             <a:endParaRPr lang="ko-KR" altLang="en-US"/>
           </a:p>
@@ -2424,7 +2424,7 @@
           <a:p>
             <a:fld id="{F752BD92-DA3E-4A0B-90C9-7DE5E15B6E96}" type="datetime1">
               <a:rPr lang="ko-KR" altLang="en-US" smtClean="0"/>
-              <a:t>2023-04-01</a:t>
+              <a:t>2023-04-21</a:t>
             </a:fld>
             <a:endParaRPr lang="ko-KR" altLang="en-US"/>
           </a:p>
@@ -2548,7 +2548,7 @@
           <a:p>
             <a:fld id="{8EA2B83A-F366-424E-B742-340ACF856BB5}" type="datetime1">
               <a:rPr lang="ko-KR" altLang="en-US" smtClean="0"/>
-              <a:t>2023-04-01</a:t>
+              <a:t>2023-04-21</a:t>
             </a:fld>
             <a:endParaRPr lang="ko-KR" altLang="en-US"/>
           </a:p>
@@ -2643,7 +2643,7 @@
           <a:p>
             <a:fld id="{9A49D68B-5DBD-48E9-A8D4-FCBC4B3DD9C6}" type="datetime1">
               <a:rPr lang="ko-KR" altLang="en-US" smtClean="0"/>
-              <a:t>2023-04-01</a:t>
+              <a:t>2023-04-21</a:t>
             </a:fld>
             <a:endParaRPr lang="ko-KR" altLang="en-US"/>
           </a:p>
@@ -2918,7 +2918,7 @@
           <a:p>
             <a:fld id="{4CAB534F-7D16-467B-9320-91F98915D181}" type="datetime1">
               <a:rPr lang="ko-KR" altLang="en-US" smtClean="0"/>
-              <a:t>2023-04-01</a:t>
+              <a:t>2023-04-21</a:t>
             </a:fld>
             <a:endParaRPr lang="ko-KR" altLang="en-US"/>
           </a:p>
@@ -3170,7 +3170,7 @@
           <a:p>
             <a:fld id="{A390A91F-2F8D-4486-A69D-D680F95444B0}" type="datetime1">
               <a:rPr lang="ko-KR" altLang="en-US" smtClean="0"/>
-              <a:t>2023-04-01</a:t>
+              <a:t>2023-04-21</a:t>
             </a:fld>
             <a:endParaRPr lang="ko-KR" altLang="en-US"/>
           </a:p>
@@ -3349,7 +3349,7 @@
           <a:p>
             <a:fld id="{2238BBEA-E8DD-414A-BF68-FC2AFA7CFF2D}" type="datetime1">
               <a:rPr lang="ko-KR" altLang="en-US" smtClean="0"/>
-              <a:t>2023-04-01</a:t>
+              <a:t>2023-04-21</a:t>
             </a:fld>
             <a:endParaRPr lang="ko-KR" altLang="en-US"/>
           </a:p>
@@ -7478,7 +7478,7 @@
       </p:sp>
       <p:pic>
         <p:nvPicPr>
-          <p:cNvPr id="3" name="그림 2"/>
+          <p:cNvPr id="5" name="그림 4"/>
           <p:cNvPicPr>
             <a:picLocks noChangeAspect="1"/>
           </p:cNvPicPr>
@@ -7498,8 +7498,8 @@
         </p:blipFill>
         <p:spPr>
           <a:xfrm>
-            <a:off x="1712640" y="1387218"/>
-            <a:ext cx="4450466" cy="4724810"/>
+            <a:off x="1568624" y="1340768"/>
+            <a:ext cx="5624047" cy="4762913"/>
           </a:xfrm>
           <a:prstGeom prst="rect">
             <a:avLst/>
@@ -21647,13 +21647,8 @@
             </a:r>
             <a:r>
               <a:rPr lang="en-US" altLang="ko-KR" dirty="0" smtClean="0"/>
-              <a:t>: </a:t>
-            </a:r>
-            <a:r>
-              <a:rPr lang="en-US" altLang="ko-KR" dirty="0" smtClean="0"/>
-              <a:t>fn_Complex.py)</a:t>
-            </a:r>
-            <a:endParaRPr lang="en-US" altLang="ko-KR" dirty="0" smtClean="0"/>
+              <a:t>: fn_Complex.py)</a:t>
+            </a:r>
           </a:p>
           <a:p>
             <a:pPr>

--- a/python_ppt/Python 5장. 함수.pptx
+++ b/python_ppt/Python 5장. 함수.pptx
@@ -249,7 +249,7 @@
           <a:p>
             <a:fld id="{7665CDAC-D627-4E87-877A-1B781DD4CADC}" type="datetimeFigureOut">
               <a:rPr lang="ko-KR" altLang="en-US" smtClean="0"/>
-              <a:t>2023-04-25</a:t>
+              <a:t>2023-04-27</a:t>
             </a:fld>
             <a:endParaRPr lang="ko-KR" altLang="en-US"/>
           </a:p>
@@ -661,7 +661,7 @@
           <a:p>
             <a:fld id="{C25BCFD5-C4DF-4EBC-B718-C69ED2FBDE6F}" type="datetime1">
               <a:rPr lang="ko-KR" altLang="en-US" smtClean="0"/>
-              <a:t>2023-04-25</a:t>
+              <a:t>2023-04-27</a:t>
             </a:fld>
             <a:endParaRPr lang="ko-KR" altLang="en-US"/>
           </a:p>
@@ -1112,7 +1112,7 @@
           <a:p>
             <a:fld id="{AB448CD7-D367-43D5-B461-ACE552E75063}" type="datetime1">
               <a:rPr lang="ko-KR" altLang="en-US" smtClean="0"/>
-              <a:t>2023-04-25</a:t>
+              <a:t>2023-04-27</a:t>
             </a:fld>
             <a:endParaRPr lang="ko-KR" altLang="en-US"/>
           </a:p>
@@ -1290,7 +1290,7 @@
           <a:p>
             <a:fld id="{B6E49E79-7361-4780-8BEF-7EDE3708298A}" type="datetime1">
               <a:rPr lang="ko-KR" altLang="en-US" smtClean="0"/>
-              <a:t>2023-04-25</a:t>
+              <a:t>2023-04-27</a:t>
             </a:fld>
             <a:endParaRPr lang="ko-KR" altLang="en-US"/>
           </a:p>
@@ -1462,7 +1462,7 @@
           <a:p>
             <a:fld id="{A4D42E3C-B70B-437C-85CF-1286301B9CBA}" type="datetime1">
               <a:rPr lang="ko-KR" altLang="en-US" smtClean="0"/>
-              <a:t>2023-04-25</a:t>
+              <a:t>2023-04-27</a:t>
             </a:fld>
             <a:endParaRPr lang="ko-KR" altLang="en-US"/>
           </a:p>
@@ -1714,7 +1714,7 @@
           <a:p>
             <a:fld id="{B3369A20-5B3D-4D98-A822-26B93D177A40}" type="datetime1">
               <a:rPr lang="ko-KR" altLang="en-US" smtClean="0"/>
-              <a:t>2023-04-25</a:t>
+              <a:t>2023-04-27</a:t>
             </a:fld>
             <a:endParaRPr lang="ko-KR" altLang="en-US"/>
           </a:p>
@@ -1999,7 +1999,7 @@
           <a:p>
             <a:fld id="{685CD4CE-9E43-4F70-A9D8-A2130CA7D92A}" type="datetime1">
               <a:rPr lang="ko-KR" altLang="en-US" smtClean="0"/>
-              <a:t>2023-04-25</a:t>
+              <a:t>2023-04-27</a:t>
             </a:fld>
             <a:endParaRPr lang="ko-KR" altLang="en-US"/>
           </a:p>
@@ -2425,7 +2425,7 @@
           <a:p>
             <a:fld id="{F752BD92-DA3E-4A0B-90C9-7DE5E15B6E96}" type="datetime1">
               <a:rPr lang="ko-KR" altLang="en-US" smtClean="0"/>
-              <a:t>2023-04-25</a:t>
+              <a:t>2023-04-27</a:t>
             </a:fld>
             <a:endParaRPr lang="ko-KR" altLang="en-US"/>
           </a:p>
@@ -2549,7 +2549,7 @@
           <a:p>
             <a:fld id="{8EA2B83A-F366-424E-B742-340ACF856BB5}" type="datetime1">
               <a:rPr lang="ko-KR" altLang="en-US" smtClean="0"/>
-              <a:t>2023-04-25</a:t>
+              <a:t>2023-04-27</a:t>
             </a:fld>
             <a:endParaRPr lang="ko-KR" altLang="en-US"/>
           </a:p>
@@ -2644,7 +2644,7 @@
           <a:p>
             <a:fld id="{9A49D68B-5DBD-48E9-A8D4-FCBC4B3DD9C6}" type="datetime1">
               <a:rPr lang="ko-KR" altLang="en-US" smtClean="0"/>
-              <a:t>2023-04-25</a:t>
+              <a:t>2023-04-27</a:t>
             </a:fld>
             <a:endParaRPr lang="ko-KR" altLang="en-US"/>
           </a:p>
@@ -2919,7 +2919,7 @@
           <a:p>
             <a:fld id="{4CAB534F-7D16-467B-9320-91F98915D181}" type="datetime1">
               <a:rPr lang="ko-KR" altLang="en-US" smtClean="0"/>
-              <a:t>2023-04-25</a:t>
+              <a:t>2023-04-27</a:t>
             </a:fld>
             <a:endParaRPr lang="ko-KR" altLang="en-US"/>
           </a:p>
@@ -3171,7 +3171,7 @@
           <a:p>
             <a:fld id="{A390A91F-2F8D-4486-A69D-D680F95444B0}" type="datetime1">
               <a:rPr lang="ko-KR" altLang="en-US" smtClean="0"/>
-              <a:t>2023-04-25</a:t>
+              <a:t>2023-04-27</a:t>
             </a:fld>
             <a:endParaRPr lang="ko-KR" altLang="en-US"/>
           </a:p>
@@ -3350,7 +3350,7 @@
           <a:p>
             <a:fld id="{2238BBEA-E8DD-414A-BF68-FC2AFA7CFF2D}" type="datetime1">
               <a:rPr lang="ko-KR" altLang="en-US" smtClean="0"/>
-              <a:t>2023-04-25</a:t>
+              <a:t>2023-04-27</a:t>
             </a:fld>
             <a:endParaRPr lang="ko-KR" altLang="en-US"/>
           </a:p>
@@ -19435,7 +19435,7 @@
       </p:sp>
       <p:pic>
         <p:nvPicPr>
-          <p:cNvPr id="3" name="그림 2"/>
+          <p:cNvPr id="5" name="그림 4"/>
           <p:cNvPicPr>
             <a:picLocks noChangeAspect="1"/>
           </p:cNvPicPr>
@@ -19455,8 +19455,8 @@
         </p:blipFill>
         <p:spPr>
           <a:xfrm>
-            <a:off x="1611255" y="1918782"/>
-            <a:ext cx="4748064" cy="3598450"/>
+            <a:off x="1568624" y="1865624"/>
+            <a:ext cx="4953429" cy="2903472"/>
           </a:xfrm>
           <a:prstGeom prst="rect">
             <a:avLst/>
@@ -19615,7 +19615,7 @@
       </p:sp>
       <p:pic>
         <p:nvPicPr>
-          <p:cNvPr id="3" name="그림 2"/>
+          <p:cNvPr id="5" name="그림 4"/>
           <p:cNvPicPr>
             <a:picLocks noChangeAspect="1"/>
           </p:cNvPicPr>
@@ -19635,8 +19635,8 @@
         </p:blipFill>
         <p:spPr>
           <a:xfrm>
-            <a:off x="1928664" y="1844824"/>
-            <a:ext cx="3482642" cy="4145640"/>
+            <a:off x="1496616" y="1988840"/>
+            <a:ext cx="5182049" cy="2720576"/>
           </a:xfrm>
           <a:prstGeom prst="rect">
             <a:avLst/>

--- a/python_ppt/Python 5장. 함수.pptx
+++ b/python_ppt/Python 5장. 함수.pptx
@@ -5,7 +5,7 @@
     <p:sldMasterId id="2147483648" r:id="rId1"/>
   </p:sldMasterIdLst>
   <p:notesMasterIdLst>
-    <p:notesMasterId r:id="rId44"/>
+    <p:notesMasterId r:id="rId45"/>
   </p:notesMasterIdLst>
   <p:sldIdLst>
     <p:sldId id="256" r:id="rId2"/>
@@ -25,31 +25,32 @@
     <p:sldId id="339" r:id="rId16"/>
     <p:sldId id="361" r:id="rId17"/>
     <p:sldId id="367" r:id="rId18"/>
-    <p:sldId id="368" r:id="rId19"/>
-    <p:sldId id="307" r:id="rId20"/>
-    <p:sldId id="306" r:id="rId21"/>
-    <p:sldId id="308" r:id="rId22"/>
-    <p:sldId id="309" r:id="rId23"/>
-    <p:sldId id="328" r:id="rId24"/>
-    <p:sldId id="352" r:id="rId25"/>
-    <p:sldId id="347" r:id="rId26"/>
-    <p:sldId id="353" r:id="rId27"/>
-    <p:sldId id="348" r:id="rId28"/>
-    <p:sldId id="363" r:id="rId29"/>
-    <p:sldId id="364" r:id="rId30"/>
-    <p:sldId id="365" r:id="rId31"/>
-    <p:sldId id="366" r:id="rId32"/>
-    <p:sldId id="310" r:id="rId33"/>
-    <p:sldId id="362" r:id="rId34"/>
-    <p:sldId id="311" r:id="rId35"/>
-    <p:sldId id="312" r:id="rId36"/>
-    <p:sldId id="313" r:id="rId37"/>
-    <p:sldId id="354" r:id="rId38"/>
-    <p:sldId id="355" r:id="rId39"/>
-    <p:sldId id="356" r:id="rId40"/>
-    <p:sldId id="357" r:id="rId41"/>
-    <p:sldId id="358" r:id="rId42"/>
-    <p:sldId id="359" r:id="rId43"/>
+    <p:sldId id="372" r:id="rId19"/>
+    <p:sldId id="368" r:id="rId20"/>
+    <p:sldId id="307" r:id="rId21"/>
+    <p:sldId id="306" r:id="rId22"/>
+    <p:sldId id="308" r:id="rId23"/>
+    <p:sldId id="309" r:id="rId24"/>
+    <p:sldId id="328" r:id="rId25"/>
+    <p:sldId id="352" r:id="rId26"/>
+    <p:sldId id="347" r:id="rId27"/>
+    <p:sldId id="353" r:id="rId28"/>
+    <p:sldId id="348" r:id="rId29"/>
+    <p:sldId id="363" r:id="rId30"/>
+    <p:sldId id="364" r:id="rId31"/>
+    <p:sldId id="365" r:id="rId32"/>
+    <p:sldId id="366" r:id="rId33"/>
+    <p:sldId id="310" r:id="rId34"/>
+    <p:sldId id="362" r:id="rId35"/>
+    <p:sldId id="311" r:id="rId36"/>
+    <p:sldId id="312" r:id="rId37"/>
+    <p:sldId id="313" r:id="rId38"/>
+    <p:sldId id="354" r:id="rId39"/>
+    <p:sldId id="355" r:id="rId40"/>
+    <p:sldId id="356" r:id="rId41"/>
+    <p:sldId id="357" r:id="rId42"/>
+    <p:sldId id="358" r:id="rId43"/>
+    <p:sldId id="359" r:id="rId44"/>
   </p:sldIdLst>
   <p:sldSz cx="9906000" cy="6858000" type="A4"/>
   <p:notesSz cx="6858000" cy="9144000"/>
@@ -249,7 +250,7 @@
           <a:p>
             <a:fld id="{7665CDAC-D627-4E87-877A-1B781DD4CADC}" type="datetimeFigureOut">
               <a:rPr lang="ko-KR" altLang="en-US" smtClean="0"/>
-              <a:t>2023-04-27</a:t>
+              <a:t>2023-05-11</a:t>
             </a:fld>
             <a:endParaRPr lang="ko-KR" altLang="en-US"/>
           </a:p>
@@ -661,7 +662,7 @@
           <a:p>
             <a:fld id="{C25BCFD5-C4DF-4EBC-B718-C69ED2FBDE6F}" type="datetime1">
               <a:rPr lang="ko-KR" altLang="en-US" smtClean="0"/>
-              <a:t>2023-04-27</a:t>
+              <a:t>2023-05-11</a:t>
             </a:fld>
             <a:endParaRPr lang="ko-KR" altLang="en-US"/>
           </a:p>
@@ -1112,7 +1113,7 @@
           <a:p>
             <a:fld id="{AB448CD7-D367-43D5-B461-ACE552E75063}" type="datetime1">
               <a:rPr lang="ko-KR" altLang="en-US" smtClean="0"/>
-              <a:t>2023-04-27</a:t>
+              <a:t>2023-05-11</a:t>
             </a:fld>
             <a:endParaRPr lang="ko-KR" altLang="en-US"/>
           </a:p>
@@ -1290,7 +1291,7 @@
           <a:p>
             <a:fld id="{B6E49E79-7361-4780-8BEF-7EDE3708298A}" type="datetime1">
               <a:rPr lang="ko-KR" altLang="en-US" smtClean="0"/>
-              <a:t>2023-04-27</a:t>
+              <a:t>2023-05-11</a:t>
             </a:fld>
             <a:endParaRPr lang="ko-KR" altLang="en-US"/>
           </a:p>
@@ -1462,7 +1463,7 @@
           <a:p>
             <a:fld id="{A4D42E3C-B70B-437C-85CF-1286301B9CBA}" type="datetime1">
               <a:rPr lang="ko-KR" altLang="en-US" smtClean="0"/>
-              <a:t>2023-04-27</a:t>
+              <a:t>2023-05-11</a:t>
             </a:fld>
             <a:endParaRPr lang="ko-KR" altLang="en-US"/>
           </a:p>
@@ -1714,7 +1715,7 @@
           <a:p>
             <a:fld id="{B3369A20-5B3D-4D98-A822-26B93D177A40}" type="datetime1">
               <a:rPr lang="ko-KR" altLang="en-US" smtClean="0"/>
-              <a:t>2023-04-27</a:t>
+              <a:t>2023-05-11</a:t>
             </a:fld>
             <a:endParaRPr lang="ko-KR" altLang="en-US"/>
           </a:p>
@@ -1999,7 +2000,7 @@
           <a:p>
             <a:fld id="{685CD4CE-9E43-4F70-A9D8-A2130CA7D92A}" type="datetime1">
               <a:rPr lang="ko-KR" altLang="en-US" smtClean="0"/>
-              <a:t>2023-04-27</a:t>
+              <a:t>2023-05-11</a:t>
             </a:fld>
             <a:endParaRPr lang="ko-KR" altLang="en-US"/>
           </a:p>
@@ -2425,7 +2426,7 @@
           <a:p>
             <a:fld id="{F752BD92-DA3E-4A0B-90C9-7DE5E15B6E96}" type="datetime1">
               <a:rPr lang="ko-KR" altLang="en-US" smtClean="0"/>
-              <a:t>2023-04-27</a:t>
+              <a:t>2023-05-11</a:t>
             </a:fld>
             <a:endParaRPr lang="ko-KR" altLang="en-US"/>
           </a:p>
@@ -2549,7 +2550,7 @@
           <a:p>
             <a:fld id="{8EA2B83A-F366-424E-B742-340ACF856BB5}" type="datetime1">
               <a:rPr lang="ko-KR" altLang="en-US" smtClean="0"/>
-              <a:t>2023-04-27</a:t>
+              <a:t>2023-05-11</a:t>
             </a:fld>
             <a:endParaRPr lang="ko-KR" altLang="en-US"/>
           </a:p>
@@ -2644,7 +2645,7 @@
           <a:p>
             <a:fld id="{9A49D68B-5DBD-48E9-A8D4-FCBC4B3DD9C6}" type="datetime1">
               <a:rPr lang="ko-KR" altLang="en-US" smtClean="0"/>
-              <a:t>2023-04-27</a:t>
+              <a:t>2023-05-11</a:t>
             </a:fld>
             <a:endParaRPr lang="ko-KR" altLang="en-US"/>
           </a:p>
@@ -2919,7 +2920,7 @@
           <a:p>
             <a:fld id="{4CAB534F-7D16-467B-9320-91F98915D181}" type="datetime1">
               <a:rPr lang="ko-KR" altLang="en-US" smtClean="0"/>
-              <a:t>2023-04-27</a:t>
+              <a:t>2023-05-11</a:t>
             </a:fld>
             <a:endParaRPr lang="ko-KR" altLang="en-US"/>
           </a:p>
@@ -3171,7 +3172,7 @@
           <a:p>
             <a:fld id="{A390A91F-2F8D-4486-A69D-D680F95444B0}" type="datetime1">
               <a:rPr lang="ko-KR" altLang="en-US" smtClean="0"/>
-              <a:t>2023-04-27</a:t>
+              <a:t>2023-05-11</a:t>
             </a:fld>
             <a:endParaRPr lang="ko-KR" altLang="en-US"/>
           </a:p>
@@ -3350,7 +3351,7 @@
           <a:p>
             <a:fld id="{2238BBEA-E8DD-414A-BF68-FC2AFA7CFF2D}" type="datetime1">
               <a:rPr lang="ko-KR" altLang="en-US" smtClean="0"/>
-              <a:t>2023-04-27</a:t>
+              <a:t>2023-05-11</a:t>
             </a:fld>
             <a:endParaRPr lang="ko-KR" altLang="en-US"/>
           </a:p>
@@ -8522,13 +8523,16 @@
             </a:r>
             <a:r>
               <a:rPr lang="en-US" altLang="ko-KR" dirty="0" smtClean="0"/>
-              <a:t>– </a:t>
+              <a:t>- </a:t>
             </a:r>
             <a:r>
               <a:rPr lang="ko-KR" altLang="en-US" dirty="0" smtClean="0"/>
-              <a:t>중복 검사</a:t>
-            </a:r>
-            <a:endParaRPr lang="ko-KR" altLang="en-US" dirty="0"/>
+              <a:t>중복 </a:t>
+            </a:r>
+            <a:r>
+              <a:rPr lang="ko-KR" altLang="en-US" dirty="0"/>
+              <a:t>검사</a:t>
+            </a:r>
           </a:p>
         </p:txBody>
       </p:sp>
@@ -8557,7 +8561,7 @@
       </p:sp>
       <p:pic>
         <p:nvPicPr>
-          <p:cNvPr id="5" name="그림 4"/>
+          <p:cNvPr id="3" name="그림 2"/>
           <p:cNvPicPr>
             <a:picLocks noChangeAspect="1"/>
           </p:cNvPicPr>
@@ -8577,8 +8581,8 @@
         </p:blipFill>
         <p:spPr>
           <a:xfrm>
-            <a:off x="1568624" y="1340768"/>
-            <a:ext cx="5624047" cy="4762913"/>
+            <a:off x="1792784" y="1321230"/>
+            <a:ext cx="5036492" cy="5126428"/>
           </a:xfrm>
           <a:prstGeom prst="rect">
             <a:avLst/>
@@ -8595,7 +8599,7 @@
     </p:spTree>
     <p:extLst>
       <p:ext uri="{BB962C8B-B14F-4D97-AF65-F5344CB8AC3E}">
-        <p14:creationId xmlns:p14="http://schemas.microsoft.com/office/powerpoint/2010/main" val="1140853588"/>
+        <p14:creationId xmlns:p14="http://schemas.microsoft.com/office/powerpoint/2010/main" val="1710185331"/>
       </p:ext>
     </p:extLst>
   </p:cSld>
@@ -8629,9 +8633,67 @@
           <a:chExt cx="0" cy="0"/>
         </a:xfrm>
       </p:grpSpPr>
+      <p:sp>
+        <p:nvSpPr>
+          <p:cNvPr id="2" name="제목 1"/>
+          <p:cNvSpPr>
+            <a:spLocks noGrp="1"/>
+          </p:cNvSpPr>
+          <p:nvPr>
+            <p:ph type="title"/>
+          </p:nvPr>
+        </p:nvSpPr>
+        <p:spPr/>
+        <p:txBody>
+          <a:bodyPr/>
+          <a:lstStyle/>
+          <a:p>
+            <a:r>
+              <a:rPr lang="en-US" altLang="ko-KR" dirty="0"/>
+              <a:t> </a:t>
+            </a:r>
+            <a:r>
+              <a:rPr lang="ko-KR" altLang="en-US" dirty="0" smtClean="0"/>
+              <a:t>동명이인 찾기 </a:t>
+            </a:r>
+            <a:r>
+              <a:rPr lang="en-US" altLang="ko-KR" dirty="0" smtClean="0"/>
+              <a:t>– </a:t>
+            </a:r>
+            <a:r>
+              <a:rPr lang="ko-KR" altLang="en-US" dirty="0" smtClean="0"/>
+              <a:t>중복 검사</a:t>
+            </a:r>
+            <a:endParaRPr lang="ko-KR" altLang="en-US" dirty="0"/>
+          </a:p>
+        </p:txBody>
+      </p:sp>
+      <p:sp>
+        <p:nvSpPr>
+          <p:cNvPr id="4" name="슬라이드 번호 개체 틀 3"/>
+          <p:cNvSpPr>
+            <a:spLocks noGrp="1"/>
+          </p:cNvSpPr>
+          <p:nvPr>
+            <p:ph type="sldNum" sz="quarter" idx="12"/>
+          </p:nvPr>
+        </p:nvSpPr>
+        <p:spPr/>
+        <p:txBody>
+          <a:bodyPr/>
+          <a:lstStyle/>
+          <a:p>
+            <a:fld id="{1BDE3FE7-3AEA-4B05-AC5A-802D1816ACF0}" type="slidenum">
+              <a:rPr lang="ko-KR" altLang="en-US" smtClean="0"/>
+              <a:t>19</a:t>
+            </a:fld>
+            <a:endParaRPr lang="ko-KR" altLang="en-US"/>
+          </a:p>
+        </p:txBody>
+      </p:sp>
       <p:pic>
         <p:nvPicPr>
-          <p:cNvPr id="6" name="그림 5"/>
+          <p:cNvPr id="5" name="그림 4"/>
           <p:cNvPicPr>
             <a:picLocks noChangeAspect="1"/>
           </p:cNvPicPr>
@@ -8651,282 +8713,25 @@
         </p:blipFill>
         <p:spPr>
           <a:xfrm>
-            <a:off x="1856656" y="3356991"/>
-            <a:ext cx="4824536" cy="2213267"/>
+            <a:off x="1568624" y="1340768"/>
+            <a:ext cx="5624047" cy="4762913"/>
           </a:xfrm>
           <a:prstGeom prst="rect">
             <a:avLst/>
           </a:prstGeom>
           <a:ln>
             <a:solidFill>
-              <a:schemeClr val="accent4">
-                <a:lumMod val="20000"/>
-                <a:lumOff val="80000"/>
+              <a:schemeClr val="bg1">
+                <a:lumMod val="85000"/>
               </a:schemeClr>
             </a:solidFill>
           </a:ln>
         </p:spPr>
       </p:pic>
-      <p:sp>
-        <p:nvSpPr>
-          <p:cNvPr id="2" name="제목 1"/>
-          <p:cNvSpPr>
-            <a:spLocks noGrp="1"/>
-          </p:cNvSpPr>
-          <p:nvPr>
-            <p:ph type="title"/>
-          </p:nvPr>
-        </p:nvSpPr>
-        <p:spPr/>
-        <p:txBody>
-          <a:bodyPr/>
-          <a:lstStyle/>
-          <a:p>
-            <a:r>
-              <a:rPr lang="en-US" altLang="ko-KR" dirty="0"/>
-              <a:t> </a:t>
-            </a:r>
-            <a:r>
-              <a:rPr lang="ko-KR" altLang="en-US" dirty="0" smtClean="0"/>
-              <a:t>변수의 유효 범위 </a:t>
-            </a:r>
-            <a:r>
-              <a:rPr lang="en-US" altLang="ko-KR" dirty="0" smtClean="0"/>
-              <a:t>- </a:t>
-            </a:r>
-            <a:r>
-              <a:rPr lang="ko-KR" altLang="en-US" dirty="0" smtClean="0"/>
-              <a:t>전역변수</a:t>
-            </a:r>
-            <a:endParaRPr lang="ko-KR" altLang="en-US" dirty="0"/>
-          </a:p>
-        </p:txBody>
-      </p:sp>
-      <p:sp>
-        <p:nvSpPr>
-          <p:cNvPr id="4" name="슬라이드 번호 개체 틀 3"/>
-          <p:cNvSpPr>
-            <a:spLocks noGrp="1"/>
-          </p:cNvSpPr>
-          <p:nvPr>
-            <p:ph type="sldNum" sz="quarter" idx="12"/>
-          </p:nvPr>
-        </p:nvSpPr>
-        <p:spPr/>
-        <p:txBody>
-          <a:bodyPr/>
-          <a:lstStyle/>
-          <a:p>
-            <a:fld id="{1BDE3FE7-3AEA-4B05-AC5A-802D1816ACF0}" type="slidenum">
-              <a:rPr lang="ko-KR" altLang="en-US" smtClean="0"/>
-              <a:t>19</a:t>
-            </a:fld>
-            <a:endParaRPr lang="ko-KR" altLang="en-US"/>
-          </a:p>
-        </p:txBody>
-      </p:sp>
-      <p:sp>
-        <p:nvSpPr>
-          <p:cNvPr id="14" name="TextBox 13"/>
-          <p:cNvSpPr txBox="1"/>
-          <p:nvPr/>
-        </p:nvSpPr>
-        <p:spPr>
-          <a:xfrm>
-            <a:off x="1026550" y="1183733"/>
-            <a:ext cx="7958898" cy="2400657"/>
-          </a:xfrm>
-          <a:prstGeom prst="rect">
-            <a:avLst/>
-          </a:prstGeom>
-          <a:noFill/>
-          <a:ln>
-            <a:noFill/>
-          </a:ln>
-        </p:spPr>
-        <p:style>
-          <a:lnRef idx="1">
-            <a:schemeClr val="accent3"/>
-          </a:lnRef>
-          <a:fillRef idx="2">
-            <a:schemeClr val="accent3"/>
-          </a:fillRef>
-          <a:effectRef idx="1">
-            <a:schemeClr val="accent3"/>
-          </a:effectRef>
-          <a:fontRef idx="minor">
-            <a:schemeClr val="dk1"/>
-          </a:fontRef>
-        </p:style>
-        <p:txBody>
-          <a:bodyPr wrap="square" rtlCol="0">
-            <a:spAutoFit/>
-          </a:bodyPr>
-          <a:lstStyle/>
-          <a:p>
-            <a:pPr marL="342900" indent="-342900">
-              <a:lnSpc>
-                <a:spcPct val="150000"/>
-              </a:lnSpc>
-              <a:buFont typeface="Wingdings" panose="05000000000000000000" pitchFamily="2" charset="2"/>
-              <a:buChar char="§"/>
-            </a:pPr>
-            <a:r>
-              <a:rPr lang="ko-KR" altLang="en-US" sz="2000" dirty="0" smtClean="0">
-                <a:latin typeface="휴먼엑스포" panose="02030504000101010101" pitchFamily="18" charset="-127"/>
-                <a:ea typeface="휴먼엑스포" panose="02030504000101010101" pitchFamily="18" charset="-127"/>
-              </a:rPr>
-              <a:t>전역 변수의 유효 범위</a:t>
-            </a:r>
-            <a:endParaRPr lang="en-US" altLang="ko-KR" sz="2000" dirty="0" smtClean="0">
-              <a:latin typeface="휴먼엑스포" panose="02030504000101010101" pitchFamily="18" charset="-127"/>
-              <a:ea typeface="휴먼엑스포" panose="02030504000101010101" pitchFamily="18" charset="-127"/>
-            </a:endParaRPr>
-          </a:p>
-          <a:p>
-            <a:pPr>
-              <a:lnSpc>
-                <a:spcPct val="150000"/>
-              </a:lnSpc>
-            </a:pPr>
-            <a:r>
-              <a:rPr lang="en-US" altLang="ko-KR" sz="2000" dirty="0">
-                <a:latin typeface="휴먼엑스포" panose="02030504000101010101" pitchFamily="18" charset="-127"/>
-                <a:ea typeface="휴먼엑스포" panose="02030504000101010101" pitchFamily="18" charset="-127"/>
-              </a:rPr>
-              <a:t> </a:t>
-            </a:r>
-            <a:r>
-              <a:rPr lang="en-US" altLang="ko-KR" sz="2000" dirty="0" smtClean="0">
-                <a:latin typeface="휴먼엑스포" panose="02030504000101010101" pitchFamily="18" charset="-127"/>
-                <a:ea typeface="휴먼엑스포" panose="02030504000101010101" pitchFamily="18" charset="-127"/>
-              </a:rPr>
-              <a:t>   </a:t>
-            </a:r>
-            <a:r>
-              <a:rPr lang="ko-KR" altLang="en-US" dirty="0" smtClean="0">
-                <a:latin typeface="돋움" panose="020B0600000101010101" pitchFamily="50" charset="-127"/>
-                <a:ea typeface="돋움" panose="020B0600000101010101" pitchFamily="50" charset="-127"/>
-              </a:rPr>
-              <a:t>전역 변수는 메인 함수의 위쪽에서 선언하여 사용하고</a:t>
-            </a:r>
-            <a:endParaRPr lang="en-US" altLang="ko-KR" dirty="0" smtClean="0">
-              <a:latin typeface="돋움" panose="020B0600000101010101" pitchFamily="50" charset="-127"/>
-              <a:ea typeface="돋움" panose="020B0600000101010101" pitchFamily="50" charset="-127"/>
-            </a:endParaRPr>
-          </a:p>
-          <a:p>
-            <a:pPr>
-              <a:lnSpc>
-                <a:spcPct val="150000"/>
-              </a:lnSpc>
-            </a:pPr>
-            <a:r>
-              <a:rPr lang="en-US" altLang="ko-KR" dirty="0">
-                <a:latin typeface="돋움" panose="020B0600000101010101" pitchFamily="50" charset="-127"/>
-                <a:ea typeface="돋움" panose="020B0600000101010101" pitchFamily="50" charset="-127"/>
-              </a:rPr>
-              <a:t> </a:t>
-            </a:r>
-            <a:r>
-              <a:rPr lang="en-US" altLang="ko-KR" dirty="0" smtClean="0">
-                <a:latin typeface="돋움" panose="020B0600000101010101" pitchFamily="50" charset="-127"/>
-                <a:ea typeface="돋움" panose="020B0600000101010101" pitchFamily="50" charset="-127"/>
-              </a:rPr>
-              <a:t>    </a:t>
-            </a:r>
-            <a:r>
-              <a:rPr lang="ko-KR" altLang="en-US" dirty="0" smtClean="0">
-                <a:latin typeface="돋움" panose="020B0600000101010101" pitchFamily="50" charset="-127"/>
-                <a:ea typeface="돋움" panose="020B0600000101010101" pitchFamily="50" charset="-127"/>
-              </a:rPr>
-              <a:t>영향 범위가 전체로 미친다</a:t>
-            </a:r>
-            <a:r>
-              <a:rPr lang="en-US" altLang="ko-KR" dirty="0" smtClean="0">
-                <a:latin typeface="돋움" panose="020B0600000101010101" pitchFamily="50" charset="-127"/>
-                <a:ea typeface="돋움" panose="020B0600000101010101" pitchFamily="50" charset="-127"/>
-              </a:rPr>
-              <a:t>.</a:t>
-            </a:r>
-          </a:p>
-          <a:p>
-            <a:pPr marL="0" lvl="1">
-              <a:lnSpc>
-                <a:spcPct val="150000"/>
-              </a:lnSpc>
-            </a:pPr>
-            <a:r>
-              <a:rPr lang="en-US" altLang="ko-KR" sz="2000" dirty="0">
-                <a:latin typeface="휴먼엑스포" panose="02030504000101010101" pitchFamily="18" charset="-127"/>
-                <a:ea typeface="휴먼엑스포" panose="02030504000101010101" pitchFamily="18" charset="-127"/>
-              </a:rPr>
-              <a:t> </a:t>
-            </a:r>
-            <a:r>
-              <a:rPr lang="en-US" altLang="ko-KR" sz="2000" dirty="0" smtClean="0">
-                <a:latin typeface="휴먼엑스포" panose="02030504000101010101" pitchFamily="18" charset="-127"/>
-                <a:ea typeface="휴먼엑스포" panose="02030504000101010101" pitchFamily="18" charset="-127"/>
-              </a:rPr>
-              <a:t>  </a:t>
-            </a:r>
-            <a:r>
-              <a:rPr lang="ko-KR" altLang="en-US" dirty="0">
-                <a:latin typeface="돋움" panose="020B0600000101010101" pitchFamily="50" charset="-127"/>
-                <a:ea typeface="돋움" panose="020B0600000101010101" pitchFamily="50" charset="-127"/>
-              </a:rPr>
-              <a:t> </a:t>
-            </a:r>
-            <a:r>
-              <a:rPr lang="ko-KR" altLang="en-US" dirty="0" smtClean="0">
-                <a:latin typeface="돋움" panose="020B0600000101010101" pitchFamily="50" charset="-127"/>
-                <a:ea typeface="돋움" panose="020B0600000101010101" pitchFamily="50" charset="-127"/>
-              </a:rPr>
-              <a:t>프로그램이 종료되면 </a:t>
-            </a:r>
-            <a:r>
-              <a:rPr lang="ko-KR" altLang="en-US" dirty="0">
-                <a:latin typeface="돋움" panose="020B0600000101010101" pitchFamily="50" charset="-127"/>
-                <a:ea typeface="돋움" panose="020B0600000101010101" pitchFamily="50" charset="-127"/>
-              </a:rPr>
-              <a:t>메모리에서 소멸한다</a:t>
-            </a:r>
-            <a:r>
-              <a:rPr lang="en-US" altLang="ko-KR" dirty="0">
-                <a:latin typeface="돋움" panose="020B0600000101010101" pitchFamily="50" charset="-127"/>
-                <a:ea typeface="돋움" panose="020B0600000101010101" pitchFamily="50" charset="-127"/>
-              </a:rPr>
-              <a:t>.</a:t>
-            </a:r>
-            <a:endParaRPr lang="en-US" altLang="ko-KR" sz="1400" dirty="0">
-              <a:latin typeface="돋움" panose="020B0600000101010101" pitchFamily="50" charset="-127"/>
-              <a:ea typeface="돋움" panose="020B0600000101010101" pitchFamily="50" charset="-127"/>
-            </a:endParaRPr>
-          </a:p>
-          <a:p>
-            <a:pPr>
-              <a:lnSpc>
-                <a:spcPct val="150000"/>
-              </a:lnSpc>
-            </a:pPr>
-            <a:r>
-              <a:rPr lang="ko-KR" altLang="en-US" sz="2000" dirty="0" smtClean="0">
-                <a:latin typeface="휴먼엑스포" panose="02030504000101010101" pitchFamily="18" charset="-127"/>
-                <a:ea typeface="휴먼엑스포" panose="02030504000101010101" pitchFamily="18" charset="-127"/>
-              </a:rPr>
-              <a:t> </a:t>
-            </a:r>
-            <a:endParaRPr lang="en-US" altLang="ko-KR" sz="1600" dirty="0">
-              <a:latin typeface="휴먼엑스포" panose="02030504000101010101" pitchFamily="18" charset="-127"/>
-              <a:ea typeface="휴먼엑스포" panose="02030504000101010101" pitchFamily="18" charset="-127"/>
-            </a:endParaRPr>
-          </a:p>
-        </p:txBody>
-      </p:sp>
     </p:spTree>
     <p:extLst>
       <p:ext uri="{BB962C8B-B14F-4D97-AF65-F5344CB8AC3E}">
-        <p14:creationId xmlns:p14="http://schemas.microsoft.com/office/powerpoint/2010/main" val="2783403971"/>
+        <p14:creationId xmlns:p14="http://schemas.microsoft.com/office/powerpoint/2010/main" val="1140853588"/>
       </p:ext>
     </p:extLst>
   </p:cSld>
@@ -9608,240 +9413,9 @@
           <a:chExt cx="0" cy="0"/>
         </a:xfrm>
       </p:grpSpPr>
-      <p:sp>
-        <p:nvSpPr>
-          <p:cNvPr id="2" name="제목 1"/>
-          <p:cNvSpPr>
-            <a:spLocks noGrp="1"/>
-          </p:cNvSpPr>
-          <p:nvPr>
-            <p:ph type="title"/>
-          </p:nvPr>
-        </p:nvSpPr>
-        <p:spPr/>
-        <p:txBody>
-          <a:bodyPr/>
-          <a:lstStyle/>
-          <a:p>
-            <a:r>
-              <a:rPr lang="en-US" altLang="ko-KR" dirty="0"/>
-              <a:t> </a:t>
-            </a:r>
-            <a:r>
-              <a:rPr lang="ko-KR" altLang="en-US" dirty="0" smtClean="0"/>
-              <a:t>변수의 유효 범위 </a:t>
-            </a:r>
-            <a:r>
-              <a:rPr lang="en-US" altLang="ko-KR" dirty="0" smtClean="0"/>
-              <a:t>- </a:t>
-            </a:r>
-            <a:r>
-              <a:rPr lang="ko-KR" altLang="en-US" dirty="0" smtClean="0"/>
-              <a:t>지역변수</a:t>
-            </a:r>
-            <a:endParaRPr lang="ko-KR" altLang="en-US" dirty="0"/>
-          </a:p>
-        </p:txBody>
-      </p:sp>
-      <p:sp>
-        <p:nvSpPr>
-          <p:cNvPr id="4" name="슬라이드 번호 개체 틀 3"/>
-          <p:cNvSpPr>
-            <a:spLocks noGrp="1"/>
-          </p:cNvSpPr>
-          <p:nvPr>
-            <p:ph type="sldNum" sz="quarter" idx="12"/>
-          </p:nvPr>
-        </p:nvSpPr>
-        <p:spPr/>
-        <p:txBody>
-          <a:bodyPr/>
-          <a:lstStyle/>
-          <a:p>
-            <a:fld id="{1BDE3FE7-3AEA-4B05-AC5A-802D1816ACF0}" type="slidenum">
-              <a:rPr lang="ko-KR" altLang="en-US" smtClean="0"/>
-              <a:t>20</a:t>
-            </a:fld>
-            <a:endParaRPr lang="ko-KR" altLang="en-US"/>
-          </a:p>
-        </p:txBody>
-      </p:sp>
-      <p:sp>
-        <p:nvSpPr>
-          <p:cNvPr id="14" name="TextBox 13"/>
-          <p:cNvSpPr txBox="1"/>
-          <p:nvPr/>
-        </p:nvSpPr>
-        <p:spPr>
-          <a:xfrm>
-            <a:off x="1026550" y="1183733"/>
-            <a:ext cx="8462954" cy="1384995"/>
-          </a:xfrm>
-          <a:prstGeom prst="rect">
-            <a:avLst/>
-          </a:prstGeom>
-          <a:noFill/>
-          <a:ln>
-            <a:noFill/>
-          </a:ln>
-        </p:spPr>
-        <p:style>
-          <a:lnRef idx="1">
-            <a:schemeClr val="accent3"/>
-          </a:lnRef>
-          <a:fillRef idx="2">
-            <a:schemeClr val="accent3"/>
-          </a:fillRef>
-          <a:effectRef idx="1">
-            <a:schemeClr val="accent3"/>
-          </a:effectRef>
-          <a:fontRef idx="minor">
-            <a:schemeClr val="dk1"/>
-          </a:fontRef>
-        </p:style>
-        <p:txBody>
-          <a:bodyPr wrap="square" rtlCol="0">
-            <a:spAutoFit/>
-          </a:bodyPr>
-          <a:lstStyle/>
-          <a:p>
-            <a:pPr marL="342900" indent="-342900">
-              <a:lnSpc>
-                <a:spcPct val="150000"/>
-              </a:lnSpc>
-              <a:buFont typeface="Wingdings" panose="05000000000000000000" pitchFamily="2" charset="2"/>
-              <a:buChar char="§"/>
-            </a:pPr>
-            <a:r>
-              <a:rPr lang="ko-KR" altLang="en-US" sz="2000" dirty="0" smtClean="0">
-                <a:latin typeface="휴먼엑스포" panose="02030504000101010101" pitchFamily="18" charset="-127"/>
-                <a:ea typeface="휴먼엑스포" panose="02030504000101010101" pitchFamily="18" charset="-127"/>
-              </a:rPr>
-              <a:t>지역 변수</a:t>
-            </a:r>
-            <a:r>
-              <a:rPr lang="en-US" altLang="ko-KR" sz="2000" dirty="0" smtClean="0">
-                <a:latin typeface="휴먼엑스포" panose="02030504000101010101" pitchFamily="18" charset="-127"/>
-                <a:ea typeface="휴먼엑스포" panose="02030504000101010101" pitchFamily="18" charset="-127"/>
-              </a:rPr>
-              <a:t>(local variable)</a:t>
-            </a:r>
-            <a:r>
-              <a:rPr lang="ko-KR" altLang="en-US" sz="2000" dirty="0" smtClean="0">
-                <a:latin typeface="휴먼엑스포" panose="02030504000101010101" pitchFamily="18" charset="-127"/>
-                <a:ea typeface="휴먼엑스포" panose="02030504000101010101" pitchFamily="18" charset="-127"/>
-              </a:rPr>
-              <a:t>의 유효 범위</a:t>
-            </a:r>
-            <a:endParaRPr lang="en-US" altLang="ko-KR" sz="2000" dirty="0" smtClean="0">
-              <a:latin typeface="휴먼엑스포" panose="02030504000101010101" pitchFamily="18" charset="-127"/>
-              <a:ea typeface="휴먼엑스포" panose="02030504000101010101" pitchFamily="18" charset="-127"/>
-            </a:endParaRPr>
-          </a:p>
-          <a:p>
-            <a:pPr lvl="1">
-              <a:lnSpc>
-                <a:spcPct val="150000"/>
-              </a:lnSpc>
-            </a:pPr>
-            <a:r>
-              <a:rPr lang="ko-KR" altLang="en-US" dirty="0" smtClean="0">
-                <a:latin typeface="돋움" panose="020B0600000101010101" pitchFamily="50" charset="-127"/>
-                <a:ea typeface="돋움" panose="020B0600000101010101" pitchFamily="50" charset="-127"/>
-              </a:rPr>
-              <a:t>지역변수는 함수나 명령문</a:t>
-            </a:r>
-            <a:r>
-              <a:rPr lang="en-US" altLang="ko-KR" dirty="0" smtClean="0">
-                <a:latin typeface="돋움" panose="020B0600000101010101" pitchFamily="50" charset="-127"/>
-                <a:ea typeface="돋움" panose="020B0600000101010101" pitchFamily="50" charset="-127"/>
-              </a:rPr>
-              <a:t>(</a:t>
-            </a:r>
-            <a:r>
-              <a:rPr lang="ko-KR" altLang="en-US" dirty="0" smtClean="0">
-                <a:latin typeface="돋움" panose="020B0600000101010101" pitchFamily="50" charset="-127"/>
-                <a:ea typeface="돋움" panose="020B0600000101010101" pitchFamily="50" charset="-127"/>
-              </a:rPr>
-              <a:t>조건</a:t>
-            </a:r>
-            <a:r>
-              <a:rPr lang="en-US" altLang="ko-KR" dirty="0" smtClean="0">
-                <a:latin typeface="돋움" panose="020B0600000101010101" pitchFamily="50" charset="-127"/>
-                <a:ea typeface="돋움" panose="020B0600000101010101" pitchFamily="50" charset="-127"/>
-              </a:rPr>
-              <a:t>, </a:t>
-            </a:r>
-            <a:r>
-              <a:rPr lang="ko-KR" altLang="en-US" dirty="0" smtClean="0">
-                <a:latin typeface="돋움" panose="020B0600000101010101" pitchFamily="50" charset="-127"/>
-                <a:ea typeface="돋움" panose="020B0600000101010101" pitchFamily="50" charset="-127"/>
-              </a:rPr>
-              <a:t>반복</a:t>
-            </a:r>
-            <a:r>
-              <a:rPr lang="en-US" altLang="ko-KR" dirty="0" smtClean="0">
-                <a:latin typeface="돋움" panose="020B0600000101010101" pitchFamily="50" charset="-127"/>
-                <a:ea typeface="돋움" panose="020B0600000101010101" pitchFamily="50" charset="-127"/>
-              </a:rPr>
-              <a:t>)</a:t>
-            </a:r>
-            <a:r>
-              <a:rPr lang="ko-KR" altLang="en-US" dirty="0" smtClean="0">
-                <a:latin typeface="돋움" panose="020B0600000101010101" pitchFamily="50" charset="-127"/>
-                <a:ea typeface="돋움" panose="020B0600000101010101" pitchFamily="50" charset="-127"/>
-              </a:rPr>
-              <a:t>의 블록 안에서 생성되며</a:t>
-            </a:r>
-            <a:endParaRPr lang="en-US" altLang="ko-KR" dirty="0" smtClean="0">
-              <a:latin typeface="돋움" panose="020B0600000101010101" pitchFamily="50" charset="-127"/>
-              <a:ea typeface="돋움" panose="020B0600000101010101" pitchFamily="50" charset="-127"/>
-            </a:endParaRPr>
-          </a:p>
-          <a:p>
-            <a:pPr lvl="1">
-              <a:lnSpc>
-                <a:spcPct val="150000"/>
-              </a:lnSpc>
-            </a:pPr>
-            <a:r>
-              <a:rPr lang="ko-KR" altLang="en-US" dirty="0" smtClean="0">
-                <a:latin typeface="돋움" panose="020B0600000101010101" pitchFamily="50" charset="-127"/>
-                <a:ea typeface="돋움" panose="020B0600000101010101" pitchFamily="50" charset="-127"/>
-              </a:rPr>
-              <a:t>블록</a:t>
-            </a:r>
-            <a:r>
-              <a:rPr lang="en-US" altLang="ko-KR" dirty="0" smtClean="0">
-                <a:latin typeface="돋움" panose="020B0600000101010101" pitchFamily="50" charset="-127"/>
-                <a:ea typeface="돋움" panose="020B0600000101010101" pitchFamily="50" charset="-127"/>
-              </a:rPr>
-              <a:t>{ }</a:t>
-            </a:r>
-            <a:r>
-              <a:rPr lang="ko-KR" altLang="en-US" dirty="0" smtClean="0">
-                <a:latin typeface="돋움" panose="020B0600000101010101" pitchFamily="50" charset="-127"/>
-                <a:ea typeface="돋움" panose="020B0600000101010101" pitchFamily="50" charset="-127"/>
-              </a:rPr>
-              <a:t>을 벗어나면 메모리에서 소멸한다</a:t>
-            </a:r>
-            <a:r>
-              <a:rPr lang="en-US" altLang="ko-KR" dirty="0" smtClean="0">
-                <a:latin typeface="돋움" panose="020B0600000101010101" pitchFamily="50" charset="-127"/>
-                <a:ea typeface="돋움" panose="020B0600000101010101" pitchFamily="50" charset="-127"/>
-              </a:rPr>
-              <a:t>.</a:t>
-            </a:r>
-            <a:endParaRPr lang="en-US" altLang="ko-KR" sz="1400" dirty="0">
-              <a:latin typeface="돋움" panose="020B0600000101010101" pitchFamily="50" charset="-127"/>
-              <a:ea typeface="돋움" panose="020B0600000101010101" pitchFamily="50" charset="-127"/>
-            </a:endParaRPr>
-          </a:p>
-        </p:txBody>
-      </p:sp>
       <p:pic>
         <p:nvPicPr>
-          <p:cNvPr id="3" name="그림 2"/>
+          <p:cNvPr id="6" name="그림 5"/>
           <p:cNvPicPr>
             <a:picLocks noChangeAspect="1"/>
           </p:cNvPicPr>
@@ -9861,62 +9435,282 @@
         </p:blipFill>
         <p:spPr>
           <a:xfrm>
-            <a:off x="1841908" y="2838325"/>
-            <a:ext cx="2361343" cy="2808312"/>
+            <a:off x="1856656" y="3356991"/>
+            <a:ext cx="4824536" cy="2213267"/>
           </a:xfrm>
           <a:prstGeom prst="rect">
             <a:avLst/>
           </a:prstGeom>
           <a:ln>
             <a:solidFill>
-              <a:schemeClr val="bg1">
-                <a:lumMod val="85000"/>
+              <a:schemeClr val="accent4">
+                <a:lumMod val="20000"/>
+                <a:lumOff val="80000"/>
               </a:schemeClr>
             </a:solidFill>
           </a:ln>
         </p:spPr>
       </p:pic>
-      <p:pic>
-        <p:nvPicPr>
-          <p:cNvPr id="5" name="그림 4"/>
-          <p:cNvPicPr>
-            <a:picLocks noChangeAspect="1"/>
-          </p:cNvPicPr>
+      <p:sp>
+        <p:nvSpPr>
+          <p:cNvPr id="2" name="제목 1"/>
+          <p:cNvSpPr>
+            <a:spLocks noGrp="1"/>
+          </p:cNvSpPr>
+          <p:nvPr>
+            <p:ph type="title"/>
+          </p:nvPr>
+        </p:nvSpPr>
+        <p:spPr/>
+        <p:txBody>
+          <a:bodyPr/>
+          <a:lstStyle/>
+          <a:p>
+            <a:r>
+              <a:rPr lang="en-US" altLang="ko-KR" dirty="0"/>
+              <a:t> </a:t>
+            </a:r>
+            <a:r>
+              <a:rPr lang="ko-KR" altLang="en-US" dirty="0" smtClean="0"/>
+              <a:t>변수의 유효 범위 </a:t>
+            </a:r>
+            <a:r>
+              <a:rPr lang="en-US" altLang="ko-KR" dirty="0" smtClean="0"/>
+              <a:t>- </a:t>
+            </a:r>
+            <a:r>
+              <a:rPr lang="ko-KR" altLang="en-US" dirty="0" smtClean="0"/>
+              <a:t>전역변수</a:t>
+            </a:r>
+            <a:endParaRPr lang="ko-KR" altLang="en-US" dirty="0"/>
+          </a:p>
+        </p:txBody>
+      </p:sp>
+      <p:sp>
+        <p:nvSpPr>
+          <p:cNvPr id="4" name="슬라이드 번호 개체 틀 3"/>
+          <p:cNvSpPr>
+            <a:spLocks noGrp="1"/>
+          </p:cNvSpPr>
+          <p:nvPr>
+            <p:ph type="sldNum" sz="quarter" idx="12"/>
+          </p:nvPr>
+        </p:nvSpPr>
+        <p:spPr/>
+        <p:txBody>
+          <a:bodyPr/>
+          <a:lstStyle/>
+          <a:p>
+            <a:fld id="{1BDE3FE7-3AEA-4B05-AC5A-802D1816ACF0}" type="slidenum">
+              <a:rPr lang="ko-KR" altLang="en-US" smtClean="0"/>
+              <a:t>20</a:t>
+            </a:fld>
+            <a:endParaRPr lang="ko-KR" altLang="en-US"/>
+          </a:p>
+        </p:txBody>
+      </p:sp>
+      <p:sp>
+        <p:nvSpPr>
+          <p:cNvPr id="14" name="TextBox 13"/>
+          <p:cNvSpPr txBox="1"/>
           <p:nvPr/>
-        </p:nvPicPr>
-        <p:blipFill>
-          <a:blip r:embed="rId3">
-            <a:extLst>
-              <a:ext uri="{28A0092B-C50C-407E-A947-70E740481C1C}">
-                <a14:useLocalDpi xmlns:a14="http://schemas.microsoft.com/office/drawing/2010/main" val="0"/>
-              </a:ext>
-            </a:extLst>
-          </a:blip>
-          <a:stretch>
-            <a:fillRect/>
-          </a:stretch>
-        </p:blipFill>
+        </p:nvSpPr>
         <p:spPr>
           <a:xfrm>
-            <a:off x="4592960" y="2838325"/>
-            <a:ext cx="4099916" cy="1737511"/>
+            <a:off x="1026550" y="1183733"/>
+            <a:ext cx="7958898" cy="2400657"/>
           </a:xfrm>
           <a:prstGeom prst="rect">
             <a:avLst/>
           </a:prstGeom>
+          <a:noFill/>
           <a:ln>
-            <a:solidFill>
-              <a:schemeClr val="bg1">
-                <a:lumMod val="85000"/>
-              </a:schemeClr>
-            </a:solidFill>
+            <a:noFill/>
           </a:ln>
         </p:spPr>
-      </p:pic>
+        <p:style>
+          <a:lnRef idx="1">
+            <a:schemeClr val="accent3"/>
+          </a:lnRef>
+          <a:fillRef idx="2">
+            <a:schemeClr val="accent3"/>
+          </a:fillRef>
+          <a:effectRef idx="1">
+            <a:schemeClr val="accent3"/>
+          </a:effectRef>
+          <a:fontRef idx="minor">
+            <a:schemeClr val="dk1"/>
+          </a:fontRef>
+        </p:style>
+        <p:txBody>
+          <a:bodyPr wrap="square" rtlCol="0">
+            <a:spAutoFit/>
+          </a:bodyPr>
+          <a:lstStyle/>
+          <a:p>
+            <a:pPr marL="342900" indent="-342900">
+              <a:lnSpc>
+                <a:spcPct val="150000"/>
+              </a:lnSpc>
+              <a:buFont typeface="Wingdings" panose="05000000000000000000" pitchFamily="2" charset="2"/>
+              <a:buChar char="§"/>
+            </a:pPr>
+            <a:r>
+              <a:rPr lang="ko-KR" altLang="en-US" sz="2000" dirty="0" smtClean="0">
+                <a:latin typeface="휴먼엑스포" panose="02030504000101010101" pitchFamily="18" charset="-127"/>
+                <a:ea typeface="휴먼엑스포" panose="02030504000101010101" pitchFamily="18" charset="-127"/>
+              </a:rPr>
+              <a:t>전역 변수의 유효 범위</a:t>
+            </a:r>
+            <a:endParaRPr lang="en-US" altLang="ko-KR" sz="2000" dirty="0" smtClean="0">
+              <a:latin typeface="휴먼엑스포" panose="02030504000101010101" pitchFamily="18" charset="-127"/>
+              <a:ea typeface="휴먼엑스포" panose="02030504000101010101" pitchFamily="18" charset="-127"/>
+            </a:endParaRPr>
+          </a:p>
+          <a:p>
+            <a:pPr>
+              <a:lnSpc>
+                <a:spcPct val="150000"/>
+              </a:lnSpc>
+            </a:pPr>
+            <a:r>
+              <a:rPr lang="en-US" altLang="ko-KR" sz="2000" dirty="0">
+                <a:latin typeface="휴먼엑스포" panose="02030504000101010101" pitchFamily="18" charset="-127"/>
+                <a:ea typeface="휴먼엑스포" panose="02030504000101010101" pitchFamily="18" charset="-127"/>
+              </a:rPr>
+              <a:t> </a:t>
+            </a:r>
+            <a:r>
+              <a:rPr lang="en-US" altLang="ko-KR" sz="2000" dirty="0" smtClean="0">
+                <a:latin typeface="휴먼엑스포" panose="02030504000101010101" pitchFamily="18" charset="-127"/>
+                <a:ea typeface="휴먼엑스포" panose="02030504000101010101" pitchFamily="18" charset="-127"/>
+              </a:rPr>
+              <a:t>   </a:t>
+            </a:r>
+            <a:r>
+              <a:rPr lang="ko-KR" altLang="en-US" dirty="0" smtClean="0">
+                <a:latin typeface="돋움" panose="020B0600000101010101" pitchFamily="50" charset="-127"/>
+                <a:ea typeface="돋움" panose="020B0600000101010101" pitchFamily="50" charset="-127"/>
+              </a:rPr>
+              <a:t>전역 변수는 메인 함수의 위쪽에서 선언하여 사용하고</a:t>
+            </a:r>
+            <a:endParaRPr lang="en-US" altLang="ko-KR" dirty="0" smtClean="0">
+              <a:latin typeface="돋움" panose="020B0600000101010101" pitchFamily="50" charset="-127"/>
+              <a:ea typeface="돋움" panose="020B0600000101010101" pitchFamily="50" charset="-127"/>
+            </a:endParaRPr>
+          </a:p>
+          <a:p>
+            <a:pPr>
+              <a:lnSpc>
+                <a:spcPct val="150000"/>
+              </a:lnSpc>
+            </a:pPr>
+            <a:r>
+              <a:rPr lang="en-US" altLang="ko-KR" dirty="0">
+                <a:latin typeface="돋움" panose="020B0600000101010101" pitchFamily="50" charset="-127"/>
+                <a:ea typeface="돋움" panose="020B0600000101010101" pitchFamily="50" charset="-127"/>
+              </a:rPr>
+              <a:t> </a:t>
+            </a:r>
+            <a:r>
+              <a:rPr lang="en-US" altLang="ko-KR" dirty="0" smtClean="0">
+                <a:latin typeface="돋움" panose="020B0600000101010101" pitchFamily="50" charset="-127"/>
+                <a:ea typeface="돋움" panose="020B0600000101010101" pitchFamily="50" charset="-127"/>
+              </a:rPr>
+              <a:t>    </a:t>
+            </a:r>
+            <a:r>
+              <a:rPr lang="ko-KR" altLang="en-US" dirty="0" smtClean="0">
+                <a:latin typeface="돋움" panose="020B0600000101010101" pitchFamily="50" charset="-127"/>
+                <a:ea typeface="돋움" panose="020B0600000101010101" pitchFamily="50" charset="-127"/>
+              </a:rPr>
+              <a:t>영향 범위가 전체로 미친다</a:t>
+            </a:r>
+            <a:r>
+              <a:rPr lang="en-US" altLang="ko-KR" dirty="0" smtClean="0">
+                <a:latin typeface="돋움" panose="020B0600000101010101" pitchFamily="50" charset="-127"/>
+                <a:ea typeface="돋움" panose="020B0600000101010101" pitchFamily="50" charset="-127"/>
+              </a:rPr>
+              <a:t>.</a:t>
+            </a:r>
+          </a:p>
+          <a:p>
+            <a:pPr marL="0" lvl="1">
+              <a:lnSpc>
+                <a:spcPct val="150000"/>
+              </a:lnSpc>
+            </a:pPr>
+            <a:r>
+              <a:rPr lang="en-US" altLang="ko-KR" sz="2000" dirty="0">
+                <a:latin typeface="휴먼엑스포" panose="02030504000101010101" pitchFamily="18" charset="-127"/>
+                <a:ea typeface="휴먼엑스포" panose="02030504000101010101" pitchFamily="18" charset="-127"/>
+              </a:rPr>
+              <a:t> </a:t>
+            </a:r>
+            <a:r>
+              <a:rPr lang="en-US" altLang="ko-KR" sz="2000" dirty="0" smtClean="0">
+                <a:latin typeface="휴먼엑스포" panose="02030504000101010101" pitchFamily="18" charset="-127"/>
+                <a:ea typeface="휴먼엑스포" panose="02030504000101010101" pitchFamily="18" charset="-127"/>
+              </a:rPr>
+              <a:t>  </a:t>
+            </a:r>
+            <a:r>
+              <a:rPr lang="ko-KR" altLang="en-US" dirty="0">
+                <a:latin typeface="돋움" panose="020B0600000101010101" pitchFamily="50" charset="-127"/>
+                <a:ea typeface="돋움" panose="020B0600000101010101" pitchFamily="50" charset="-127"/>
+              </a:rPr>
+              <a:t> </a:t>
+            </a:r>
+            <a:r>
+              <a:rPr lang="ko-KR" altLang="en-US" dirty="0" smtClean="0">
+                <a:latin typeface="돋움" panose="020B0600000101010101" pitchFamily="50" charset="-127"/>
+                <a:ea typeface="돋움" panose="020B0600000101010101" pitchFamily="50" charset="-127"/>
+              </a:rPr>
+              <a:t>프로그램이 종료되면 </a:t>
+            </a:r>
+            <a:r>
+              <a:rPr lang="ko-KR" altLang="en-US" dirty="0">
+                <a:latin typeface="돋움" panose="020B0600000101010101" pitchFamily="50" charset="-127"/>
+                <a:ea typeface="돋움" panose="020B0600000101010101" pitchFamily="50" charset="-127"/>
+              </a:rPr>
+              <a:t>메모리에서 소멸한다</a:t>
+            </a:r>
+            <a:r>
+              <a:rPr lang="en-US" altLang="ko-KR" dirty="0">
+                <a:latin typeface="돋움" panose="020B0600000101010101" pitchFamily="50" charset="-127"/>
+                <a:ea typeface="돋움" panose="020B0600000101010101" pitchFamily="50" charset="-127"/>
+              </a:rPr>
+              <a:t>.</a:t>
+            </a:r>
+            <a:endParaRPr lang="en-US" altLang="ko-KR" sz="1400" dirty="0">
+              <a:latin typeface="돋움" panose="020B0600000101010101" pitchFamily="50" charset="-127"/>
+              <a:ea typeface="돋움" panose="020B0600000101010101" pitchFamily="50" charset="-127"/>
+            </a:endParaRPr>
+          </a:p>
+          <a:p>
+            <a:pPr>
+              <a:lnSpc>
+                <a:spcPct val="150000"/>
+              </a:lnSpc>
+            </a:pPr>
+            <a:r>
+              <a:rPr lang="ko-KR" altLang="en-US" sz="2000" dirty="0" smtClean="0">
+                <a:latin typeface="휴먼엑스포" panose="02030504000101010101" pitchFamily="18" charset="-127"/>
+                <a:ea typeface="휴먼엑스포" panose="02030504000101010101" pitchFamily="18" charset="-127"/>
+              </a:rPr>
+              <a:t> </a:t>
+            </a:r>
+            <a:endParaRPr lang="en-US" altLang="ko-KR" sz="1600" dirty="0">
+              <a:latin typeface="휴먼엑스포" panose="02030504000101010101" pitchFamily="18" charset="-127"/>
+              <a:ea typeface="휴먼엑스포" panose="02030504000101010101" pitchFamily="18" charset="-127"/>
+            </a:endParaRPr>
+          </a:p>
+        </p:txBody>
+      </p:sp>
     </p:spTree>
     <p:extLst>
       <p:ext uri="{BB962C8B-B14F-4D97-AF65-F5344CB8AC3E}">
-        <p14:creationId xmlns:p14="http://schemas.microsoft.com/office/powerpoint/2010/main" val="1944896977"/>
+        <p14:creationId xmlns:p14="http://schemas.microsoft.com/office/powerpoint/2010/main" val="2783403971"/>
       </p:ext>
     </p:extLst>
   </p:cSld>
@@ -9978,8 +9772,8 @@
               <a:t>- </a:t>
             </a:r>
             <a:r>
-              <a:rPr lang="ko-KR" altLang="en-US" dirty="0" err="1" smtClean="0"/>
-              <a:t>정적변수</a:t>
+              <a:rPr lang="ko-KR" altLang="en-US" dirty="0" smtClean="0"/>
+              <a:t>지역변수</a:t>
             </a:r>
             <a:endParaRPr lang="ko-KR" altLang="en-US" dirty="0"/>
           </a:p>
@@ -10017,7 +9811,7 @@
         <p:spPr>
           <a:xfrm>
             <a:off x="1026550" y="1183733"/>
-            <a:ext cx="6302714" cy="553998"/>
+            <a:ext cx="8462954" cy="1384995"/>
           </a:xfrm>
           <a:prstGeom prst="rect">
             <a:avLst/>
@@ -10059,52 +9853,131 @@
                 <a:latin typeface="휴먼엑스포" panose="02030504000101010101" pitchFamily="18" charset="-127"/>
                 <a:ea typeface="휴먼엑스포" panose="02030504000101010101" pitchFamily="18" charset="-127"/>
               </a:rPr>
-              <a:t>전역 변수의 유효 범위 </a:t>
+              <a:t>지역 변수</a:t>
             </a:r>
             <a:r>
               <a:rPr lang="en-US" altLang="ko-KR" sz="2000" dirty="0" smtClean="0">
                 <a:latin typeface="휴먼엑스포" panose="02030504000101010101" pitchFamily="18" charset="-127"/>
                 <a:ea typeface="휴먼엑스포" panose="02030504000101010101" pitchFamily="18" charset="-127"/>
               </a:rPr>
-              <a:t>– </a:t>
-            </a:r>
-            <a:r>
-              <a:rPr lang="en-US" altLang="ko-KR" sz="2000" dirty="0" smtClean="0">
-                <a:solidFill>
-                  <a:srgbClr val="C00000"/>
-                </a:solidFill>
-                <a:latin typeface="휴먼엑스포" panose="02030504000101010101" pitchFamily="18" charset="-127"/>
-                <a:ea typeface="휴먼엑스포" panose="02030504000101010101" pitchFamily="18" charset="-127"/>
-              </a:rPr>
-              <a:t>global </a:t>
-            </a:r>
-            <a:r>
-              <a:rPr lang="ko-KR" altLang="en-US" sz="2000" dirty="0" smtClean="0">
-                <a:solidFill>
-                  <a:srgbClr val="C00000"/>
-                </a:solidFill>
-                <a:latin typeface="휴먼엑스포" panose="02030504000101010101" pitchFamily="18" charset="-127"/>
-                <a:ea typeface="휴먼엑스포" panose="02030504000101010101" pitchFamily="18" charset="-127"/>
-              </a:rPr>
-              <a:t>키워드 사용</a:t>
+              <a:t>(local variable)</a:t>
             </a:r>
             <a:r>
               <a:rPr lang="ko-KR" altLang="en-US" sz="2000" dirty="0" smtClean="0">
                 <a:latin typeface="휴먼엑스포" panose="02030504000101010101" pitchFamily="18" charset="-127"/>
                 <a:ea typeface="휴먼엑스포" panose="02030504000101010101" pitchFamily="18" charset="-127"/>
               </a:rPr>
-              <a:t> </a:t>
-            </a:r>
-            <a:endParaRPr lang="en-US" altLang="ko-KR" sz="1600" dirty="0">
+              <a:t>의 유효 범위</a:t>
+            </a:r>
+            <a:endParaRPr lang="en-US" altLang="ko-KR" sz="2000" dirty="0" smtClean="0">
               <a:latin typeface="휴먼엑스포" panose="02030504000101010101" pitchFamily="18" charset="-127"/>
               <a:ea typeface="휴먼엑스포" panose="02030504000101010101" pitchFamily="18" charset="-127"/>
             </a:endParaRPr>
           </a:p>
+          <a:p>
+            <a:pPr lvl="1">
+              <a:lnSpc>
+                <a:spcPct val="150000"/>
+              </a:lnSpc>
+            </a:pPr>
+            <a:r>
+              <a:rPr lang="ko-KR" altLang="en-US" dirty="0" smtClean="0">
+                <a:latin typeface="돋움" panose="020B0600000101010101" pitchFamily="50" charset="-127"/>
+                <a:ea typeface="돋움" panose="020B0600000101010101" pitchFamily="50" charset="-127"/>
+              </a:rPr>
+              <a:t>지역변수는 함수나 명령문</a:t>
+            </a:r>
+            <a:r>
+              <a:rPr lang="en-US" altLang="ko-KR" dirty="0" smtClean="0">
+                <a:latin typeface="돋움" panose="020B0600000101010101" pitchFamily="50" charset="-127"/>
+                <a:ea typeface="돋움" panose="020B0600000101010101" pitchFamily="50" charset="-127"/>
+              </a:rPr>
+              <a:t>(</a:t>
+            </a:r>
+            <a:r>
+              <a:rPr lang="ko-KR" altLang="en-US" dirty="0" smtClean="0">
+                <a:latin typeface="돋움" panose="020B0600000101010101" pitchFamily="50" charset="-127"/>
+                <a:ea typeface="돋움" panose="020B0600000101010101" pitchFamily="50" charset="-127"/>
+              </a:rPr>
+              <a:t>조건</a:t>
+            </a:r>
+            <a:r>
+              <a:rPr lang="en-US" altLang="ko-KR" dirty="0" smtClean="0">
+                <a:latin typeface="돋움" panose="020B0600000101010101" pitchFamily="50" charset="-127"/>
+                <a:ea typeface="돋움" panose="020B0600000101010101" pitchFamily="50" charset="-127"/>
+              </a:rPr>
+              <a:t>, </a:t>
+            </a:r>
+            <a:r>
+              <a:rPr lang="ko-KR" altLang="en-US" dirty="0" smtClean="0">
+                <a:latin typeface="돋움" panose="020B0600000101010101" pitchFamily="50" charset="-127"/>
+                <a:ea typeface="돋움" panose="020B0600000101010101" pitchFamily="50" charset="-127"/>
+              </a:rPr>
+              <a:t>반복</a:t>
+            </a:r>
+            <a:r>
+              <a:rPr lang="en-US" altLang="ko-KR" dirty="0" smtClean="0">
+                <a:latin typeface="돋움" panose="020B0600000101010101" pitchFamily="50" charset="-127"/>
+                <a:ea typeface="돋움" panose="020B0600000101010101" pitchFamily="50" charset="-127"/>
+              </a:rPr>
+              <a:t>)</a:t>
+            </a:r>
+            <a:r>
+              <a:rPr lang="ko-KR" altLang="en-US" dirty="0" smtClean="0">
+                <a:latin typeface="돋움" panose="020B0600000101010101" pitchFamily="50" charset="-127"/>
+                <a:ea typeface="돋움" panose="020B0600000101010101" pitchFamily="50" charset="-127"/>
+              </a:rPr>
+              <a:t>의 블록 안에서 생성되며</a:t>
+            </a:r>
+            <a:endParaRPr lang="en-US" altLang="ko-KR" dirty="0" smtClean="0">
+              <a:latin typeface="돋움" panose="020B0600000101010101" pitchFamily="50" charset="-127"/>
+              <a:ea typeface="돋움" panose="020B0600000101010101" pitchFamily="50" charset="-127"/>
+            </a:endParaRPr>
+          </a:p>
+          <a:p>
+            <a:pPr lvl="1">
+              <a:lnSpc>
+                <a:spcPct val="150000"/>
+              </a:lnSpc>
+            </a:pPr>
+            <a:r>
+              <a:rPr lang="ko-KR" altLang="en-US" dirty="0" smtClean="0">
+                <a:latin typeface="돋움" panose="020B0600000101010101" pitchFamily="50" charset="-127"/>
+                <a:ea typeface="돋움" panose="020B0600000101010101" pitchFamily="50" charset="-127"/>
+              </a:rPr>
+              <a:t>블록</a:t>
+            </a:r>
+            <a:r>
+              <a:rPr lang="en-US" altLang="ko-KR" dirty="0" smtClean="0">
+                <a:latin typeface="돋움" panose="020B0600000101010101" pitchFamily="50" charset="-127"/>
+                <a:ea typeface="돋움" panose="020B0600000101010101" pitchFamily="50" charset="-127"/>
+              </a:rPr>
+              <a:t>{ }</a:t>
+            </a:r>
+            <a:r>
+              <a:rPr lang="ko-KR" altLang="en-US" dirty="0" smtClean="0">
+                <a:latin typeface="돋움" panose="020B0600000101010101" pitchFamily="50" charset="-127"/>
+                <a:ea typeface="돋움" panose="020B0600000101010101" pitchFamily="50" charset="-127"/>
+              </a:rPr>
+              <a:t>을 벗어나면 메모리에서 소멸한다</a:t>
+            </a:r>
+            <a:r>
+              <a:rPr lang="en-US" altLang="ko-KR" dirty="0" smtClean="0">
+                <a:latin typeface="돋움" panose="020B0600000101010101" pitchFamily="50" charset="-127"/>
+                <a:ea typeface="돋움" panose="020B0600000101010101" pitchFamily="50" charset="-127"/>
+              </a:rPr>
+              <a:t>.</a:t>
+            </a:r>
+            <a:endParaRPr lang="en-US" altLang="ko-KR" sz="1400" dirty="0">
+              <a:latin typeface="돋움" panose="020B0600000101010101" pitchFamily="50" charset="-127"/>
+              <a:ea typeface="돋움" panose="020B0600000101010101" pitchFamily="50" charset="-127"/>
+            </a:endParaRPr>
+          </a:p>
         </p:txBody>
       </p:sp>
       <p:pic>
         <p:nvPicPr>
-          <p:cNvPr id="6" name="그림 5"/>
+          <p:cNvPr id="3" name="그림 2"/>
           <p:cNvPicPr>
             <a:picLocks noChangeAspect="1"/>
           </p:cNvPicPr>
@@ -10124,8 +9997,8 @@
         </p:blipFill>
         <p:spPr>
           <a:xfrm>
-            <a:off x="1981486" y="2072613"/>
-            <a:ext cx="2467458" cy="3048036"/>
+            <a:off x="1841908" y="2838325"/>
+            <a:ext cx="2361343" cy="2808312"/>
           </a:xfrm>
           <a:prstGeom prst="rect">
             <a:avLst/>
@@ -10141,7 +10014,7 @@
       </p:pic>
       <p:pic>
         <p:nvPicPr>
-          <p:cNvPr id="7" name="그림 6"/>
+          <p:cNvPr id="5" name="그림 4"/>
           <p:cNvPicPr>
             <a:picLocks noChangeAspect="1"/>
           </p:cNvPicPr>
@@ -10161,8 +10034,8 @@
         </p:blipFill>
         <p:spPr>
           <a:xfrm>
-            <a:off x="4880992" y="4077072"/>
-            <a:ext cx="342930" cy="975445"/>
+            <a:off x="4592960" y="2838325"/>
+            <a:ext cx="4099916" cy="1737511"/>
           </a:xfrm>
           <a:prstGeom prst="rect">
             <a:avLst/>
@@ -10179,7 +10052,7 @@
     </p:spTree>
     <p:extLst>
       <p:ext uri="{BB962C8B-B14F-4D97-AF65-F5344CB8AC3E}">
-        <p14:creationId xmlns:p14="http://schemas.microsoft.com/office/powerpoint/2010/main" val="1416554890"/>
+        <p14:creationId xmlns:p14="http://schemas.microsoft.com/office/powerpoint/2010/main" val="1944896977"/>
       </p:ext>
     </p:extLst>
   </p:cSld>
@@ -10215,6 +10088,269 @@
       </p:grpSpPr>
       <p:sp>
         <p:nvSpPr>
+          <p:cNvPr id="2" name="제목 1"/>
+          <p:cNvSpPr>
+            <a:spLocks noGrp="1"/>
+          </p:cNvSpPr>
+          <p:nvPr>
+            <p:ph type="title"/>
+          </p:nvPr>
+        </p:nvSpPr>
+        <p:spPr/>
+        <p:txBody>
+          <a:bodyPr/>
+          <a:lstStyle/>
+          <a:p>
+            <a:r>
+              <a:rPr lang="en-US" altLang="ko-KR" dirty="0"/>
+              <a:t> </a:t>
+            </a:r>
+            <a:r>
+              <a:rPr lang="ko-KR" altLang="en-US" dirty="0" smtClean="0"/>
+              <a:t>변수의 유효 범위 </a:t>
+            </a:r>
+            <a:r>
+              <a:rPr lang="en-US" altLang="ko-KR" dirty="0" smtClean="0"/>
+              <a:t>- </a:t>
+            </a:r>
+            <a:r>
+              <a:rPr lang="ko-KR" altLang="en-US" dirty="0" err="1" smtClean="0"/>
+              <a:t>정적변수</a:t>
+            </a:r>
+            <a:endParaRPr lang="ko-KR" altLang="en-US" dirty="0"/>
+          </a:p>
+        </p:txBody>
+      </p:sp>
+      <p:sp>
+        <p:nvSpPr>
+          <p:cNvPr id="4" name="슬라이드 번호 개체 틀 3"/>
+          <p:cNvSpPr>
+            <a:spLocks noGrp="1"/>
+          </p:cNvSpPr>
+          <p:nvPr>
+            <p:ph type="sldNum" sz="quarter" idx="12"/>
+          </p:nvPr>
+        </p:nvSpPr>
+        <p:spPr/>
+        <p:txBody>
+          <a:bodyPr/>
+          <a:lstStyle/>
+          <a:p>
+            <a:fld id="{1BDE3FE7-3AEA-4B05-AC5A-802D1816ACF0}" type="slidenum">
+              <a:rPr lang="ko-KR" altLang="en-US" smtClean="0"/>
+              <a:t>22</a:t>
+            </a:fld>
+            <a:endParaRPr lang="ko-KR" altLang="en-US"/>
+          </a:p>
+        </p:txBody>
+      </p:sp>
+      <p:sp>
+        <p:nvSpPr>
+          <p:cNvPr id="14" name="TextBox 13"/>
+          <p:cNvSpPr txBox="1"/>
+          <p:nvPr/>
+        </p:nvSpPr>
+        <p:spPr>
+          <a:xfrm>
+            <a:off x="1026550" y="1183733"/>
+            <a:ext cx="6302714" cy="553998"/>
+          </a:xfrm>
+          <a:prstGeom prst="rect">
+            <a:avLst/>
+          </a:prstGeom>
+          <a:noFill/>
+          <a:ln>
+            <a:noFill/>
+          </a:ln>
+        </p:spPr>
+        <p:style>
+          <a:lnRef idx="1">
+            <a:schemeClr val="accent3"/>
+          </a:lnRef>
+          <a:fillRef idx="2">
+            <a:schemeClr val="accent3"/>
+          </a:fillRef>
+          <a:effectRef idx="1">
+            <a:schemeClr val="accent3"/>
+          </a:effectRef>
+          <a:fontRef idx="minor">
+            <a:schemeClr val="dk1"/>
+          </a:fontRef>
+        </p:style>
+        <p:txBody>
+          <a:bodyPr wrap="square" rtlCol="0">
+            <a:spAutoFit/>
+          </a:bodyPr>
+          <a:lstStyle/>
+          <a:p>
+            <a:pPr marL="342900" indent="-342900">
+              <a:lnSpc>
+                <a:spcPct val="150000"/>
+              </a:lnSpc>
+              <a:buFont typeface="Wingdings" panose="05000000000000000000" pitchFamily="2" charset="2"/>
+              <a:buChar char="§"/>
+            </a:pPr>
+            <a:r>
+              <a:rPr lang="ko-KR" altLang="en-US" sz="2000" dirty="0" smtClean="0">
+                <a:latin typeface="휴먼엑스포" panose="02030504000101010101" pitchFamily="18" charset="-127"/>
+                <a:ea typeface="휴먼엑스포" panose="02030504000101010101" pitchFamily="18" charset="-127"/>
+              </a:rPr>
+              <a:t>전역 변수의 유효 범위 </a:t>
+            </a:r>
+            <a:r>
+              <a:rPr lang="en-US" altLang="ko-KR" sz="2000" dirty="0" smtClean="0">
+                <a:latin typeface="휴먼엑스포" panose="02030504000101010101" pitchFamily="18" charset="-127"/>
+                <a:ea typeface="휴먼엑스포" panose="02030504000101010101" pitchFamily="18" charset="-127"/>
+              </a:rPr>
+              <a:t>– </a:t>
+            </a:r>
+            <a:r>
+              <a:rPr lang="en-US" altLang="ko-KR" sz="2000" dirty="0" smtClean="0">
+                <a:solidFill>
+                  <a:srgbClr val="C00000"/>
+                </a:solidFill>
+                <a:latin typeface="휴먼엑스포" panose="02030504000101010101" pitchFamily="18" charset="-127"/>
+                <a:ea typeface="휴먼엑스포" panose="02030504000101010101" pitchFamily="18" charset="-127"/>
+              </a:rPr>
+              <a:t>global </a:t>
+            </a:r>
+            <a:r>
+              <a:rPr lang="ko-KR" altLang="en-US" sz="2000" dirty="0" smtClean="0">
+                <a:solidFill>
+                  <a:srgbClr val="C00000"/>
+                </a:solidFill>
+                <a:latin typeface="휴먼엑스포" panose="02030504000101010101" pitchFamily="18" charset="-127"/>
+                <a:ea typeface="휴먼엑스포" panose="02030504000101010101" pitchFamily="18" charset="-127"/>
+              </a:rPr>
+              <a:t>키워드 사용</a:t>
+            </a:r>
+            <a:r>
+              <a:rPr lang="ko-KR" altLang="en-US" sz="2000" dirty="0" smtClean="0">
+                <a:latin typeface="휴먼엑스포" panose="02030504000101010101" pitchFamily="18" charset="-127"/>
+                <a:ea typeface="휴먼엑스포" panose="02030504000101010101" pitchFamily="18" charset="-127"/>
+              </a:rPr>
+              <a:t> </a:t>
+            </a:r>
+            <a:endParaRPr lang="en-US" altLang="ko-KR" sz="1600" dirty="0">
+              <a:latin typeface="휴먼엑스포" panose="02030504000101010101" pitchFamily="18" charset="-127"/>
+              <a:ea typeface="휴먼엑스포" panose="02030504000101010101" pitchFamily="18" charset="-127"/>
+            </a:endParaRPr>
+          </a:p>
+        </p:txBody>
+      </p:sp>
+      <p:pic>
+        <p:nvPicPr>
+          <p:cNvPr id="6" name="그림 5"/>
+          <p:cNvPicPr>
+            <a:picLocks noChangeAspect="1"/>
+          </p:cNvPicPr>
+          <p:nvPr/>
+        </p:nvPicPr>
+        <p:blipFill>
+          <a:blip r:embed="rId2">
+            <a:extLst>
+              <a:ext uri="{28A0092B-C50C-407E-A947-70E740481C1C}">
+                <a14:useLocalDpi xmlns:a14="http://schemas.microsoft.com/office/drawing/2010/main" val="0"/>
+              </a:ext>
+            </a:extLst>
+          </a:blip>
+          <a:stretch>
+            <a:fillRect/>
+          </a:stretch>
+        </p:blipFill>
+        <p:spPr>
+          <a:xfrm>
+            <a:off x="1981486" y="2072613"/>
+            <a:ext cx="2467458" cy="3048036"/>
+          </a:xfrm>
+          <a:prstGeom prst="rect">
+            <a:avLst/>
+          </a:prstGeom>
+          <a:ln>
+            <a:solidFill>
+              <a:schemeClr val="bg1">
+                <a:lumMod val="85000"/>
+              </a:schemeClr>
+            </a:solidFill>
+          </a:ln>
+        </p:spPr>
+      </p:pic>
+      <p:pic>
+        <p:nvPicPr>
+          <p:cNvPr id="7" name="그림 6"/>
+          <p:cNvPicPr>
+            <a:picLocks noChangeAspect="1"/>
+          </p:cNvPicPr>
+          <p:nvPr/>
+        </p:nvPicPr>
+        <p:blipFill>
+          <a:blip r:embed="rId3">
+            <a:extLst>
+              <a:ext uri="{28A0092B-C50C-407E-A947-70E740481C1C}">
+                <a14:useLocalDpi xmlns:a14="http://schemas.microsoft.com/office/drawing/2010/main" val="0"/>
+              </a:ext>
+            </a:extLst>
+          </a:blip>
+          <a:stretch>
+            <a:fillRect/>
+          </a:stretch>
+        </p:blipFill>
+        <p:spPr>
+          <a:xfrm>
+            <a:off x="4880992" y="4077072"/>
+            <a:ext cx="342930" cy="975445"/>
+          </a:xfrm>
+          <a:prstGeom prst="rect">
+            <a:avLst/>
+          </a:prstGeom>
+          <a:ln>
+            <a:solidFill>
+              <a:schemeClr val="bg1">
+                <a:lumMod val="85000"/>
+              </a:schemeClr>
+            </a:solidFill>
+          </a:ln>
+        </p:spPr>
+      </p:pic>
+    </p:spTree>
+    <p:extLst>
+      <p:ext uri="{BB962C8B-B14F-4D97-AF65-F5344CB8AC3E}">
+        <p14:creationId xmlns:p14="http://schemas.microsoft.com/office/powerpoint/2010/main" val="1416554890"/>
+      </p:ext>
+    </p:extLst>
+  </p:cSld>
+  <p:clrMapOvr>
+    <a:masterClrMapping/>
+  </p:clrMapOvr>
+  <p:timing>
+    <p:tnLst>
+      <p:par>
+        <p:cTn id="1" dur="indefinite" restart="never" nodeType="tmRoot"/>
+      </p:par>
+    </p:tnLst>
+  </p:timing>
+</p:sld>
+</file>
+
+<file path=ppt/slides/slide23.xml><?xml version="1.0" encoding="utf-8"?>
+<p:sld xmlns:a="http://schemas.openxmlformats.org/drawingml/2006/main" xmlns:r="http://schemas.openxmlformats.org/officeDocument/2006/relationships" xmlns:p="http://schemas.openxmlformats.org/presentationml/2006/main">
+  <p:cSld>
+    <p:spTree>
+      <p:nvGrpSpPr>
+        <p:cNvPr id="1" name=""/>
+        <p:cNvGrpSpPr/>
+        <p:nvPr/>
+      </p:nvGrpSpPr>
+      <p:grpSpPr>
+        <a:xfrm>
+          <a:off x="0" y="0"/>
+          <a:ext cx="0" cy="0"/>
+          <a:chOff x="0" y="0"/>
+          <a:chExt cx="0" cy="0"/>
+        </a:xfrm>
+      </p:grpSpPr>
+      <p:sp>
+        <p:nvSpPr>
           <p:cNvPr id="6" name="제목 5"/>
           <p:cNvSpPr>
             <a:spLocks noGrp="1"/>
@@ -10257,7 +10393,7 @@
           <a:p>
             <a:fld id="{1BDE3FE7-3AEA-4B05-AC5A-802D1816ACF0}" type="slidenum">
               <a:rPr lang="ko-KR" altLang="en-US" smtClean="0"/>
-              <a:t>22</a:t>
+              <a:t>23</a:t>
             </a:fld>
             <a:endParaRPr lang="ko-KR" altLang="en-US"/>
           </a:p>
@@ -11485,7 +11621,7 @@
 </p:sld>
 </file>
 
-<file path=ppt/slides/slide23.xml><?xml version="1.0" encoding="utf-8"?>
+<file path=ppt/slides/slide24.xml><?xml version="1.0" encoding="utf-8"?>
 <p:sld xmlns:a="http://schemas.openxmlformats.org/drawingml/2006/main" xmlns:r="http://schemas.openxmlformats.org/officeDocument/2006/relationships" xmlns:p="http://schemas.openxmlformats.org/presentationml/2006/main">
   <p:cSld>
     <p:spTree>
@@ -11549,7 +11685,7 @@
           <a:p>
             <a:fld id="{1BDE3FE7-3AEA-4B05-AC5A-802D1816ACF0}" type="slidenum">
               <a:rPr lang="ko-KR" altLang="en-US" smtClean="0"/>
-              <a:t>23</a:t>
+              <a:t>24</a:t>
             </a:fld>
             <a:endParaRPr lang="ko-KR" altLang="en-US"/>
           </a:p>
@@ -11830,7 +11966,7 @@
 </p:sld>
 </file>
 
-<file path=ppt/slides/slide24.xml><?xml version="1.0" encoding="utf-8"?>
+<file path=ppt/slides/slide25.xml><?xml version="1.0" encoding="utf-8"?>
 <p:sld xmlns:a="http://schemas.openxmlformats.org/drawingml/2006/main" xmlns:r="http://schemas.openxmlformats.org/officeDocument/2006/relationships" xmlns:p="http://schemas.openxmlformats.org/presentationml/2006/main">
   <p:cSld>
     <p:spTree>
@@ -11891,7 +12027,7 @@
           <a:p>
             <a:fld id="{1BDE3FE7-3AEA-4B05-AC5A-802D1816ACF0}" type="slidenum">
               <a:rPr lang="ko-KR" altLang="en-US" smtClean="0"/>
-              <a:t>24</a:t>
+              <a:t>25</a:t>
             </a:fld>
             <a:endParaRPr lang="ko-KR" altLang="en-US"/>
           </a:p>
@@ -12179,418 +12315,6 @@
     <p:extLst>
       <p:ext uri="{BB962C8B-B14F-4D97-AF65-F5344CB8AC3E}">
         <p14:creationId xmlns:p14="http://schemas.microsoft.com/office/powerpoint/2010/main" val="757555538"/>
-      </p:ext>
-    </p:extLst>
-  </p:cSld>
-  <p:clrMapOvr>
-    <a:masterClrMapping/>
-  </p:clrMapOvr>
-  <p:timing>
-    <p:tnLst>
-      <p:par>
-        <p:cTn id="1" dur="indefinite" restart="never" nodeType="tmRoot"/>
-      </p:par>
-    </p:tnLst>
-  </p:timing>
-</p:sld>
-</file>
-
-<file path=ppt/slides/slide25.xml><?xml version="1.0" encoding="utf-8"?>
-<p:sld xmlns:a="http://schemas.openxmlformats.org/drawingml/2006/main" xmlns:r="http://schemas.openxmlformats.org/officeDocument/2006/relationships" xmlns:p="http://schemas.openxmlformats.org/presentationml/2006/main">
-  <p:cSld>
-    <p:spTree>
-      <p:nvGrpSpPr>
-        <p:cNvPr id="1" name=""/>
-        <p:cNvGrpSpPr/>
-        <p:nvPr/>
-      </p:nvGrpSpPr>
-      <p:grpSpPr>
-        <a:xfrm>
-          <a:off x="0" y="0"/>
-          <a:ext cx="0" cy="0"/>
-          <a:chOff x="0" y="0"/>
-          <a:chExt cx="0" cy="0"/>
-        </a:xfrm>
-      </p:grpSpPr>
-      <p:sp>
-        <p:nvSpPr>
-          <p:cNvPr id="2" name="제목 1"/>
-          <p:cNvSpPr>
-            <a:spLocks noGrp="1"/>
-          </p:cNvSpPr>
-          <p:nvPr>
-            <p:ph type="title"/>
-          </p:nvPr>
-        </p:nvSpPr>
-        <p:spPr/>
-        <p:txBody>
-          <a:bodyPr/>
-          <a:lstStyle/>
-          <a:p>
-            <a:r>
-              <a:rPr lang="en-US" altLang="ko-KR" dirty="0"/>
-              <a:t> </a:t>
-            </a:r>
-            <a:r>
-              <a:rPr lang="ko-KR" altLang="en-US" dirty="0" smtClean="0"/>
-              <a:t>함수의 가</a:t>
-            </a:r>
-            <a:r>
-              <a:rPr lang="ko-KR" altLang="en-US" dirty="0"/>
-              <a:t>변</a:t>
-            </a:r>
-            <a:r>
-              <a:rPr lang="ko-KR" altLang="en-US" dirty="0" smtClean="0"/>
-              <a:t> 매개변수</a:t>
-            </a:r>
-            <a:endParaRPr lang="ko-KR" altLang="en-US" dirty="0"/>
-          </a:p>
-        </p:txBody>
-      </p:sp>
-      <p:sp>
-        <p:nvSpPr>
-          <p:cNvPr id="4" name="슬라이드 번호 개체 틀 3"/>
-          <p:cNvSpPr>
-            <a:spLocks noGrp="1"/>
-          </p:cNvSpPr>
-          <p:nvPr>
-            <p:ph type="sldNum" sz="quarter" idx="12"/>
-          </p:nvPr>
-        </p:nvSpPr>
-        <p:spPr/>
-        <p:txBody>
-          <a:bodyPr/>
-          <a:lstStyle/>
-          <a:p>
-            <a:fld id="{1BDE3FE7-3AEA-4B05-AC5A-802D1816ACF0}" type="slidenum">
-              <a:rPr lang="ko-KR" altLang="en-US" smtClean="0"/>
-              <a:t>25</a:t>
-            </a:fld>
-            <a:endParaRPr lang="ko-KR" altLang="en-US"/>
-          </a:p>
-        </p:txBody>
-      </p:sp>
-      <p:sp>
-        <p:nvSpPr>
-          <p:cNvPr id="14" name="TextBox 13"/>
-          <p:cNvSpPr txBox="1"/>
-          <p:nvPr/>
-        </p:nvSpPr>
-        <p:spPr>
-          <a:xfrm>
-            <a:off x="1026550" y="1218818"/>
-            <a:ext cx="8102914" cy="1384995"/>
-          </a:xfrm>
-          <a:prstGeom prst="rect">
-            <a:avLst/>
-          </a:prstGeom>
-          <a:ln>
-            <a:noFill/>
-          </a:ln>
-        </p:spPr>
-        <p:style>
-          <a:lnRef idx="2">
-            <a:schemeClr val="dk1"/>
-          </a:lnRef>
-          <a:fillRef idx="1">
-            <a:schemeClr val="lt1"/>
-          </a:fillRef>
-          <a:effectRef idx="0">
-            <a:schemeClr val="dk1"/>
-          </a:effectRef>
-          <a:fontRef idx="minor">
-            <a:schemeClr val="dk1"/>
-          </a:fontRef>
-        </p:style>
-        <p:txBody>
-          <a:bodyPr wrap="square" rtlCol="0">
-            <a:spAutoFit/>
-          </a:bodyPr>
-          <a:lstStyle/>
-          <a:p>
-            <a:pPr marL="342900" indent="-342900">
-              <a:lnSpc>
-                <a:spcPct val="150000"/>
-              </a:lnSpc>
-              <a:buFont typeface="Wingdings" panose="05000000000000000000" pitchFamily="2" charset="2"/>
-              <a:buChar char="l"/>
-            </a:pPr>
-            <a:r>
-              <a:rPr lang="ko-KR" altLang="en-US" sz="2000" dirty="0" smtClean="0">
-                <a:latin typeface="휴먼엑스포" panose="02030504000101010101" pitchFamily="18" charset="-127"/>
-                <a:ea typeface="휴먼엑스포" panose="02030504000101010101" pitchFamily="18" charset="-127"/>
-              </a:rPr>
-              <a:t>가</a:t>
-            </a:r>
-            <a:r>
-              <a:rPr lang="ko-KR" altLang="en-US" sz="2000" dirty="0">
-                <a:latin typeface="휴먼엑스포" panose="02030504000101010101" pitchFamily="18" charset="-127"/>
-                <a:ea typeface="휴먼엑스포" panose="02030504000101010101" pitchFamily="18" charset="-127"/>
-              </a:rPr>
-              <a:t>변</a:t>
-            </a:r>
-            <a:r>
-              <a:rPr lang="ko-KR" altLang="en-US" sz="2000" dirty="0" smtClean="0">
-                <a:latin typeface="휴먼엑스포" panose="02030504000101010101" pitchFamily="18" charset="-127"/>
-                <a:ea typeface="휴먼엑스포" panose="02030504000101010101" pitchFamily="18" charset="-127"/>
-              </a:rPr>
-              <a:t> 매개변수</a:t>
-            </a:r>
-            <a:endParaRPr lang="en-US" altLang="ko-KR" sz="2000" dirty="0" smtClean="0">
-              <a:latin typeface="휴먼엑스포" panose="02030504000101010101" pitchFamily="18" charset="-127"/>
-              <a:ea typeface="휴먼엑스포" panose="02030504000101010101" pitchFamily="18" charset="-127"/>
-            </a:endParaRPr>
-          </a:p>
-          <a:p>
-            <a:pPr lvl="1">
-              <a:lnSpc>
-                <a:spcPct val="150000"/>
-              </a:lnSpc>
-            </a:pPr>
-            <a:r>
-              <a:rPr lang="ko-KR" altLang="en-US" dirty="0" smtClean="0">
-                <a:latin typeface="+mn-ea"/>
-              </a:rPr>
-              <a:t>매개변수의 </a:t>
-            </a:r>
-            <a:r>
-              <a:rPr lang="ko-KR" altLang="en-US" dirty="0" err="1" smtClean="0">
-                <a:latin typeface="+mn-ea"/>
-              </a:rPr>
-              <a:t>입력값이</a:t>
-            </a:r>
-            <a:r>
-              <a:rPr lang="ko-KR" altLang="en-US" dirty="0" smtClean="0">
-                <a:latin typeface="+mn-ea"/>
-              </a:rPr>
-              <a:t> 정해지지 않고 변경해야 </a:t>
-            </a:r>
-            <a:r>
-              <a:rPr lang="ko-KR" altLang="en-US" dirty="0" err="1" smtClean="0">
-                <a:latin typeface="+mn-ea"/>
-              </a:rPr>
-              <a:t>할때</a:t>
-            </a:r>
-            <a:r>
-              <a:rPr lang="ko-KR" altLang="en-US" dirty="0" smtClean="0">
-                <a:latin typeface="+mn-ea"/>
-              </a:rPr>
-              <a:t> 사용하는 변수이다</a:t>
-            </a:r>
-            <a:r>
-              <a:rPr lang="en-US" altLang="ko-KR" dirty="0" smtClean="0">
-                <a:latin typeface="+mn-ea"/>
-              </a:rPr>
-              <a:t>.</a:t>
-            </a:r>
-          </a:p>
-          <a:p>
-            <a:pPr lvl="1">
-              <a:lnSpc>
-                <a:spcPct val="150000"/>
-              </a:lnSpc>
-            </a:pPr>
-            <a:r>
-              <a:rPr lang="ko-KR" altLang="en-US" dirty="0" smtClean="0">
-                <a:latin typeface="+mn-ea"/>
-              </a:rPr>
-              <a:t>변수이름 앞에 </a:t>
-            </a:r>
-            <a:r>
-              <a:rPr lang="en-US" altLang="ko-KR" dirty="0" smtClean="0">
-                <a:latin typeface="+mn-ea"/>
-              </a:rPr>
-              <a:t>*</a:t>
-            </a:r>
-            <a:r>
-              <a:rPr lang="ko-KR" altLang="en-US" dirty="0" smtClean="0">
-                <a:latin typeface="+mn-ea"/>
-              </a:rPr>
-              <a:t>를</a:t>
-            </a:r>
-            <a:r>
-              <a:rPr lang="en-US" altLang="ko-KR" dirty="0" smtClean="0">
-                <a:latin typeface="+mn-ea"/>
-              </a:rPr>
-              <a:t> </a:t>
-            </a:r>
-            <a:r>
-              <a:rPr lang="ko-KR" altLang="en-US" dirty="0" smtClean="0">
-                <a:latin typeface="+mn-ea"/>
-              </a:rPr>
-              <a:t>붙인다</a:t>
-            </a:r>
-            <a:r>
-              <a:rPr lang="en-US" altLang="ko-KR" dirty="0" smtClean="0">
-                <a:latin typeface="+mn-ea"/>
-              </a:rPr>
-              <a:t>.</a:t>
-            </a:r>
-            <a:endParaRPr lang="en-US" altLang="ko-KR" dirty="0">
-              <a:latin typeface="+mn-ea"/>
-            </a:endParaRPr>
-          </a:p>
-        </p:txBody>
-      </p:sp>
-      <p:sp>
-        <p:nvSpPr>
-          <p:cNvPr id="9" name="모서리가 둥근 직사각형 8"/>
-          <p:cNvSpPr/>
-          <p:nvPr/>
-        </p:nvSpPr>
-        <p:spPr>
-          <a:xfrm>
-            <a:off x="1496616" y="2852936"/>
-            <a:ext cx="3096344" cy="1261053"/>
-          </a:xfrm>
-          <a:prstGeom prst="roundRect">
-            <a:avLst/>
-          </a:prstGeom>
-          <a:ln w="19050"/>
-        </p:spPr>
-        <p:style>
-          <a:lnRef idx="2">
-            <a:schemeClr val="accent5"/>
-          </a:lnRef>
-          <a:fillRef idx="1">
-            <a:schemeClr val="lt1"/>
-          </a:fillRef>
-          <a:effectRef idx="0">
-            <a:schemeClr val="accent5"/>
-          </a:effectRef>
-          <a:fontRef idx="minor">
-            <a:schemeClr val="dk1"/>
-          </a:fontRef>
-        </p:style>
-        <p:txBody>
-          <a:bodyPr rtlCol="0" anchor="ctr"/>
-          <a:lstStyle/>
-          <a:p>
-            <a:pPr>
-              <a:lnSpc>
-                <a:spcPct val="150000"/>
-              </a:lnSpc>
-            </a:pPr>
-            <a:r>
-              <a:rPr lang="en-US" altLang="ko-KR" sz="2000" b="1" dirty="0" err="1" smtClean="0">
-                <a:solidFill>
-                  <a:srgbClr val="C00000"/>
-                </a:solidFill>
-              </a:rPr>
-              <a:t>def</a:t>
-            </a:r>
-            <a:r>
-              <a:rPr lang="en-US" altLang="ko-KR" sz="2000" dirty="0" smtClean="0">
-                <a:solidFill>
-                  <a:sysClr val="windowText" lastClr="000000"/>
-                </a:solidFill>
-              </a:rPr>
-              <a:t> </a:t>
-            </a:r>
-            <a:r>
-              <a:rPr lang="ko-KR" altLang="en-US" sz="2000" dirty="0" smtClean="0">
-                <a:solidFill>
-                  <a:sysClr val="windowText" lastClr="000000"/>
-                </a:solidFill>
-              </a:rPr>
-              <a:t>함수 이름</a:t>
-            </a:r>
-            <a:r>
-              <a:rPr lang="en-US" altLang="ko-KR" sz="2000" b="1" dirty="0" smtClean="0">
-                <a:solidFill>
-                  <a:sysClr val="windowText" lastClr="000000"/>
-                </a:solidFill>
-              </a:rPr>
-              <a:t>(*</a:t>
-            </a:r>
-            <a:r>
-              <a:rPr lang="ko-KR" altLang="en-US" sz="2000" b="1" dirty="0" smtClean="0">
-                <a:solidFill>
-                  <a:sysClr val="windowText" lastClr="000000"/>
-                </a:solidFill>
-              </a:rPr>
-              <a:t>변수</a:t>
-            </a:r>
-            <a:r>
-              <a:rPr lang="en-US" altLang="ko-KR" sz="2000" b="1" dirty="0" smtClean="0">
-                <a:solidFill>
-                  <a:sysClr val="windowText" lastClr="000000"/>
-                </a:solidFill>
-              </a:rPr>
-              <a:t>):</a:t>
-            </a:r>
-          </a:p>
-          <a:p>
-            <a:pPr>
-              <a:lnSpc>
-                <a:spcPct val="150000"/>
-              </a:lnSpc>
-            </a:pPr>
-            <a:r>
-              <a:rPr lang="en-US" altLang="ko-KR" sz="2000" dirty="0" smtClean="0">
-                <a:solidFill>
-                  <a:sysClr val="windowText" lastClr="000000"/>
-                </a:solidFill>
-              </a:rPr>
-              <a:t>      </a:t>
-            </a:r>
-            <a:r>
-              <a:rPr lang="ko-KR" altLang="en-US" sz="2000" dirty="0" err="1" smtClean="0">
-                <a:solidFill>
-                  <a:sysClr val="windowText" lastClr="000000"/>
-                </a:solidFill>
-              </a:rPr>
-              <a:t>코드블럭</a:t>
-            </a:r>
-            <a:endParaRPr lang="en-US" altLang="ko-KR" sz="2000" dirty="0" smtClean="0">
-              <a:solidFill>
-                <a:sysClr val="windowText" lastClr="000000"/>
-              </a:solidFill>
-            </a:endParaRPr>
-          </a:p>
-        </p:txBody>
-      </p:sp>
-      <p:pic>
-        <p:nvPicPr>
-          <p:cNvPr id="3" name="그림 2"/>
-          <p:cNvPicPr>
-            <a:picLocks noChangeAspect="1"/>
-          </p:cNvPicPr>
-          <p:nvPr/>
-        </p:nvPicPr>
-        <p:blipFill>
-          <a:blip r:embed="rId2">
-            <a:extLst>
-              <a:ext uri="{28A0092B-C50C-407E-A947-70E740481C1C}">
-                <a14:useLocalDpi xmlns:a14="http://schemas.microsoft.com/office/drawing/2010/main" val="0"/>
-              </a:ext>
-            </a:extLst>
-          </a:blip>
-          <a:stretch>
-            <a:fillRect/>
-          </a:stretch>
-        </p:blipFill>
-        <p:spPr>
-          <a:xfrm>
-            <a:off x="4952999" y="2852936"/>
-            <a:ext cx="3581711" cy="3520745"/>
-          </a:xfrm>
-          <a:prstGeom prst="rect">
-            <a:avLst/>
-          </a:prstGeom>
-          <a:ln>
-            <a:solidFill>
-              <a:schemeClr val="bg1">
-                <a:lumMod val="85000"/>
-              </a:schemeClr>
-            </a:solidFill>
-          </a:ln>
-        </p:spPr>
-      </p:pic>
-    </p:spTree>
-    <p:extLst>
-      <p:ext uri="{BB962C8B-B14F-4D97-AF65-F5344CB8AC3E}">
-        <p14:creationId xmlns:p14="http://schemas.microsoft.com/office/powerpoint/2010/main" val="1537316295"/>
       </p:ext>
     </p:extLst>
   </p:cSld>
@@ -12691,7 +12415,7 @@
         <p:spPr>
           <a:xfrm>
             <a:off x="1026550" y="1218818"/>
-            <a:ext cx="8102914" cy="509178"/>
+            <a:ext cx="8102914" cy="1384995"/>
           </a:xfrm>
           <a:prstGeom prst="rect">
             <a:avLst/>
@@ -12746,25 +12470,218 @@
                 <a:latin typeface="휴먼엑스포" panose="02030504000101010101" pitchFamily="18" charset="-127"/>
                 <a:ea typeface="휴먼엑스포" panose="02030504000101010101" pitchFamily="18" charset="-127"/>
               </a:rPr>
-              <a:t> 매개변수 </a:t>
-            </a:r>
-            <a:r>
-              <a:rPr lang="en-US" altLang="ko-KR" sz="2000" dirty="0" smtClean="0">
-                <a:latin typeface="휴먼엑스포" panose="02030504000101010101" pitchFamily="18" charset="-127"/>
-                <a:ea typeface="휴먼엑스포" panose="02030504000101010101" pitchFamily="18" charset="-127"/>
-              </a:rPr>
-              <a:t>– </a:t>
-            </a:r>
-            <a:r>
-              <a:rPr lang="ko-KR" altLang="en-US" sz="2000" dirty="0" smtClean="0">
-                <a:latin typeface="휴먼엑스포" panose="02030504000101010101" pitchFamily="18" charset="-127"/>
-                <a:ea typeface="휴먼엑스포" panose="02030504000101010101" pitchFamily="18" charset="-127"/>
-              </a:rPr>
-              <a:t>문자 병합하기</a:t>
+              <a:t> 매개변수</a:t>
             </a:r>
             <a:endParaRPr lang="en-US" altLang="ko-KR" sz="2000" dirty="0" smtClean="0">
               <a:latin typeface="휴먼엑스포" panose="02030504000101010101" pitchFamily="18" charset="-127"/>
               <a:ea typeface="휴먼엑스포" panose="02030504000101010101" pitchFamily="18" charset="-127"/>
+            </a:endParaRPr>
+          </a:p>
+          <a:p>
+            <a:pPr lvl="1">
+              <a:lnSpc>
+                <a:spcPct val="150000"/>
+              </a:lnSpc>
+            </a:pPr>
+            <a:r>
+              <a:rPr lang="ko-KR" altLang="en-US" dirty="0" smtClean="0">
+                <a:latin typeface="+mn-ea"/>
+              </a:rPr>
+              <a:t>매개변수의 </a:t>
+            </a:r>
+            <a:r>
+              <a:rPr lang="ko-KR" altLang="en-US" dirty="0" err="1" smtClean="0">
+                <a:latin typeface="+mn-ea"/>
+              </a:rPr>
+              <a:t>입력값이</a:t>
+            </a:r>
+            <a:r>
+              <a:rPr lang="ko-KR" altLang="en-US" dirty="0" smtClean="0">
+                <a:latin typeface="+mn-ea"/>
+              </a:rPr>
+              <a:t> 정해지지 않고 변경해야 </a:t>
+            </a:r>
+            <a:r>
+              <a:rPr lang="ko-KR" altLang="en-US" dirty="0" err="1" smtClean="0">
+                <a:latin typeface="+mn-ea"/>
+              </a:rPr>
+              <a:t>할때</a:t>
+            </a:r>
+            <a:r>
+              <a:rPr lang="ko-KR" altLang="en-US" dirty="0" smtClean="0">
+                <a:latin typeface="+mn-ea"/>
+              </a:rPr>
+              <a:t> 사용하는 변수이다</a:t>
+            </a:r>
+            <a:r>
+              <a:rPr lang="en-US" altLang="ko-KR" dirty="0" smtClean="0">
+                <a:latin typeface="+mn-ea"/>
+              </a:rPr>
+              <a:t>.</a:t>
+            </a:r>
+          </a:p>
+          <a:p>
+            <a:pPr lvl="1">
+              <a:lnSpc>
+                <a:spcPct val="150000"/>
+              </a:lnSpc>
+            </a:pPr>
+            <a:r>
+              <a:rPr lang="ko-KR" altLang="en-US" dirty="0" smtClean="0">
+                <a:latin typeface="+mn-ea"/>
+              </a:rPr>
+              <a:t>변수이름 앞에 </a:t>
+            </a:r>
+            <a:r>
+              <a:rPr lang="en-US" altLang="ko-KR" dirty="0" smtClean="0">
+                <a:latin typeface="+mn-ea"/>
+              </a:rPr>
+              <a:t>*</a:t>
+            </a:r>
+            <a:r>
+              <a:rPr lang="ko-KR" altLang="en-US" dirty="0" smtClean="0">
+                <a:latin typeface="+mn-ea"/>
+              </a:rPr>
+              <a:t>를</a:t>
+            </a:r>
+            <a:r>
+              <a:rPr lang="en-US" altLang="ko-KR" dirty="0" smtClean="0">
+                <a:latin typeface="+mn-ea"/>
+              </a:rPr>
+              <a:t> </a:t>
+            </a:r>
+            <a:r>
+              <a:rPr lang="ko-KR" altLang="en-US" dirty="0" smtClean="0">
+                <a:latin typeface="+mn-ea"/>
+              </a:rPr>
+              <a:t>붙인다</a:t>
+            </a:r>
+            <a:r>
+              <a:rPr lang="en-US" altLang="ko-KR" dirty="0" smtClean="0">
+                <a:latin typeface="+mn-ea"/>
+              </a:rPr>
+              <a:t>.</a:t>
+            </a:r>
+            <a:endParaRPr lang="en-US" altLang="ko-KR" dirty="0">
+              <a:latin typeface="+mn-ea"/>
+            </a:endParaRPr>
+          </a:p>
+        </p:txBody>
+      </p:sp>
+      <p:sp>
+        <p:nvSpPr>
+          <p:cNvPr id="9" name="모서리가 둥근 직사각형 8"/>
+          <p:cNvSpPr/>
+          <p:nvPr/>
+        </p:nvSpPr>
+        <p:spPr>
+          <a:xfrm>
+            <a:off x="1496616" y="2852936"/>
+            <a:ext cx="3096344" cy="1261053"/>
+          </a:xfrm>
+          <a:prstGeom prst="roundRect">
+            <a:avLst/>
+          </a:prstGeom>
+          <a:ln w="19050"/>
+        </p:spPr>
+        <p:style>
+          <a:lnRef idx="2">
+            <a:schemeClr val="accent5"/>
+          </a:lnRef>
+          <a:fillRef idx="1">
+            <a:schemeClr val="lt1"/>
+          </a:fillRef>
+          <a:effectRef idx="0">
+            <a:schemeClr val="accent5"/>
+          </a:effectRef>
+          <a:fontRef idx="minor">
+            <a:schemeClr val="dk1"/>
+          </a:fontRef>
+        </p:style>
+        <p:txBody>
+          <a:bodyPr rtlCol="0" anchor="ctr"/>
+          <a:lstStyle/>
+          <a:p>
+            <a:pPr>
+              <a:lnSpc>
+                <a:spcPct val="150000"/>
+              </a:lnSpc>
+            </a:pPr>
+            <a:r>
+              <a:rPr lang="en-US" altLang="ko-KR" sz="2000" b="1" dirty="0" err="1" smtClean="0">
+                <a:solidFill>
+                  <a:srgbClr val="C00000"/>
+                </a:solidFill>
+              </a:rPr>
+              <a:t>def</a:t>
+            </a:r>
+            <a:r>
+              <a:rPr lang="en-US" altLang="ko-KR" sz="2000" dirty="0" smtClean="0">
+                <a:solidFill>
+                  <a:sysClr val="windowText" lastClr="000000"/>
+                </a:solidFill>
+              </a:rPr>
+              <a:t> </a:t>
+            </a:r>
+            <a:r>
+              <a:rPr lang="ko-KR" altLang="en-US" sz="2000" dirty="0" smtClean="0">
+                <a:solidFill>
+                  <a:sysClr val="windowText" lastClr="000000"/>
+                </a:solidFill>
+              </a:rPr>
+              <a:t>함수 이름</a:t>
+            </a:r>
+            <a:r>
+              <a:rPr lang="en-US" altLang="ko-KR" sz="2000" b="1" dirty="0" smtClean="0">
+                <a:solidFill>
+                  <a:sysClr val="windowText" lastClr="000000"/>
+                </a:solidFill>
+              </a:rPr>
+              <a:t>(*</a:t>
+            </a:r>
+            <a:r>
+              <a:rPr lang="ko-KR" altLang="en-US" sz="2000" b="1" dirty="0" smtClean="0">
+                <a:solidFill>
+                  <a:sysClr val="windowText" lastClr="000000"/>
+                </a:solidFill>
+              </a:rPr>
+              <a:t>변수</a:t>
+            </a:r>
+            <a:r>
+              <a:rPr lang="en-US" altLang="ko-KR" sz="2000" b="1" dirty="0" smtClean="0">
+                <a:solidFill>
+                  <a:sysClr val="windowText" lastClr="000000"/>
+                </a:solidFill>
+              </a:rPr>
+              <a:t>):</a:t>
+            </a:r>
+          </a:p>
+          <a:p>
+            <a:pPr>
+              <a:lnSpc>
+                <a:spcPct val="150000"/>
+              </a:lnSpc>
+            </a:pPr>
+            <a:r>
+              <a:rPr lang="en-US" altLang="ko-KR" sz="2000" dirty="0" smtClean="0">
+                <a:solidFill>
+                  <a:sysClr val="windowText" lastClr="000000"/>
+                </a:solidFill>
+              </a:rPr>
+              <a:t>      </a:t>
+            </a:r>
+            <a:r>
+              <a:rPr lang="ko-KR" altLang="en-US" sz="2000" dirty="0" err="1" smtClean="0">
+                <a:solidFill>
+                  <a:sysClr val="windowText" lastClr="000000"/>
+                </a:solidFill>
+              </a:rPr>
+              <a:t>코드블럭</a:t>
+            </a:r>
+            <a:endParaRPr lang="en-US" altLang="ko-KR" sz="2000" dirty="0" smtClean="0">
+              <a:solidFill>
+                <a:sysClr val="windowText" lastClr="000000"/>
+              </a:solidFill>
             </a:endParaRPr>
           </a:p>
         </p:txBody>
@@ -12791,8 +12708,8 @@
         </p:blipFill>
         <p:spPr>
           <a:xfrm>
-            <a:off x="1712640" y="1916832"/>
-            <a:ext cx="4305673" cy="3162574"/>
+            <a:off x="4952999" y="2852936"/>
+            <a:ext cx="3581711" cy="3520745"/>
           </a:xfrm>
           <a:prstGeom prst="rect">
             <a:avLst/>
@@ -12809,7 +12726,7 @@
     </p:spTree>
     <p:extLst>
       <p:ext uri="{BB962C8B-B14F-4D97-AF65-F5344CB8AC3E}">
-        <p14:creationId xmlns:p14="http://schemas.microsoft.com/office/powerpoint/2010/main" val="18233450"/>
+        <p14:creationId xmlns:p14="http://schemas.microsoft.com/office/powerpoint/2010/main" val="1537316295"/>
       </p:ext>
     </p:extLst>
   </p:cSld>
@@ -12864,7 +12781,15 @@
             </a:r>
             <a:r>
               <a:rPr lang="ko-KR" altLang="en-US" dirty="0" smtClean="0"/>
-              <a:t>함수의 매개변수</a:t>
+              <a:t>함수의 가</a:t>
+            </a:r>
+            <a:r>
+              <a:rPr lang="ko-KR" altLang="en-US" dirty="0"/>
+              <a:t>변</a:t>
+            </a:r>
+            <a:r>
+              <a:rPr lang="ko-KR" altLang="en-US" dirty="0" smtClean="0"/>
+              <a:t> 매개변수</a:t>
             </a:r>
             <a:endParaRPr lang="ko-KR" altLang="en-US" dirty="0"/>
           </a:p>
@@ -12901,26 +12826,25 @@
         </p:nvSpPr>
         <p:spPr>
           <a:xfrm>
-            <a:off x="1026550" y="1340768"/>
-            <a:ext cx="5438617" cy="1384995"/>
+            <a:off x="1026550" y="1218818"/>
+            <a:ext cx="8102914" cy="509178"/>
           </a:xfrm>
           <a:prstGeom prst="rect">
             <a:avLst/>
           </a:prstGeom>
-          <a:noFill/>
           <a:ln>
             <a:noFill/>
           </a:ln>
         </p:spPr>
         <p:style>
-          <a:lnRef idx="1">
-            <a:schemeClr val="accent3"/>
+          <a:lnRef idx="2">
+            <a:schemeClr val="dk1"/>
           </a:lnRef>
-          <a:fillRef idx="2">
-            <a:schemeClr val="accent3"/>
+          <a:fillRef idx="1">
+            <a:schemeClr val="lt1"/>
           </a:fillRef>
-          <a:effectRef idx="1">
-            <a:schemeClr val="accent3"/>
+          <a:effectRef idx="0">
+            <a:schemeClr val="dk1"/>
           </a:effectRef>
           <a:fontRef idx="minor">
             <a:schemeClr val="dk1"/>
@@ -12932,7 +12856,7 @@
           </a:bodyPr>
           <a:lstStyle/>
           <a:p>
-            <a:pPr marL="342900" lvl="1" indent="-342900">
+            <a:pPr marL="342900" indent="-342900">
               <a:lnSpc>
                 <a:spcPct val="150000"/>
               </a:lnSpc>
@@ -12940,105 +12864,43 @@
               <a:buChar char="l"/>
             </a:pPr>
             <a:r>
+              <a:rPr lang="ko-KR" altLang="en-US" sz="2000" dirty="0" smtClean="0">
+                <a:latin typeface="휴먼엑스포" panose="02030504000101010101" pitchFamily="18" charset="-127"/>
+                <a:ea typeface="휴먼엑스포" panose="02030504000101010101" pitchFamily="18" charset="-127"/>
+              </a:rPr>
+              <a:t>가</a:t>
+            </a:r>
+            <a:r>
               <a:rPr lang="ko-KR" altLang="en-US" sz="2000" dirty="0">
                 <a:latin typeface="휴먼엑스포" panose="02030504000101010101" pitchFamily="18" charset="-127"/>
                 <a:ea typeface="휴먼엑스포" panose="02030504000101010101" pitchFamily="18" charset="-127"/>
               </a:rPr>
-              <a:t>키워드 </a:t>
+              <a:t>변</a:t>
             </a:r>
             <a:r>
               <a:rPr lang="ko-KR" altLang="en-US" sz="2000" dirty="0" smtClean="0">
                 <a:latin typeface="휴먼엑스포" panose="02030504000101010101" pitchFamily="18" charset="-127"/>
                 <a:ea typeface="휴먼엑스포" panose="02030504000101010101" pitchFamily="18" charset="-127"/>
               </a:rPr>
-              <a:t>매개변수</a:t>
+              <a:t> 매개변수 </a:t>
+            </a:r>
+            <a:r>
+              <a:rPr lang="en-US" altLang="ko-KR" sz="2000" dirty="0" smtClean="0">
+                <a:latin typeface="휴먼엑스포" panose="02030504000101010101" pitchFamily="18" charset="-127"/>
+                <a:ea typeface="휴먼엑스포" panose="02030504000101010101" pitchFamily="18" charset="-127"/>
+              </a:rPr>
+              <a:t>– </a:t>
+            </a:r>
+            <a:r>
+              <a:rPr lang="ko-KR" altLang="en-US" sz="2000" dirty="0" smtClean="0">
+                <a:latin typeface="휴먼엑스포" panose="02030504000101010101" pitchFamily="18" charset="-127"/>
+                <a:ea typeface="휴먼엑스포" panose="02030504000101010101" pitchFamily="18" charset="-127"/>
+              </a:rPr>
+              <a:t>문자 병합하기</a:t>
             </a:r>
             <a:endParaRPr lang="en-US" altLang="ko-KR" sz="2000" dirty="0" smtClean="0">
               <a:latin typeface="휴먼엑스포" panose="02030504000101010101" pitchFamily="18" charset="-127"/>
               <a:ea typeface="휴먼엑스포" panose="02030504000101010101" pitchFamily="18" charset="-127"/>
-            </a:endParaRPr>
-          </a:p>
-          <a:p>
-            <a:pPr marL="457200" lvl="2">
-              <a:lnSpc>
-                <a:spcPct val="150000"/>
-              </a:lnSpc>
-            </a:pPr>
-            <a:r>
-              <a:rPr lang="ko-KR" altLang="en-US" dirty="0" smtClean="0">
-                <a:latin typeface="+mn-ea"/>
-              </a:rPr>
-              <a:t>매개변수 앞에 별 </a:t>
-            </a:r>
-            <a:r>
-              <a:rPr lang="en-US" altLang="ko-KR" dirty="0" smtClean="0">
-                <a:latin typeface="+mn-ea"/>
-              </a:rPr>
-              <a:t>2</a:t>
-            </a:r>
-            <a:r>
-              <a:rPr lang="ko-KR" altLang="en-US" dirty="0" smtClean="0">
-                <a:latin typeface="+mn-ea"/>
-              </a:rPr>
-              <a:t>개</a:t>
-            </a:r>
-            <a:r>
-              <a:rPr lang="en-US" altLang="ko-KR" dirty="0" smtClean="0">
-                <a:latin typeface="+mn-ea"/>
-              </a:rPr>
-              <a:t>(**)</a:t>
-            </a:r>
-            <a:r>
-              <a:rPr lang="ko-KR" altLang="en-US" dirty="0" smtClean="0">
-                <a:latin typeface="+mn-ea"/>
-              </a:rPr>
-              <a:t>를</a:t>
-            </a:r>
-            <a:r>
-              <a:rPr lang="en-US" altLang="ko-KR" dirty="0" smtClean="0">
-                <a:latin typeface="+mn-ea"/>
-              </a:rPr>
-              <a:t> </a:t>
-            </a:r>
-            <a:r>
-              <a:rPr lang="ko-KR" altLang="en-US" dirty="0" smtClean="0">
-                <a:latin typeface="+mn-ea"/>
-              </a:rPr>
-              <a:t>붙인다</a:t>
-            </a:r>
-            <a:r>
-              <a:rPr lang="en-US" altLang="ko-KR" dirty="0" smtClean="0">
-                <a:latin typeface="+mn-ea"/>
-              </a:rPr>
-              <a:t>.</a:t>
-            </a:r>
-          </a:p>
-          <a:p>
-            <a:pPr marL="457200" lvl="2">
-              <a:lnSpc>
-                <a:spcPct val="150000"/>
-              </a:lnSpc>
-            </a:pPr>
-            <a:r>
-              <a:rPr lang="ko-KR" altLang="en-US" dirty="0" err="1" smtClean="0">
-                <a:latin typeface="+mn-ea"/>
-              </a:rPr>
-              <a:t>딕셔너리</a:t>
-            </a:r>
-            <a:r>
-              <a:rPr lang="en-US" altLang="ko-KR" dirty="0" smtClean="0">
-                <a:latin typeface="+mn-ea"/>
-              </a:rPr>
-              <a:t>(dictionary)</a:t>
-            </a:r>
-            <a:r>
-              <a:rPr lang="ko-KR" altLang="en-US" dirty="0" smtClean="0">
-                <a:latin typeface="+mn-ea"/>
-              </a:rPr>
-              <a:t>형의 자료로 만들어짐</a:t>
-            </a:r>
-            <a:endParaRPr lang="en-US" altLang="ko-KR" dirty="0">
-              <a:latin typeface="+mn-ea"/>
             </a:endParaRPr>
           </a:p>
         </p:txBody>
@@ -13065,8 +12927,8 @@
         </p:blipFill>
         <p:spPr>
           <a:xfrm>
-            <a:off x="1856656" y="2852936"/>
-            <a:ext cx="4336156" cy="533446"/>
+            <a:off x="1712640" y="1916832"/>
+            <a:ext cx="4305673" cy="3162574"/>
           </a:xfrm>
           <a:prstGeom prst="rect">
             <a:avLst/>
@@ -13080,47 +12942,10 @@
           </a:ln>
         </p:spPr>
       </p:pic>
-      <p:pic>
-        <p:nvPicPr>
-          <p:cNvPr id="7" name="그림 6"/>
-          <p:cNvPicPr>
-            <a:picLocks noChangeAspect="1"/>
-          </p:cNvPicPr>
-          <p:nvPr/>
-        </p:nvPicPr>
-        <p:blipFill>
-          <a:blip r:embed="rId3">
-            <a:extLst>
-              <a:ext uri="{28A0092B-C50C-407E-A947-70E740481C1C}">
-                <a14:useLocalDpi xmlns:a14="http://schemas.microsoft.com/office/drawing/2010/main" val="0"/>
-              </a:ext>
-            </a:extLst>
-          </a:blip>
-          <a:stretch>
-            <a:fillRect/>
-          </a:stretch>
-        </p:blipFill>
-        <p:spPr>
-          <a:xfrm>
-            <a:off x="1913810" y="3710135"/>
-            <a:ext cx="4511778" cy="1303041"/>
-          </a:xfrm>
-          <a:prstGeom prst="rect">
-            <a:avLst/>
-          </a:prstGeom>
-          <a:ln>
-            <a:solidFill>
-              <a:schemeClr val="bg1">
-                <a:lumMod val="85000"/>
-              </a:schemeClr>
-            </a:solidFill>
-          </a:ln>
-        </p:spPr>
-      </p:pic>
     </p:spTree>
     <p:extLst>
       <p:ext uri="{BB962C8B-B14F-4D97-AF65-F5344CB8AC3E}">
-        <p14:creationId xmlns:p14="http://schemas.microsoft.com/office/powerpoint/2010/main" val="2287305147"/>
+        <p14:creationId xmlns:p14="http://schemas.microsoft.com/office/powerpoint/2010/main" val="18233450"/>
       </p:ext>
     </p:extLst>
   </p:cSld>
@@ -13175,11 +13000,7 @@
             </a:r>
             <a:r>
               <a:rPr lang="ko-KR" altLang="en-US" dirty="0" smtClean="0"/>
-              <a:t>내장 함수</a:t>
-            </a:r>
-            <a:r>
-              <a:rPr lang="en-US" altLang="ko-KR" dirty="0" smtClean="0"/>
-              <a:t>(Built in Function)</a:t>
+              <a:t>함수의 매개변수</a:t>
             </a:r>
             <a:endParaRPr lang="ko-KR" altLang="en-US" dirty="0"/>
           </a:p>
@@ -13216,8 +13037,8 @@
         </p:nvSpPr>
         <p:spPr>
           <a:xfrm>
-            <a:off x="1064568" y="1211048"/>
-            <a:ext cx="7788865" cy="969496"/>
+            <a:off x="1026550" y="1340768"/>
+            <a:ext cx="5438617" cy="1384995"/>
           </a:xfrm>
           <a:prstGeom prst="rect">
             <a:avLst/>
@@ -13247,65 +13068,114 @@
           </a:bodyPr>
           <a:lstStyle/>
           <a:p>
-            <a:pPr marL="342900" indent="-342900">
+            <a:pPr marL="342900" lvl="1" indent="-342900">
               <a:lnSpc>
                 <a:spcPct val="150000"/>
               </a:lnSpc>
               <a:buFont typeface="Wingdings" panose="05000000000000000000" pitchFamily="2" charset="2"/>
-              <a:buChar char="v"/>
+              <a:buChar char="l"/>
             </a:pPr>
+            <a:r>
+              <a:rPr lang="ko-KR" altLang="en-US" sz="2000" dirty="0">
+                <a:latin typeface="휴먼엑스포" panose="02030504000101010101" pitchFamily="18" charset="-127"/>
+                <a:ea typeface="휴먼엑스포" panose="02030504000101010101" pitchFamily="18" charset="-127"/>
+              </a:rPr>
+              <a:t>키워드 </a:t>
+            </a:r>
             <a:r>
               <a:rPr lang="ko-KR" altLang="en-US" sz="2000" dirty="0" smtClean="0">
                 <a:latin typeface="휴먼엑스포" panose="02030504000101010101" pitchFamily="18" charset="-127"/>
                 <a:ea typeface="휴먼엑스포" panose="02030504000101010101" pitchFamily="18" charset="-127"/>
               </a:rPr>
-              <a:t>내장 함수</a:t>
-            </a:r>
-            <a:r>
-              <a:rPr lang="en-US" altLang="ko-KR" sz="2000" dirty="0" smtClean="0">
-                <a:latin typeface="휴먼엑스포" panose="02030504000101010101" pitchFamily="18" charset="-127"/>
-                <a:ea typeface="휴먼엑스포" panose="02030504000101010101" pitchFamily="18" charset="-127"/>
-              </a:rPr>
-              <a:t>(Built in Function)</a:t>
-            </a:r>
-          </a:p>
-          <a:p>
-            <a:pPr>
+              <a:t>매개변수</a:t>
+            </a:r>
+            <a:endParaRPr lang="en-US" altLang="ko-KR" sz="2000" dirty="0" smtClean="0">
+              <a:latin typeface="휴먼엑스포" panose="02030504000101010101" pitchFamily="18" charset="-127"/>
+              <a:ea typeface="휴먼엑스포" panose="02030504000101010101" pitchFamily="18" charset="-127"/>
+            </a:endParaRPr>
+          </a:p>
+          <a:p>
+            <a:pPr marL="457200" lvl="2">
               <a:lnSpc>
                 <a:spcPct val="150000"/>
               </a:lnSpc>
             </a:pPr>
             <a:r>
               <a:rPr lang="ko-KR" altLang="en-US" dirty="0" smtClean="0">
-                <a:latin typeface="휴먼엑스포" panose="02030504000101010101" pitchFamily="18" charset="-127"/>
-                <a:ea typeface="휴먼엑스포" panose="02030504000101010101" pitchFamily="18" charset="-127"/>
-              </a:rPr>
-              <a:t>   </a:t>
+                <a:latin typeface="+mn-ea"/>
+              </a:rPr>
+              <a:t>매개변수 앞에 별 </a:t>
+            </a:r>
+            <a:r>
+              <a:rPr lang="en-US" altLang="ko-KR" dirty="0" smtClean="0">
+                <a:latin typeface="+mn-ea"/>
+              </a:rPr>
+              <a:t>2</a:t>
             </a:r>
             <a:r>
               <a:rPr lang="ko-KR" altLang="en-US" dirty="0" smtClean="0">
                 <a:latin typeface="+mn-ea"/>
               </a:rPr>
-              <a:t>특정한 기능을 수행하는 프로그램의 일부분을 함수</a:t>
+              <a:t>개</a:t>
             </a:r>
             <a:r>
               <a:rPr lang="en-US" altLang="ko-KR" dirty="0" smtClean="0">
                 <a:latin typeface="+mn-ea"/>
               </a:rPr>
-              <a:t>(Function)</a:t>
+              <a:t>(**)</a:t>
             </a:r>
             <a:r>
               <a:rPr lang="ko-KR" altLang="en-US" dirty="0" smtClean="0">
                 <a:latin typeface="+mn-ea"/>
               </a:rPr>
-              <a:t>라 한다</a:t>
+              <a:t>를</a:t>
             </a:r>
             <a:r>
               <a:rPr lang="en-US" altLang="ko-KR" dirty="0" smtClean="0">
                 <a:latin typeface="+mn-ea"/>
               </a:rPr>
+              <a:t> </a:t>
+            </a:r>
+            <a:r>
+              <a:rPr lang="ko-KR" altLang="en-US" dirty="0" smtClean="0">
+                <a:latin typeface="+mn-ea"/>
+              </a:rPr>
+              <a:t>붙인다</a:t>
+            </a:r>
+            <a:r>
+              <a:rPr lang="en-US" altLang="ko-KR" dirty="0" smtClean="0">
+                <a:latin typeface="+mn-ea"/>
+              </a:rPr>
               <a:t>.</a:t>
             </a:r>
+          </a:p>
+          <a:p>
+            <a:pPr marL="457200" lvl="2">
+              <a:lnSpc>
+                <a:spcPct val="150000"/>
+              </a:lnSpc>
+            </a:pPr>
+            <a:r>
+              <a:rPr lang="ko-KR" altLang="en-US" dirty="0" err="1" smtClean="0">
+                <a:latin typeface="+mn-ea"/>
+              </a:rPr>
+              <a:t>딕셔너리</a:t>
+            </a:r>
+            <a:r>
+              <a:rPr lang="en-US" altLang="ko-KR" dirty="0" smtClean="0">
+                <a:latin typeface="+mn-ea"/>
+              </a:rPr>
+              <a:t>(dictionary)</a:t>
+            </a:r>
+            <a:r>
+              <a:rPr lang="ko-KR" altLang="en-US" dirty="0" smtClean="0">
+                <a:latin typeface="+mn-ea"/>
+              </a:rPr>
+              <a:t>형의 자료로 만들어짐</a:t>
+            </a:r>
+            <a:endParaRPr lang="en-US" altLang="ko-KR" dirty="0">
+              <a:latin typeface="+mn-ea"/>
+            </a:endParaRPr>
           </a:p>
         </p:txBody>
       </p:sp>
@@ -13331,18 +13201,62 @@
         </p:blipFill>
         <p:spPr>
           <a:xfrm>
-            <a:off x="1786268" y="2178719"/>
-            <a:ext cx="6345464" cy="4180920"/>
+            <a:off x="1856656" y="2852936"/>
+            <a:ext cx="4336156" cy="533446"/>
           </a:xfrm>
           <a:prstGeom prst="rect">
             <a:avLst/>
           </a:prstGeom>
+          <a:ln>
+            <a:solidFill>
+              <a:schemeClr val="bg1">
+                <a:lumMod val="85000"/>
+              </a:schemeClr>
+            </a:solidFill>
+          </a:ln>
+        </p:spPr>
+      </p:pic>
+      <p:pic>
+        <p:nvPicPr>
+          <p:cNvPr id="7" name="그림 6"/>
+          <p:cNvPicPr>
+            <a:picLocks noChangeAspect="1"/>
+          </p:cNvPicPr>
+          <p:nvPr/>
+        </p:nvPicPr>
+        <p:blipFill>
+          <a:blip r:embed="rId3">
+            <a:extLst>
+              <a:ext uri="{28A0092B-C50C-407E-A947-70E740481C1C}">
+                <a14:useLocalDpi xmlns:a14="http://schemas.microsoft.com/office/drawing/2010/main" val="0"/>
+              </a:ext>
+            </a:extLst>
+          </a:blip>
+          <a:stretch>
+            <a:fillRect/>
+          </a:stretch>
+        </p:blipFill>
+        <p:spPr>
+          <a:xfrm>
+            <a:off x="1913810" y="3710135"/>
+            <a:ext cx="4511778" cy="1303041"/>
+          </a:xfrm>
+          <a:prstGeom prst="rect">
+            <a:avLst/>
+          </a:prstGeom>
+          <a:ln>
+            <a:solidFill>
+              <a:schemeClr val="bg1">
+                <a:lumMod val="85000"/>
+              </a:schemeClr>
+            </a:solidFill>
+          </a:ln>
         </p:spPr>
       </p:pic>
     </p:spTree>
     <p:extLst>
       <p:ext uri="{BB962C8B-B14F-4D97-AF65-F5344CB8AC3E}">
-        <p14:creationId xmlns:p14="http://schemas.microsoft.com/office/powerpoint/2010/main" val="3453044142"/>
+        <p14:creationId xmlns:p14="http://schemas.microsoft.com/office/powerpoint/2010/main" val="2287305147"/>
       </p:ext>
     </p:extLst>
   </p:cSld>
@@ -13425,6 +13339,677 @@
             <a:fld id="{1BDE3FE7-3AEA-4B05-AC5A-802D1816ACF0}" type="slidenum">
               <a:rPr lang="ko-KR" altLang="en-US" smtClean="0"/>
               <a:t>29</a:t>
+            </a:fld>
+            <a:endParaRPr lang="ko-KR" altLang="en-US"/>
+          </a:p>
+        </p:txBody>
+      </p:sp>
+      <p:sp>
+        <p:nvSpPr>
+          <p:cNvPr id="14" name="TextBox 13"/>
+          <p:cNvSpPr txBox="1"/>
+          <p:nvPr/>
+        </p:nvSpPr>
+        <p:spPr>
+          <a:xfrm>
+            <a:off x="1064568" y="1211048"/>
+            <a:ext cx="7788865" cy="969496"/>
+          </a:xfrm>
+          <a:prstGeom prst="rect">
+            <a:avLst/>
+          </a:prstGeom>
+          <a:noFill/>
+          <a:ln>
+            <a:noFill/>
+          </a:ln>
+        </p:spPr>
+        <p:style>
+          <a:lnRef idx="1">
+            <a:schemeClr val="accent3"/>
+          </a:lnRef>
+          <a:fillRef idx="2">
+            <a:schemeClr val="accent3"/>
+          </a:fillRef>
+          <a:effectRef idx="1">
+            <a:schemeClr val="accent3"/>
+          </a:effectRef>
+          <a:fontRef idx="minor">
+            <a:schemeClr val="dk1"/>
+          </a:fontRef>
+        </p:style>
+        <p:txBody>
+          <a:bodyPr wrap="square" rtlCol="0">
+            <a:spAutoFit/>
+          </a:bodyPr>
+          <a:lstStyle/>
+          <a:p>
+            <a:pPr marL="342900" indent="-342900">
+              <a:lnSpc>
+                <a:spcPct val="150000"/>
+              </a:lnSpc>
+              <a:buFont typeface="Wingdings" panose="05000000000000000000" pitchFamily="2" charset="2"/>
+              <a:buChar char="v"/>
+            </a:pPr>
+            <a:r>
+              <a:rPr lang="ko-KR" altLang="en-US" sz="2000" dirty="0" smtClean="0">
+                <a:latin typeface="휴먼엑스포" panose="02030504000101010101" pitchFamily="18" charset="-127"/>
+                <a:ea typeface="휴먼엑스포" panose="02030504000101010101" pitchFamily="18" charset="-127"/>
+              </a:rPr>
+              <a:t>내장 함수</a:t>
+            </a:r>
+            <a:r>
+              <a:rPr lang="en-US" altLang="ko-KR" sz="2000" dirty="0" smtClean="0">
+                <a:latin typeface="휴먼엑스포" panose="02030504000101010101" pitchFamily="18" charset="-127"/>
+                <a:ea typeface="휴먼엑스포" panose="02030504000101010101" pitchFamily="18" charset="-127"/>
+              </a:rPr>
+              <a:t>(Built in Function)</a:t>
+            </a:r>
+          </a:p>
+          <a:p>
+            <a:pPr>
+              <a:lnSpc>
+                <a:spcPct val="150000"/>
+              </a:lnSpc>
+            </a:pPr>
+            <a:r>
+              <a:rPr lang="ko-KR" altLang="en-US" dirty="0" smtClean="0">
+                <a:latin typeface="휴먼엑스포" panose="02030504000101010101" pitchFamily="18" charset="-127"/>
+                <a:ea typeface="휴먼엑스포" panose="02030504000101010101" pitchFamily="18" charset="-127"/>
+              </a:rPr>
+              <a:t>   </a:t>
+            </a:r>
+            <a:r>
+              <a:rPr lang="ko-KR" altLang="en-US" dirty="0" smtClean="0">
+                <a:latin typeface="+mn-ea"/>
+              </a:rPr>
+              <a:t>특정한 기능을 수행하는 프로그램의 일부분을 함수</a:t>
+            </a:r>
+            <a:r>
+              <a:rPr lang="en-US" altLang="ko-KR" dirty="0" smtClean="0">
+                <a:latin typeface="+mn-ea"/>
+              </a:rPr>
+              <a:t>(Function)</a:t>
+            </a:r>
+            <a:r>
+              <a:rPr lang="ko-KR" altLang="en-US" dirty="0" smtClean="0">
+                <a:latin typeface="+mn-ea"/>
+              </a:rPr>
+              <a:t>라 한다</a:t>
+            </a:r>
+            <a:r>
+              <a:rPr lang="en-US" altLang="ko-KR" dirty="0" smtClean="0">
+                <a:latin typeface="+mn-ea"/>
+              </a:rPr>
+              <a:t>.</a:t>
+            </a:r>
+          </a:p>
+        </p:txBody>
+      </p:sp>
+      <p:pic>
+        <p:nvPicPr>
+          <p:cNvPr id="3" name="그림 2"/>
+          <p:cNvPicPr>
+            <a:picLocks noChangeAspect="1"/>
+          </p:cNvPicPr>
+          <p:nvPr/>
+        </p:nvPicPr>
+        <p:blipFill>
+          <a:blip r:embed="rId2">
+            <a:extLst>
+              <a:ext uri="{28A0092B-C50C-407E-A947-70E740481C1C}">
+                <a14:useLocalDpi xmlns:a14="http://schemas.microsoft.com/office/drawing/2010/main" val="0"/>
+              </a:ext>
+            </a:extLst>
+          </a:blip>
+          <a:stretch>
+            <a:fillRect/>
+          </a:stretch>
+        </p:blipFill>
+        <p:spPr>
+          <a:xfrm>
+            <a:off x="1786268" y="2178719"/>
+            <a:ext cx="6345464" cy="4180920"/>
+          </a:xfrm>
+          <a:prstGeom prst="rect">
+            <a:avLst/>
+          </a:prstGeom>
+        </p:spPr>
+      </p:pic>
+    </p:spTree>
+    <p:extLst>
+      <p:ext uri="{BB962C8B-B14F-4D97-AF65-F5344CB8AC3E}">
+        <p14:creationId xmlns:p14="http://schemas.microsoft.com/office/powerpoint/2010/main" val="3453044142"/>
+      </p:ext>
+    </p:extLst>
+  </p:cSld>
+  <p:clrMapOvr>
+    <a:masterClrMapping/>
+  </p:clrMapOvr>
+  <p:timing>
+    <p:tnLst>
+      <p:par>
+        <p:cTn id="1" dur="indefinite" restart="never" nodeType="tmRoot"/>
+      </p:par>
+    </p:tnLst>
+  </p:timing>
+</p:sld>
+</file>
+
+<file path=ppt/slides/slide3.xml><?xml version="1.0" encoding="utf-8"?>
+<p:sld xmlns:a="http://schemas.openxmlformats.org/drawingml/2006/main" xmlns:r="http://schemas.openxmlformats.org/officeDocument/2006/relationships" xmlns:p="http://schemas.openxmlformats.org/presentationml/2006/main">
+  <p:cSld>
+    <p:spTree>
+      <p:nvGrpSpPr>
+        <p:cNvPr id="1" name=""/>
+        <p:cNvGrpSpPr/>
+        <p:nvPr/>
+      </p:nvGrpSpPr>
+      <p:grpSpPr>
+        <a:xfrm>
+          <a:off x="0" y="0"/>
+          <a:ext cx="0" cy="0"/>
+          <a:chOff x="0" y="0"/>
+          <a:chExt cx="0" cy="0"/>
+        </a:xfrm>
+      </p:grpSpPr>
+      <p:sp>
+        <p:nvSpPr>
+          <p:cNvPr id="2" name="제목 1"/>
+          <p:cNvSpPr>
+            <a:spLocks noGrp="1"/>
+          </p:cNvSpPr>
+          <p:nvPr>
+            <p:ph type="title"/>
+          </p:nvPr>
+        </p:nvSpPr>
+        <p:spPr/>
+        <p:txBody>
+          <a:bodyPr/>
+          <a:lstStyle/>
+          <a:p>
+            <a:r>
+              <a:rPr lang="en-US" altLang="ko-KR" dirty="0"/>
+              <a:t> </a:t>
+            </a:r>
+            <a:r>
+              <a:rPr lang="ko-KR" altLang="en-US" dirty="0" smtClean="0"/>
+              <a:t>함수 정의하고 호출하기</a:t>
+            </a:r>
+            <a:endParaRPr lang="ko-KR" altLang="en-US" dirty="0"/>
+          </a:p>
+        </p:txBody>
+      </p:sp>
+      <p:sp>
+        <p:nvSpPr>
+          <p:cNvPr id="4" name="슬라이드 번호 개체 틀 3"/>
+          <p:cNvSpPr>
+            <a:spLocks noGrp="1"/>
+          </p:cNvSpPr>
+          <p:nvPr>
+            <p:ph type="sldNum" sz="quarter" idx="12"/>
+          </p:nvPr>
+        </p:nvSpPr>
+        <p:spPr/>
+        <p:txBody>
+          <a:bodyPr/>
+          <a:lstStyle/>
+          <a:p>
+            <a:fld id="{1BDE3FE7-3AEA-4B05-AC5A-802D1816ACF0}" type="slidenum">
+              <a:rPr lang="ko-KR" altLang="en-US" smtClean="0"/>
+              <a:t>3</a:t>
+            </a:fld>
+            <a:endParaRPr lang="ko-KR" altLang="en-US"/>
+          </a:p>
+        </p:txBody>
+      </p:sp>
+      <p:sp>
+        <p:nvSpPr>
+          <p:cNvPr id="14" name="TextBox 13"/>
+          <p:cNvSpPr txBox="1"/>
+          <p:nvPr/>
+        </p:nvSpPr>
+        <p:spPr>
+          <a:xfrm>
+            <a:off x="1170566" y="1290826"/>
+            <a:ext cx="7094802" cy="553998"/>
+          </a:xfrm>
+          <a:prstGeom prst="rect">
+            <a:avLst/>
+          </a:prstGeom>
+          <a:noFill/>
+          <a:ln>
+            <a:noFill/>
+          </a:ln>
+        </p:spPr>
+        <p:style>
+          <a:lnRef idx="1">
+            <a:schemeClr val="accent3"/>
+          </a:lnRef>
+          <a:fillRef idx="2">
+            <a:schemeClr val="accent3"/>
+          </a:fillRef>
+          <a:effectRef idx="1">
+            <a:schemeClr val="accent3"/>
+          </a:effectRef>
+          <a:fontRef idx="minor">
+            <a:schemeClr val="dk1"/>
+          </a:fontRef>
+        </p:style>
+        <p:txBody>
+          <a:bodyPr wrap="square" rtlCol="0">
+            <a:spAutoFit/>
+          </a:bodyPr>
+          <a:lstStyle/>
+          <a:p>
+            <a:pPr>
+              <a:lnSpc>
+                <a:spcPct val="150000"/>
+              </a:lnSpc>
+            </a:pPr>
+            <a:r>
+              <a:rPr lang="en-US" altLang="ko-KR" sz="2000" dirty="0" smtClean="0">
+                <a:latin typeface="휴먼엑스포" panose="02030504000101010101" pitchFamily="18" charset="-127"/>
+                <a:ea typeface="휴먼엑스포" panose="02030504000101010101" pitchFamily="18" charset="-127"/>
+              </a:rPr>
+              <a:t>2. return</a:t>
+            </a:r>
+            <a:r>
+              <a:rPr lang="ko-KR" altLang="en-US" sz="2000" dirty="0" smtClean="0">
+                <a:latin typeface="휴먼엑스포" panose="02030504000101010101" pitchFamily="18" charset="-127"/>
+                <a:ea typeface="휴먼엑스포" panose="02030504000101010101" pitchFamily="18" charset="-127"/>
+              </a:rPr>
+              <a:t>이 없고 전달인자가 있는 함수</a:t>
+            </a:r>
+            <a:endParaRPr lang="en-US" altLang="ko-KR" sz="1600" dirty="0">
+              <a:latin typeface="휴먼엑스포" panose="02030504000101010101" pitchFamily="18" charset="-127"/>
+              <a:ea typeface="휴먼엑스포" panose="02030504000101010101" pitchFamily="18" charset="-127"/>
+            </a:endParaRPr>
+          </a:p>
+        </p:txBody>
+      </p:sp>
+      <p:pic>
+        <p:nvPicPr>
+          <p:cNvPr id="5" name="그림 4"/>
+          <p:cNvPicPr>
+            <a:picLocks noChangeAspect="1"/>
+          </p:cNvPicPr>
+          <p:nvPr/>
+        </p:nvPicPr>
+        <p:blipFill rotWithShape="1">
+          <a:blip r:embed="rId2">
+            <a:extLst>
+              <a:ext uri="{28A0092B-C50C-407E-A947-70E740481C1C}">
+                <a14:useLocalDpi xmlns:a14="http://schemas.microsoft.com/office/drawing/2010/main" val="0"/>
+              </a:ext>
+            </a:extLst>
+          </a:blip>
+          <a:srcRect t="16240"/>
+          <a:stretch/>
+        </p:blipFill>
+        <p:spPr>
+          <a:xfrm>
+            <a:off x="1784648" y="3680200"/>
+            <a:ext cx="3528392" cy="1689987"/>
+          </a:xfrm>
+          <a:prstGeom prst="rect">
+            <a:avLst/>
+          </a:prstGeom>
+          <a:ln>
+            <a:solidFill>
+              <a:schemeClr val="accent4">
+                <a:lumMod val="20000"/>
+                <a:lumOff val="80000"/>
+              </a:schemeClr>
+            </a:solidFill>
+          </a:ln>
+        </p:spPr>
+      </p:pic>
+      <p:cxnSp>
+        <p:nvCxnSpPr>
+          <p:cNvPr id="15" name="직선 화살표 연결선 14"/>
+          <p:cNvCxnSpPr>
+            <a:endCxn id="19" idx="1"/>
+          </p:cNvCxnSpPr>
+          <p:nvPr/>
+        </p:nvCxnSpPr>
+        <p:spPr>
+          <a:xfrm>
+            <a:off x="4456064" y="3846652"/>
+            <a:ext cx="1145008" cy="0"/>
+          </a:xfrm>
+          <a:prstGeom prst="straightConnector1">
+            <a:avLst/>
+          </a:prstGeom>
+          <a:ln w="12700">
+            <a:solidFill>
+              <a:srgbClr val="7030A0"/>
+            </a:solidFill>
+            <a:prstDash val="sysDash"/>
+            <a:tailEnd type="triangle"/>
+          </a:ln>
+        </p:spPr>
+        <p:style>
+          <a:lnRef idx="1">
+            <a:schemeClr val="accent1"/>
+          </a:lnRef>
+          <a:fillRef idx="0">
+            <a:schemeClr val="accent1"/>
+          </a:fillRef>
+          <a:effectRef idx="0">
+            <a:schemeClr val="accent1"/>
+          </a:effectRef>
+          <a:fontRef idx="minor">
+            <a:schemeClr val="tx1"/>
+          </a:fontRef>
+        </p:style>
+      </p:cxnSp>
+      <p:sp>
+        <p:nvSpPr>
+          <p:cNvPr id="19" name="모서리가 둥근 직사각형 18"/>
+          <p:cNvSpPr/>
+          <p:nvPr/>
+        </p:nvSpPr>
+        <p:spPr>
+          <a:xfrm>
+            <a:off x="5601072" y="3666632"/>
+            <a:ext cx="1800200" cy="360040"/>
+          </a:xfrm>
+          <a:prstGeom prst="roundRect">
+            <a:avLst/>
+          </a:prstGeom>
+          <a:noFill/>
+          <a:ln w="12700">
+            <a:solidFill>
+              <a:srgbClr val="7030A0"/>
+            </a:solidFill>
+          </a:ln>
+        </p:spPr>
+        <p:style>
+          <a:lnRef idx="2">
+            <a:schemeClr val="accent1">
+              <a:shade val="50000"/>
+            </a:schemeClr>
+          </a:lnRef>
+          <a:fillRef idx="1">
+            <a:schemeClr val="accent1"/>
+          </a:fillRef>
+          <a:effectRef idx="0">
+            <a:schemeClr val="accent1"/>
+          </a:effectRef>
+          <a:fontRef idx="minor">
+            <a:schemeClr val="lt1"/>
+          </a:fontRef>
+        </p:style>
+        <p:txBody>
+          <a:bodyPr rtlCol="0" anchor="ctr"/>
+          <a:lstStyle/>
+          <a:p>
+            <a:r>
+              <a:rPr lang="ko-KR" altLang="en-US" sz="1600" dirty="0" smtClean="0">
+                <a:solidFill>
+                  <a:sysClr val="windowText" lastClr="000000"/>
+                </a:solidFill>
+              </a:rPr>
+              <a:t>인자는 변수이다</a:t>
+            </a:r>
+            <a:r>
+              <a:rPr lang="en-US" altLang="ko-KR" sz="1600" dirty="0" smtClean="0">
+                <a:solidFill>
+                  <a:sysClr val="windowText" lastClr="000000"/>
+                </a:solidFill>
+              </a:rPr>
+              <a:t>.</a:t>
+            </a:r>
+            <a:endParaRPr lang="ko-KR" altLang="en-US" sz="1600" dirty="0">
+              <a:solidFill>
+                <a:sysClr val="windowText" lastClr="000000"/>
+              </a:solidFill>
+            </a:endParaRPr>
+          </a:p>
+        </p:txBody>
+      </p:sp>
+      <p:sp>
+        <p:nvSpPr>
+          <p:cNvPr id="13" name="모서리가 둥근 직사각형 12"/>
+          <p:cNvSpPr/>
+          <p:nvPr/>
+        </p:nvSpPr>
+        <p:spPr>
+          <a:xfrm>
+            <a:off x="1712640" y="1988840"/>
+            <a:ext cx="3096344" cy="1210530"/>
+          </a:xfrm>
+          <a:prstGeom prst="roundRect">
+            <a:avLst/>
+          </a:prstGeom>
+          <a:ln/>
+        </p:spPr>
+        <p:style>
+          <a:lnRef idx="2">
+            <a:schemeClr val="accent5"/>
+          </a:lnRef>
+          <a:fillRef idx="1">
+            <a:schemeClr val="lt1"/>
+          </a:fillRef>
+          <a:effectRef idx="0">
+            <a:schemeClr val="accent5"/>
+          </a:effectRef>
+          <a:fontRef idx="minor">
+            <a:schemeClr val="dk1"/>
+          </a:fontRef>
+        </p:style>
+        <p:txBody>
+          <a:bodyPr rtlCol="0" anchor="ctr"/>
+          <a:lstStyle/>
+          <a:p>
+            <a:pPr>
+              <a:lnSpc>
+                <a:spcPct val="150000"/>
+              </a:lnSpc>
+            </a:pPr>
+            <a:r>
+              <a:rPr lang="en-US" altLang="ko-KR" b="1" dirty="0" err="1" smtClean="0">
+                <a:solidFill>
+                  <a:srgbClr val="C00000"/>
+                </a:solidFill>
+              </a:rPr>
+              <a:t>def</a:t>
+            </a:r>
+            <a:r>
+              <a:rPr lang="en-US" altLang="ko-KR" dirty="0" smtClean="0">
+                <a:solidFill>
+                  <a:sysClr val="windowText" lastClr="000000"/>
+                </a:solidFill>
+              </a:rPr>
+              <a:t> </a:t>
+            </a:r>
+            <a:r>
+              <a:rPr lang="ko-KR" altLang="en-US" dirty="0" smtClean="0">
+                <a:solidFill>
+                  <a:sysClr val="windowText" lastClr="000000"/>
+                </a:solidFill>
+              </a:rPr>
+              <a:t>함수 이름</a:t>
+            </a:r>
+            <a:r>
+              <a:rPr lang="en-US" altLang="ko-KR" dirty="0" smtClean="0">
+                <a:solidFill>
+                  <a:sysClr val="windowText" lastClr="000000"/>
+                </a:solidFill>
+              </a:rPr>
+              <a:t>(</a:t>
+            </a:r>
+            <a:r>
+              <a:rPr lang="ko-KR" altLang="en-US" dirty="0" smtClean="0">
+                <a:solidFill>
+                  <a:sysClr val="windowText" lastClr="000000"/>
+                </a:solidFill>
+              </a:rPr>
+              <a:t>매개 변수</a:t>
+            </a:r>
+            <a:r>
+              <a:rPr lang="en-US" altLang="ko-KR" dirty="0" smtClean="0">
+                <a:solidFill>
+                  <a:sysClr val="windowText" lastClr="000000"/>
+                </a:solidFill>
+              </a:rPr>
+              <a:t>):</a:t>
+            </a:r>
+          </a:p>
+          <a:p>
+            <a:pPr>
+              <a:lnSpc>
+                <a:spcPct val="150000"/>
+              </a:lnSpc>
+            </a:pPr>
+            <a:r>
+              <a:rPr lang="en-US" altLang="ko-KR" dirty="0" smtClean="0">
+                <a:solidFill>
+                  <a:sysClr val="windowText" lastClr="000000"/>
+                </a:solidFill>
+              </a:rPr>
+              <a:t>     </a:t>
+            </a:r>
+            <a:r>
+              <a:rPr lang="ko-KR" altLang="en-US" dirty="0" smtClean="0">
+                <a:solidFill>
+                  <a:sysClr val="windowText" lastClr="000000"/>
+                </a:solidFill>
+              </a:rPr>
+              <a:t>함수의 내용</a:t>
+            </a:r>
+            <a:endParaRPr lang="en-US" altLang="ko-KR" dirty="0" smtClean="0">
+              <a:solidFill>
+                <a:sysClr val="windowText" lastClr="000000"/>
+              </a:solidFill>
+            </a:endParaRPr>
+          </a:p>
+        </p:txBody>
+      </p:sp>
+      <p:sp>
+        <p:nvSpPr>
+          <p:cNvPr id="3" name="TextBox 2"/>
+          <p:cNvSpPr txBox="1"/>
+          <p:nvPr/>
+        </p:nvSpPr>
+        <p:spPr>
+          <a:xfrm>
+            <a:off x="5028568" y="4653136"/>
+            <a:ext cx="1584176" cy="369332"/>
+          </a:xfrm>
+          <a:prstGeom prst="rect">
+            <a:avLst/>
+          </a:prstGeom>
+          <a:noFill/>
+        </p:spPr>
+        <p:txBody>
+          <a:bodyPr wrap="square" rtlCol="0">
+            <a:spAutoFit/>
+          </a:bodyPr>
+          <a:lstStyle/>
+          <a:p>
+            <a:r>
+              <a:rPr lang="en-US" altLang="ko-KR" dirty="0" smtClean="0">
+                <a:solidFill>
+                  <a:srgbClr val="FF0000"/>
+                </a:solidFill>
+              </a:rPr>
+              <a:t>fn_hello2.py</a:t>
+            </a:r>
+            <a:endParaRPr lang="ko-KR" altLang="en-US" dirty="0">
+              <a:solidFill>
+                <a:srgbClr val="FF0000"/>
+              </a:solidFill>
+            </a:endParaRPr>
+          </a:p>
+        </p:txBody>
+      </p:sp>
+    </p:spTree>
+    <p:extLst>
+      <p:ext uri="{BB962C8B-B14F-4D97-AF65-F5344CB8AC3E}">
+        <p14:creationId xmlns:p14="http://schemas.microsoft.com/office/powerpoint/2010/main" val="1808200029"/>
+      </p:ext>
+    </p:extLst>
+  </p:cSld>
+  <p:clrMapOvr>
+    <a:masterClrMapping/>
+  </p:clrMapOvr>
+  <p:timing>
+    <p:tnLst>
+      <p:par>
+        <p:cTn id="1" dur="indefinite" restart="never" nodeType="tmRoot"/>
+      </p:par>
+    </p:tnLst>
+  </p:timing>
+</p:sld>
+</file>
+
+<file path=ppt/slides/slide30.xml><?xml version="1.0" encoding="utf-8"?>
+<p:sld xmlns:a="http://schemas.openxmlformats.org/drawingml/2006/main" xmlns:r="http://schemas.openxmlformats.org/officeDocument/2006/relationships" xmlns:p="http://schemas.openxmlformats.org/presentationml/2006/main">
+  <p:cSld>
+    <p:spTree>
+      <p:nvGrpSpPr>
+        <p:cNvPr id="1" name=""/>
+        <p:cNvGrpSpPr/>
+        <p:nvPr/>
+      </p:nvGrpSpPr>
+      <p:grpSpPr>
+        <a:xfrm>
+          <a:off x="0" y="0"/>
+          <a:ext cx="0" cy="0"/>
+          <a:chOff x="0" y="0"/>
+          <a:chExt cx="0" cy="0"/>
+        </a:xfrm>
+      </p:grpSpPr>
+      <p:sp>
+        <p:nvSpPr>
+          <p:cNvPr id="2" name="제목 1"/>
+          <p:cNvSpPr>
+            <a:spLocks noGrp="1"/>
+          </p:cNvSpPr>
+          <p:nvPr>
+            <p:ph type="title"/>
+          </p:nvPr>
+        </p:nvSpPr>
+        <p:spPr/>
+        <p:txBody>
+          <a:bodyPr/>
+          <a:lstStyle/>
+          <a:p>
+            <a:r>
+              <a:rPr lang="en-US" altLang="ko-KR" dirty="0"/>
+              <a:t> </a:t>
+            </a:r>
+            <a:r>
+              <a:rPr lang="ko-KR" altLang="en-US" dirty="0" smtClean="0"/>
+              <a:t>내장 함수</a:t>
+            </a:r>
+            <a:r>
+              <a:rPr lang="en-US" altLang="ko-KR" dirty="0" smtClean="0"/>
+              <a:t>(Built in Function)</a:t>
+            </a:r>
+            <a:endParaRPr lang="ko-KR" altLang="en-US" dirty="0"/>
+          </a:p>
+        </p:txBody>
+      </p:sp>
+      <p:sp>
+        <p:nvSpPr>
+          <p:cNvPr id="4" name="슬라이드 번호 개체 틀 3"/>
+          <p:cNvSpPr>
+            <a:spLocks noGrp="1"/>
+          </p:cNvSpPr>
+          <p:nvPr>
+            <p:ph type="sldNum" sz="quarter" idx="12"/>
+          </p:nvPr>
+        </p:nvSpPr>
+        <p:spPr/>
+        <p:txBody>
+          <a:bodyPr/>
+          <a:lstStyle/>
+          <a:p>
+            <a:fld id="{1BDE3FE7-3AEA-4B05-AC5A-802D1816ACF0}" type="slidenum">
+              <a:rPr lang="ko-KR" altLang="en-US" smtClean="0"/>
+              <a:t>30</a:t>
             </a:fld>
             <a:endParaRPr lang="ko-KR" altLang="en-US"/>
           </a:p>
@@ -14716,7 +15301,7 @@
 </p:sld>
 </file>
 
-<file path=ppt/slides/slide3.xml><?xml version="1.0" encoding="utf-8"?>
+<file path=ppt/slides/slide31.xml><?xml version="1.0" encoding="utf-8"?>
 <p:sld xmlns:a="http://schemas.openxmlformats.org/drawingml/2006/main" xmlns:r="http://schemas.openxmlformats.org/officeDocument/2006/relationships" xmlns:p="http://schemas.openxmlformats.org/presentationml/2006/main">
   <p:cSld>
     <p:spTree>
@@ -14754,7 +15339,11 @@
             </a:r>
             <a:r>
               <a:rPr lang="ko-KR" altLang="en-US" dirty="0" smtClean="0"/>
-              <a:t>함수 정의하고 호출하기</a:t>
+              <a:t>내장 함수</a:t>
+            </a:r>
+            <a:r>
+              <a:rPr lang="en-US" altLang="ko-KR" dirty="0" smtClean="0"/>
+              <a:t>(Built in Function)</a:t>
             </a:r>
             <a:endParaRPr lang="ko-KR" altLang="en-US" dirty="0"/>
           </a:p>
@@ -14777,460 +15366,7 @@
           <a:p>
             <a:fld id="{1BDE3FE7-3AEA-4B05-AC5A-802D1816ACF0}" type="slidenum">
               <a:rPr lang="ko-KR" altLang="en-US" smtClean="0"/>
-              <a:t>3</a:t>
-            </a:fld>
-            <a:endParaRPr lang="ko-KR" altLang="en-US"/>
-          </a:p>
-        </p:txBody>
-      </p:sp>
-      <p:sp>
-        <p:nvSpPr>
-          <p:cNvPr id="14" name="TextBox 13"/>
-          <p:cNvSpPr txBox="1"/>
-          <p:nvPr/>
-        </p:nvSpPr>
-        <p:spPr>
-          <a:xfrm>
-            <a:off x="1170566" y="1290826"/>
-            <a:ext cx="7094802" cy="553998"/>
-          </a:xfrm>
-          <a:prstGeom prst="rect">
-            <a:avLst/>
-          </a:prstGeom>
-          <a:noFill/>
-          <a:ln>
-            <a:noFill/>
-          </a:ln>
-        </p:spPr>
-        <p:style>
-          <a:lnRef idx="1">
-            <a:schemeClr val="accent3"/>
-          </a:lnRef>
-          <a:fillRef idx="2">
-            <a:schemeClr val="accent3"/>
-          </a:fillRef>
-          <a:effectRef idx="1">
-            <a:schemeClr val="accent3"/>
-          </a:effectRef>
-          <a:fontRef idx="minor">
-            <a:schemeClr val="dk1"/>
-          </a:fontRef>
-        </p:style>
-        <p:txBody>
-          <a:bodyPr wrap="square" rtlCol="0">
-            <a:spAutoFit/>
-          </a:bodyPr>
-          <a:lstStyle/>
-          <a:p>
-            <a:pPr>
-              <a:lnSpc>
-                <a:spcPct val="150000"/>
-              </a:lnSpc>
-            </a:pPr>
-            <a:r>
-              <a:rPr lang="en-US" altLang="ko-KR" sz="2000" dirty="0" smtClean="0">
-                <a:latin typeface="휴먼엑스포" panose="02030504000101010101" pitchFamily="18" charset="-127"/>
-                <a:ea typeface="휴먼엑스포" panose="02030504000101010101" pitchFamily="18" charset="-127"/>
-              </a:rPr>
-              <a:t>2. return</a:t>
-            </a:r>
-            <a:r>
-              <a:rPr lang="ko-KR" altLang="en-US" sz="2000" dirty="0" smtClean="0">
-                <a:latin typeface="휴먼엑스포" panose="02030504000101010101" pitchFamily="18" charset="-127"/>
-                <a:ea typeface="휴먼엑스포" panose="02030504000101010101" pitchFamily="18" charset="-127"/>
-              </a:rPr>
-              <a:t>이 없고 전달인자가 있는 함수</a:t>
-            </a:r>
-            <a:endParaRPr lang="en-US" altLang="ko-KR" sz="1600" dirty="0">
-              <a:latin typeface="휴먼엑스포" panose="02030504000101010101" pitchFamily="18" charset="-127"/>
-              <a:ea typeface="휴먼엑스포" panose="02030504000101010101" pitchFamily="18" charset="-127"/>
-            </a:endParaRPr>
-          </a:p>
-        </p:txBody>
-      </p:sp>
-      <p:pic>
-        <p:nvPicPr>
-          <p:cNvPr id="5" name="그림 4"/>
-          <p:cNvPicPr>
-            <a:picLocks noChangeAspect="1"/>
-          </p:cNvPicPr>
-          <p:nvPr/>
-        </p:nvPicPr>
-        <p:blipFill rotWithShape="1">
-          <a:blip r:embed="rId2">
-            <a:extLst>
-              <a:ext uri="{28A0092B-C50C-407E-A947-70E740481C1C}">
-                <a14:useLocalDpi xmlns:a14="http://schemas.microsoft.com/office/drawing/2010/main" val="0"/>
-              </a:ext>
-            </a:extLst>
-          </a:blip>
-          <a:srcRect t="16240"/>
-          <a:stretch/>
-        </p:blipFill>
-        <p:spPr>
-          <a:xfrm>
-            <a:off x="1784648" y="3680200"/>
-            <a:ext cx="3528392" cy="1689987"/>
-          </a:xfrm>
-          <a:prstGeom prst="rect">
-            <a:avLst/>
-          </a:prstGeom>
-          <a:ln>
-            <a:solidFill>
-              <a:schemeClr val="accent4">
-                <a:lumMod val="20000"/>
-                <a:lumOff val="80000"/>
-              </a:schemeClr>
-            </a:solidFill>
-          </a:ln>
-        </p:spPr>
-      </p:pic>
-      <p:cxnSp>
-        <p:nvCxnSpPr>
-          <p:cNvPr id="15" name="직선 화살표 연결선 14"/>
-          <p:cNvCxnSpPr>
-            <a:endCxn id="19" idx="1"/>
-          </p:cNvCxnSpPr>
-          <p:nvPr/>
-        </p:nvCxnSpPr>
-        <p:spPr>
-          <a:xfrm>
-            <a:off x="4456064" y="3846652"/>
-            <a:ext cx="1145008" cy="0"/>
-          </a:xfrm>
-          <a:prstGeom prst="straightConnector1">
-            <a:avLst/>
-          </a:prstGeom>
-          <a:ln w="12700">
-            <a:solidFill>
-              <a:srgbClr val="7030A0"/>
-            </a:solidFill>
-            <a:prstDash val="sysDash"/>
-            <a:tailEnd type="triangle"/>
-          </a:ln>
-        </p:spPr>
-        <p:style>
-          <a:lnRef idx="1">
-            <a:schemeClr val="accent1"/>
-          </a:lnRef>
-          <a:fillRef idx="0">
-            <a:schemeClr val="accent1"/>
-          </a:fillRef>
-          <a:effectRef idx="0">
-            <a:schemeClr val="accent1"/>
-          </a:effectRef>
-          <a:fontRef idx="minor">
-            <a:schemeClr val="tx1"/>
-          </a:fontRef>
-        </p:style>
-      </p:cxnSp>
-      <p:sp>
-        <p:nvSpPr>
-          <p:cNvPr id="19" name="모서리가 둥근 직사각형 18"/>
-          <p:cNvSpPr/>
-          <p:nvPr/>
-        </p:nvSpPr>
-        <p:spPr>
-          <a:xfrm>
-            <a:off x="5601072" y="3666632"/>
-            <a:ext cx="1800200" cy="360040"/>
-          </a:xfrm>
-          <a:prstGeom prst="roundRect">
-            <a:avLst/>
-          </a:prstGeom>
-          <a:noFill/>
-          <a:ln w="12700">
-            <a:solidFill>
-              <a:srgbClr val="7030A0"/>
-            </a:solidFill>
-          </a:ln>
-        </p:spPr>
-        <p:style>
-          <a:lnRef idx="2">
-            <a:schemeClr val="accent1">
-              <a:shade val="50000"/>
-            </a:schemeClr>
-          </a:lnRef>
-          <a:fillRef idx="1">
-            <a:schemeClr val="accent1"/>
-          </a:fillRef>
-          <a:effectRef idx="0">
-            <a:schemeClr val="accent1"/>
-          </a:effectRef>
-          <a:fontRef idx="minor">
-            <a:schemeClr val="lt1"/>
-          </a:fontRef>
-        </p:style>
-        <p:txBody>
-          <a:bodyPr rtlCol="0" anchor="ctr"/>
-          <a:lstStyle/>
-          <a:p>
-            <a:r>
-              <a:rPr lang="ko-KR" altLang="en-US" sz="1600" dirty="0" smtClean="0">
-                <a:solidFill>
-                  <a:sysClr val="windowText" lastClr="000000"/>
-                </a:solidFill>
-              </a:rPr>
-              <a:t>인자는 변수이다</a:t>
-            </a:r>
-            <a:r>
-              <a:rPr lang="en-US" altLang="ko-KR" sz="1600" dirty="0" smtClean="0">
-                <a:solidFill>
-                  <a:sysClr val="windowText" lastClr="000000"/>
-                </a:solidFill>
-              </a:rPr>
-              <a:t>.</a:t>
-            </a:r>
-            <a:endParaRPr lang="ko-KR" altLang="en-US" sz="1600" dirty="0">
-              <a:solidFill>
-                <a:sysClr val="windowText" lastClr="000000"/>
-              </a:solidFill>
-            </a:endParaRPr>
-          </a:p>
-        </p:txBody>
-      </p:sp>
-      <p:sp>
-        <p:nvSpPr>
-          <p:cNvPr id="13" name="모서리가 둥근 직사각형 12"/>
-          <p:cNvSpPr/>
-          <p:nvPr/>
-        </p:nvSpPr>
-        <p:spPr>
-          <a:xfrm>
-            <a:off x="1712640" y="1988840"/>
-            <a:ext cx="3096344" cy="1210530"/>
-          </a:xfrm>
-          <a:prstGeom prst="roundRect">
-            <a:avLst/>
-          </a:prstGeom>
-          <a:ln/>
-        </p:spPr>
-        <p:style>
-          <a:lnRef idx="2">
-            <a:schemeClr val="accent5"/>
-          </a:lnRef>
-          <a:fillRef idx="1">
-            <a:schemeClr val="lt1"/>
-          </a:fillRef>
-          <a:effectRef idx="0">
-            <a:schemeClr val="accent5"/>
-          </a:effectRef>
-          <a:fontRef idx="minor">
-            <a:schemeClr val="dk1"/>
-          </a:fontRef>
-        </p:style>
-        <p:txBody>
-          <a:bodyPr rtlCol="0" anchor="ctr"/>
-          <a:lstStyle/>
-          <a:p>
-            <a:pPr>
-              <a:lnSpc>
-                <a:spcPct val="150000"/>
-              </a:lnSpc>
-            </a:pPr>
-            <a:r>
-              <a:rPr lang="en-US" altLang="ko-KR" b="1" dirty="0" err="1" smtClean="0">
-                <a:solidFill>
-                  <a:srgbClr val="C00000"/>
-                </a:solidFill>
-              </a:rPr>
-              <a:t>def</a:t>
-            </a:r>
-            <a:r>
-              <a:rPr lang="en-US" altLang="ko-KR" dirty="0" smtClean="0">
-                <a:solidFill>
-                  <a:sysClr val="windowText" lastClr="000000"/>
-                </a:solidFill>
-              </a:rPr>
-              <a:t> </a:t>
-            </a:r>
-            <a:r>
-              <a:rPr lang="ko-KR" altLang="en-US" dirty="0" smtClean="0">
-                <a:solidFill>
-                  <a:sysClr val="windowText" lastClr="000000"/>
-                </a:solidFill>
-              </a:rPr>
-              <a:t>함수 이름</a:t>
-            </a:r>
-            <a:r>
-              <a:rPr lang="en-US" altLang="ko-KR" dirty="0" smtClean="0">
-                <a:solidFill>
-                  <a:sysClr val="windowText" lastClr="000000"/>
-                </a:solidFill>
-              </a:rPr>
-              <a:t>(</a:t>
-            </a:r>
-            <a:r>
-              <a:rPr lang="ko-KR" altLang="en-US" dirty="0" smtClean="0">
-                <a:solidFill>
-                  <a:sysClr val="windowText" lastClr="000000"/>
-                </a:solidFill>
-              </a:rPr>
-              <a:t>매개 변수</a:t>
-            </a:r>
-            <a:r>
-              <a:rPr lang="en-US" altLang="ko-KR" dirty="0" smtClean="0">
-                <a:solidFill>
-                  <a:sysClr val="windowText" lastClr="000000"/>
-                </a:solidFill>
-              </a:rPr>
-              <a:t>):</a:t>
-            </a:r>
-          </a:p>
-          <a:p>
-            <a:pPr>
-              <a:lnSpc>
-                <a:spcPct val="150000"/>
-              </a:lnSpc>
-            </a:pPr>
-            <a:r>
-              <a:rPr lang="en-US" altLang="ko-KR" dirty="0" smtClean="0">
-                <a:solidFill>
-                  <a:sysClr val="windowText" lastClr="000000"/>
-                </a:solidFill>
-              </a:rPr>
-              <a:t>     </a:t>
-            </a:r>
-            <a:r>
-              <a:rPr lang="ko-KR" altLang="en-US" dirty="0" smtClean="0">
-                <a:solidFill>
-                  <a:sysClr val="windowText" lastClr="000000"/>
-                </a:solidFill>
-              </a:rPr>
-              <a:t>함수의 내용</a:t>
-            </a:r>
-            <a:endParaRPr lang="en-US" altLang="ko-KR" dirty="0" smtClean="0">
-              <a:solidFill>
-                <a:sysClr val="windowText" lastClr="000000"/>
-              </a:solidFill>
-            </a:endParaRPr>
-          </a:p>
-        </p:txBody>
-      </p:sp>
-      <p:sp>
-        <p:nvSpPr>
-          <p:cNvPr id="3" name="TextBox 2"/>
-          <p:cNvSpPr txBox="1"/>
-          <p:nvPr/>
-        </p:nvSpPr>
-        <p:spPr>
-          <a:xfrm>
-            <a:off x="5028568" y="4653136"/>
-            <a:ext cx="1584176" cy="369332"/>
-          </a:xfrm>
-          <a:prstGeom prst="rect">
-            <a:avLst/>
-          </a:prstGeom>
-          <a:noFill/>
-        </p:spPr>
-        <p:txBody>
-          <a:bodyPr wrap="square" rtlCol="0">
-            <a:spAutoFit/>
-          </a:bodyPr>
-          <a:lstStyle/>
-          <a:p>
-            <a:r>
-              <a:rPr lang="en-US" altLang="ko-KR" dirty="0" smtClean="0">
-                <a:solidFill>
-                  <a:srgbClr val="FF0000"/>
-                </a:solidFill>
-              </a:rPr>
-              <a:t>fn_hello2.py</a:t>
-            </a:r>
-            <a:endParaRPr lang="ko-KR" altLang="en-US" dirty="0">
-              <a:solidFill>
-                <a:srgbClr val="FF0000"/>
-              </a:solidFill>
-            </a:endParaRPr>
-          </a:p>
-        </p:txBody>
-      </p:sp>
-    </p:spTree>
-    <p:extLst>
-      <p:ext uri="{BB962C8B-B14F-4D97-AF65-F5344CB8AC3E}">
-        <p14:creationId xmlns:p14="http://schemas.microsoft.com/office/powerpoint/2010/main" val="1808200029"/>
-      </p:ext>
-    </p:extLst>
-  </p:cSld>
-  <p:clrMapOvr>
-    <a:masterClrMapping/>
-  </p:clrMapOvr>
-  <p:timing>
-    <p:tnLst>
-      <p:par>
-        <p:cTn id="1" dur="indefinite" restart="never" nodeType="tmRoot"/>
-      </p:par>
-    </p:tnLst>
-  </p:timing>
-</p:sld>
-</file>
-
-<file path=ppt/slides/slide30.xml><?xml version="1.0" encoding="utf-8"?>
-<p:sld xmlns:a="http://schemas.openxmlformats.org/drawingml/2006/main" xmlns:r="http://schemas.openxmlformats.org/officeDocument/2006/relationships" xmlns:p="http://schemas.openxmlformats.org/presentationml/2006/main">
-  <p:cSld>
-    <p:spTree>
-      <p:nvGrpSpPr>
-        <p:cNvPr id="1" name=""/>
-        <p:cNvGrpSpPr/>
-        <p:nvPr/>
-      </p:nvGrpSpPr>
-      <p:grpSpPr>
-        <a:xfrm>
-          <a:off x="0" y="0"/>
-          <a:ext cx="0" cy="0"/>
-          <a:chOff x="0" y="0"/>
-          <a:chExt cx="0" cy="0"/>
-        </a:xfrm>
-      </p:grpSpPr>
-      <p:sp>
-        <p:nvSpPr>
-          <p:cNvPr id="2" name="제목 1"/>
-          <p:cNvSpPr>
-            <a:spLocks noGrp="1"/>
-          </p:cNvSpPr>
-          <p:nvPr>
-            <p:ph type="title"/>
-          </p:nvPr>
-        </p:nvSpPr>
-        <p:spPr/>
-        <p:txBody>
-          <a:bodyPr/>
-          <a:lstStyle/>
-          <a:p>
-            <a:r>
-              <a:rPr lang="en-US" altLang="ko-KR" dirty="0"/>
-              <a:t> </a:t>
-            </a:r>
-            <a:r>
-              <a:rPr lang="ko-KR" altLang="en-US" dirty="0" smtClean="0"/>
-              <a:t>내장 함수</a:t>
-            </a:r>
-            <a:r>
-              <a:rPr lang="en-US" altLang="ko-KR" dirty="0" smtClean="0"/>
-              <a:t>(Built in Function)</a:t>
-            </a:r>
-            <a:endParaRPr lang="ko-KR" altLang="en-US" dirty="0"/>
-          </a:p>
-        </p:txBody>
-      </p:sp>
-      <p:sp>
-        <p:nvSpPr>
-          <p:cNvPr id="4" name="슬라이드 번호 개체 틀 3"/>
-          <p:cNvSpPr>
-            <a:spLocks noGrp="1"/>
-          </p:cNvSpPr>
-          <p:nvPr>
-            <p:ph type="sldNum" sz="quarter" idx="12"/>
-          </p:nvPr>
-        </p:nvSpPr>
-        <p:spPr/>
-        <p:txBody>
-          <a:bodyPr/>
-          <a:lstStyle/>
-          <a:p>
-            <a:fld id="{1BDE3FE7-3AEA-4B05-AC5A-802D1816ACF0}" type="slidenum">
-              <a:rPr lang="ko-KR" altLang="en-US" smtClean="0"/>
-              <a:t>30</a:t>
+              <a:t>31</a:t>
             </a:fld>
             <a:endParaRPr lang="ko-KR" altLang="en-US"/>
           </a:p>
@@ -15376,229 +15512,6 @@
     <p:extLst>
       <p:ext uri="{BB962C8B-B14F-4D97-AF65-F5344CB8AC3E}">
         <p14:creationId xmlns:p14="http://schemas.microsoft.com/office/powerpoint/2010/main" val="1093261891"/>
-      </p:ext>
-    </p:extLst>
-  </p:cSld>
-  <p:clrMapOvr>
-    <a:masterClrMapping/>
-  </p:clrMapOvr>
-  <p:timing>
-    <p:tnLst>
-      <p:par>
-        <p:cTn id="1" dur="indefinite" restart="never" nodeType="tmRoot"/>
-      </p:par>
-    </p:tnLst>
-  </p:timing>
-</p:sld>
-</file>
-
-<file path=ppt/slides/slide31.xml><?xml version="1.0" encoding="utf-8"?>
-<p:sld xmlns:a="http://schemas.openxmlformats.org/drawingml/2006/main" xmlns:r="http://schemas.openxmlformats.org/officeDocument/2006/relationships" xmlns:p="http://schemas.openxmlformats.org/presentationml/2006/main">
-  <p:cSld>
-    <p:spTree>
-      <p:nvGrpSpPr>
-        <p:cNvPr id="1" name=""/>
-        <p:cNvGrpSpPr/>
-        <p:nvPr/>
-      </p:nvGrpSpPr>
-      <p:grpSpPr>
-        <a:xfrm>
-          <a:off x="0" y="0"/>
-          <a:ext cx="0" cy="0"/>
-          <a:chOff x="0" y="0"/>
-          <a:chExt cx="0" cy="0"/>
-        </a:xfrm>
-      </p:grpSpPr>
-      <p:sp>
-        <p:nvSpPr>
-          <p:cNvPr id="2" name="제목 1"/>
-          <p:cNvSpPr>
-            <a:spLocks noGrp="1"/>
-          </p:cNvSpPr>
-          <p:nvPr>
-            <p:ph type="title"/>
-          </p:nvPr>
-        </p:nvSpPr>
-        <p:spPr/>
-        <p:txBody>
-          <a:bodyPr/>
-          <a:lstStyle/>
-          <a:p>
-            <a:r>
-              <a:rPr lang="en-US" altLang="ko-KR" dirty="0"/>
-              <a:t> </a:t>
-            </a:r>
-            <a:r>
-              <a:rPr lang="ko-KR" altLang="en-US" dirty="0" smtClean="0"/>
-              <a:t>내장 함수</a:t>
-            </a:r>
-            <a:r>
-              <a:rPr lang="en-US" altLang="ko-KR" dirty="0" smtClean="0"/>
-              <a:t>(Built in Function)</a:t>
-            </a:r>
-            <a:endParaRPr lang="ko-KR" altLang="en-US" dirty="0"/>
-          </a:p>
-        </p:txBody>
-      </p:sp>
-      <p:sp>
-        <p:nvSpPr>
-          <p:cNvPr id="4" name="슬라이드 번호 개체 틀 3"/>
-          <p:cNvSpPr>
-            <a:spLocks noGrp="1"/>
-          </p:cNvSpPr>
-          <p:nvPr>
-            <p:ph type="sldNum" sz="quarter" idx="12"/>
-          </p:nvPr>
-        </p:nvSpPr>
-        <p:spPr/>
-        <p:txBody>
-          <a:bodyPr/>
-          <a:lstStyle/>
-          <a:p>
-            <a:fld id="{1BDE3FE7-3AEA-4B05-AC5A-802D1816ACF0}" type="slidenum">
-              <a:rPr lang="ko-KR" altLang="en-US" smtClean="0"/>
-              <a:t>31</a:t>
-            </a:fld>
-            <a:endParaRPr lang="ko-KR" altLang="en-US"/>
-          </a:p>
-        </p:txBody>
-      </p:sp>
-      <p:sp>
-        <p:nvSpPr>
-          <p:cNvPr id="14" name="TextBox 13"/>
-          <p:cNvSpPr txBox="1"/>
-          <p:nvPr/>
-        </p:nvSpPr>
-        <p:spPr>
-          <a:xfrm>
-            <a:off x="1064569" y="1211048"/>
-            <a:ext cx="4464496" cy="509178"/>
-          </a:xfrm>
-          <a:prstGeom prst="rect">
-            <a:avLst/>
-          </a:prstGeom>
-          <a:noFill/>
-          <a:ln>
-            <a:noFill/>
-          </a:ln>
-        </p:spPr>
-        <p:style>
-          <a:lnRef idx="1">
-            <a:schemeClr val="accent3"/>
-          </a:lnRef>
-          <a:fillRef idx="2">
-            <a:schemeClr val="accent3"/>
-          </a:fillRef>
-          <a:effectRef idx="1">
-            <a:schemeClr val="accent3"/>
-          </a:effectRef>
-          <a:fontRef idx="minor">
-            <a:schemeClr val="dk1"/>
-          </a:fontRef>
-        </p:style>
-        <p:txBody>
-          <a:bodyPr wrap="square" rtlCol="0">
-            <a:spAutoFit/>
-          </a:bodyPr>
-          <a:lstStyle/>
-          <a:p>
-            <a:pPr marL="342900" indent="-342900">
-              <a:lnSpc>
-                <a:spcPct val="150000"/>
-              </a:lnSpc>
-              <a:buFont typeface="Wingdings" panose="05000000000000000000" pitchFamily="2" charset="2"/>
-              <a:buChar char="v"/>
-            </a:pPr>
-            <a:r>
-              <a:rPr lang="ko-KR" altLang="en-US" sz="2000" dirty="0" smtClean="0">
-                <a:latin typeface="휴먼엑스포" panose="02030504000101010101" pitchFamily="18" charset="-127"/>
-                <a:ea typeface="휴먼엑스포" panose="02030504000101010101" pitchFamily="18" charset="-127"/>
-              </a:rPr>
-              <a:t>거듭 제곱 함수 만들고 비교하기</a:t>
-            </a:r>
-            <a:endParaRPr lang="en-US" altLang="ko-KR" sz="2000" dirty="0" smtClean="0">
-              <a:latin typeface="휴먼엑스포" panose="02030504000101010101" pitchFamily="18" charset="-127"/>
-              <a:ea typeface="휴먼엑스포" panose="02030504000101010101" pitchFamily="18" charset="-127"/>
-            </a:endParaRPr>
-          </a:p>
-        </p:txBody>
-      </p:sp>
-      <p:pic>
-        <p:nvPicPr>
-          <p:cNvPr id="3" name="그림 2"/>
-          <p:cNvPicPr>
-            <a:picLocks noChangeAspect="1"/>
-          </p:cNvPicPr>
-          <p:nvPr/>
-        </p:nvPicPr>
-        <p:blipFill rotWithShape="1">
-          <a:blip r:embed="rId2">
-            <a:extLst>
-              <a:ext uri="{28A0092B-C50C-407E-A947-70E740481C1C}">
-                <a14:useLocalDpi xmlns:a14="http://schemas.microsoft.com/office/drawing/2010/main" val="0"/>
-              </a:ext>
-            </a:extLst>
-          </a:blip>
-          <a:srcRect b="53222"/>
-          <a:stretch/>
-        </p:blipFill>
-        <p:spPr>
-          <a:xfrm>
-            <a:off x="1712640" y="1988840"/>
-            <a:ext cx="2991776" cy="2016224"/>
-          </a:xfrm>
-          <a:prstGeom prst="rect">
-            <a:avLst/>
-          </a:prstGeom>
-          <a:ln>
-            <a:solidFill>
-              <a:schemeClr val="bg1">
-                <a:lumMod val="85000"/>
-              </a:schemeClr>
-            </a:solidFill>
-          </a:ln>
-        </p:spPr>
-      </p:pic>
-      <p:pic>
-        <p:nvPicPr>
-          <p:cNvPr id="8" name="그림 7"/>
-          <p:cNvPicPr>
-            <a:picLocks noChangeAspect="1"/>
-          </p:cNvPicPr>
-          <p:nvPr/>
-        </p:nvPicPr>
-        <p:blipFill rotWithShape="1">
-          <a:blip r:embed="rId2">
-            <a:extLst>
-              <a:ext uri="{28A0092B-C50C-407E-A947-70E740481C1C}">
-                <a14:useLocalDpi xmlns:a14="http://schemas.microsoft.com/office/drawing/2010/main" val="0"/>
-              </a:ext>
-            </a:extLst>
-          </a:blip>
-          <a:srcRect t="47637"/>
-          <a:stretch/>
-        </p:blipFill>
-        <p:spPr>
-          <a:xfrm>
-            <a:off x="5025008" y="2891484"/>
-            <a:ext cx="2952328" cy="2227159"/>
-          </a:xfrm>
-          <a:prstGeom prst="rect">
-            <a:avLst/>
-          </a:prstGeom>
-          <a:ln>
-            <a:solidFill>
-              <a:schemeClr val="bg1">
-                <a:lumMod val="85000"/>
-              </a:schemeClr>
-            </a:solidFill>
-          </a:ln>
-        </p:spPr>
-      </p:pic>
-    </p:spTree>
-    <p:extLst>
-      <p:ext uri="{BB962C8B-B14F-4D97-AF65-F5344CB8AC3E}">
-        <p14:creationId xmlns:p14="http://schemas.microsoft.com/office/powerpoint/2010/main" val="3893054747"/>
       </p:ext>
     </p:extLst>
   </p:cSld>
@@ -15644,9 +15557,7 @@
         </p:nvSpPr>
         <p:spPr/>
         <p:txBody>
-          <a:bodyPr>
-            <a:normAutofit/>
-          </a:bodyPr>
+          <a:bodyPr/>
           <a:lstStyle/>
           <a:p>
             <a:r>
@@ -15655,15 +15566,11 @@
             </a:r>
             <a:r>
               <a:rPr lang="ko-KR" altLang="en-US" dirty="0" smtClean="0"/>
-              <a:t>재귀 함수</a:t>
-            </a:r>
-            <a:r>
-              <a:rPr lang="en-US" altLang="ko-KR" dirty="0"/>
-              <a:t>(recursive function</a:t>
+              <a:t>내장 함수</a:t>
             </a:r>
             <a:r>
               <a:rPr lang="en-US" altLang="ko-KR" dirty="0" smtClean="0"/>
-              <a:t>)</a:t>
+              <a:t>(Built in Function)</a:t>
             </a:r>
             <a:endParaRPr lang="ko-KR" altLang="en-US" dirty="0"/>
           </a:p>
@@ -15700,25 +15607,26 @@
         </p:nvSpPr>
         <p:spPr>
           <a:xfrm>
-            <a:off x="1064568" y="1244738"/>
-            <a:ext cx="6408712" cy="1431161"/>
+            <a:off x="1064569" y="1211048"/>
+            <a:ext cx="4464496" cy="509178"/>
           </a:xfrm>
           <a:prstGeom prst="rect">
             <a:avLst/>
           </a:prstGeom>
+          <a:noFill/>
           <a:ln>
             <a:noFill/>
           </a:ln>
         </p:spPr>
         <p:style>
-          <a:lnRef idx="2">
-            <a:schemeClr val="dk1"/>
+          <a:lnRef idx="1">
+            <a:schemeClr val="accent3"/>
           </a:lnRef>
-          <a:fillRef idx="1">
-            <a:schemeClr val="lt1"/>
+          <a:fillRef idx="2">
+            <a:schemeClr val="accent3"/>
           </a:fillRef>
-          <a:effectRef idx="0">
-            <a:schemeClr val="dk1"/>
+          <a:effectRef idx="1">
+            <a:schemeClr val="accent3"/>
           </a:effectRef>
           <a:fontRef idx="minor">
             <a:schemeClr val="dk1"/>
@@ -15735,290 +15643,98 @@
                 <a:spcPct val="150000"/>
               </a:lnSpc>
               <a:buFont typeface="Wingdings" panose="05000000000000000000" pitchFamily="2" charset="2"/>
-              <a:buChar char="l"/>
+              <a:buChar char="v"/>
             </a:pPr>
             <a:r>
-              <a:rPr lang="ko-KR" altLang="en-US" sz="2000" dirty="0">
+              <a:rPr lang="ko-KR" altLang="en-US" sz="2000" dirty="0" smtClean="0">
                 <a:latin typeface="휴먼엑스포" panose="02030504000101010101" pitchFamily="18" charset="-127"/>
                 <a:ea typeface="휴먼엑스포" panose="02030504000101010101" pitchFamily="18" charset="-127"/>
               </a:rPr>
-              <a:t>재귀 함수</a:t>
-            </a:r>
-            <a:r>
-              <a:rPr lang="en-US" altLang="ko-KR" sz="2000" dirty="0">
-                <a:latin typeface="휴먼엑스포" panose="02030504000101010101" pitchFamily="18" charset="-127"/>
-                <a:ea typeface="휴먼엑스포" panose="02030504000101010101" pitchFamily="18" charset="-127"/>
-              </a:rPr>
-              <a:t>(recursive </a:t>
-            </a:r>
-            <a:r>
-              <a:rPr lang="en-US" altLang="ko-KR" sz="2000" dirty="0" smtClean="0">
-                <a:latin typeface="휴먼엑스포" panose="02030504000101010101" pitchFamily="18" charset="-127"/>
-                <a:ea typeface="휴먼엑스포" panose="02030504000101010101" pitchFamily="18" charset="-127"/>
-              </a:rPr>
-              <a:t>function)</a:t>
-            </a:r>
-          </a:p>
-          <a:p>
-            <a:pPr>
-              <a:lnSpc>
-                <a:spcPct val="150000"/>
-              </a:lnSpc>
-            </a:pPr>
-            <a:r>
-              <a:rPr lang="ko-KR" altLang="en-US" dirty="0" smtClean="0">
-                <a:latin typeface="휴먼엑스포" panose="02030504000101010101" pitchFamily="18" charset="-127"/>
-                <a:ea typeface="휴먼엑스포" panose="02030504000101010101" pitchFamily="18" charset="-127"/>
-              </a:rPr>
-              <a:t>    어떤 함수 안에서 자기 자신을 부르는 것을 말한다</a:t>
-            </a:r>
-            <a:r>
-              <a:rPr lang="en-US" altLang="ko-KR" dirty="0" smtClean="0">
-                <a:latin typeface="휴먼엑스포" panose="02030504000101010101" pitchFamily="18" charset="-127"/>
-                <a:ea typeface="휴먼엑스포" panose="02030504000101010101" pitchFamily="18" charset="-127"/>
-              </a:rPr>
-              <a:t>.</a:t>
-            </a:r>
-          </a:p>
-          <a:p>
-            <a:pPr>
-              <a:lnSpc>
-                <a:spcPct val="150000"/>
-              </a:lnSpc>
-            </a:pPr>
-            <a:r>
-              <a:rPr lang="en-US" altLang="ko-KR" sz="1400" dirty="0">
-                <a:latin typeface="휴먼엑스포" panose="02030504000101010101" pitchFamily="18" charset="-127"/>
-                <a:ea typeface="휴먼엑스포" panose="02030504000101010101" pitchFamily="18" charset="-127"/>
-              </a:rPr>
-              <a:t> </a:t>
-            </a:r>
-            <a:r>
-              <a:rPr lang="en-US" altLang="ko-KR" sz="1400" dirty="0" smtClean="0">
-                <a:latin typeface="휴먼엑스포" panose="02030504000101010101" pitchFamily="18" charset="-127"/>
-                <a:ea typeface="휴먼엑스포" panose="02030504000101010101" pitchFamily="18" charset="-127"/>
-              </a:rPr>
-              <a:t>     </a:t>
-            </a:r>
-            <a:r>
-              <a:rPr lang="ko-KR" altLang="en-US" dirty="0" smtClean="0">
-                <a:latin typeface="휴먼엑스포" panose="02030504000101010101" pitchFamily="18" charset="-127"/>
-                <a:ea typeface="휴먼엑스포" panose="02030504000101010101" pitchFamily="18" charset="-127"/>
-              </a:rPr>
-              <a:t>재귀호출은 무한 반복하므로 </a:t>
-            </a:r>
-            <a:r>
-              <a:rPr lang="ko-KR" altLang="en-US" dirty="0" smtClean="0">
-                <a:solidFill>
-                  <a:srgbClr val="C00000"/>
-                </a:solidFill>
-                <a:latin typeface="휴먼엑스포" panose="02030504000101010101" pitchFamily="18" charset="-127"/>
-                <a:ea typeface="휴먼엑스포" panose="02030504000101010101" pitchFamily="18" charset="-127"/>
-              </a:rPr>
-              <a:t>종료 조건</a:t>
-            </a:r>
-            <a:r>
-              <a:rPr lang="ko-KR" altLang="en-US" dirty="0" smtClean="0">
-                <a:latin typeface="휴먼엑스포" panose="02030504000101010101" pitchFamily="18" charset="-127"/>
-                <a:ea typeface="휴먼엑스포" panose="02030504000101010101" pitchFamily="18" charset="-127"/>
-              </a:rPr>
-              <a:t>이 필요함</a:t>
-            </a:r>
-            <a:endParaRPr lang="en-US" altLang="ko-KR" dirty="0">
+              <a:t>거듭 제곱 함수 만들고 비교하기</a:t>
+            </a:r>
+            <a:endParaRPr lang="en-US" altLang="ko-KR" sz="2000" dirty="0" smtClean="0">
               <a:latin typeface="휴먼엑스포" panose="02030504000101010101" pitchFamily="18" charset="-127"/>
               <a:ea typeface="휴먼엑스포" panose="02030504000101010101" pitchFamily="18" charset="-127"/>
             </a:endParaRPr>
           </a:p>
         </p:txBody>
       </p:sp>
-      <p:sp>
-        <p:nvSpPr>
-          <p:cNvPr id="7" name="TextBox 6"/>
-          <p:cNvSpPr txBox="1"/>
+      <p:pic>
+        <p:nvPicPr>
+          <p:cNvPr id="3" name="그림 2"/>
+          <p:cNvPicPr>
+            <a:picLocks noChangeAspect="1"/>
+          </p:cNvPicPr>
           <p:nvPr/>
-        </p:nvSpPr>
+        </p:nvPicPr>
+        <p:blipFill rotWithShape="1">
+          <a:blip r:embed="rId2">
+            <a:extLst>
+              <a:ext uri="{28A0092B-C50C-407E-A947-70E740481C1C}">
+                <a14:useLocalDpi xmlns:a14="http://schemas.microsoft.com/office/drawing/2010/main" val="0"/>
+              </a:ext>
+            </a:extLst>
+          </a:blip>
+          <a:srcRect b="53222"/>
+          <a:stretch/>
+        </p:blipFill>
         <p:spPr>
           <a:xfrm>
-            <a:off x="1856656" y="2996952"/>
-            <a:ext cx="4680520" cy="2400657"/>
-          </a:xfrm>
-          <a:prstGeom prst="roundRect">
+            <a:off x="1712640" y="1988840"/>
+            <a:ext cx="2991776" cy="2016224"/>
+          </a:xfrm>
+          <a:prstGeom prst="rect">
             <a:avLst/>
           </a:prstGeom>
-          <a:ln w="12700"/>
-        </p:spPr>
-        <p:style>
-          <a:lnRef idx="2">
-            <a:schemeClr val="accent5"/>
-          </a:lnRef>
-          <a:fillRef idx="1">
-            <a:schemeClr val="lt1"/>
-          </a:fillRef>
-          <a:effectRef idx="0">
-            <a:schemeClr val="accent5"/>
-          </a:effectRef>
-          <a:fontRef idx="minor">
-            <a:schemeClr val="dk1"/>
-          </a:fontRef>
-        </p:style>
-        <p:txBody>
-          <a:bodyPr wrap="square" rtlCol="0">
-            <a:spAutoFit/>
-          </a:bodyPr>
-          <a:lstStyle/>
-          <a:p>
-            <a:pPr>
-              <a:lnSpc>
-                <a:spcPct val="150000"/>
-              </a:lnSpc>
-            </a:pPr>
-            <a:r>
-              <a:rPr lang="en-US" altLang="ko-KR" dirty="0" err="1" smtClean="0"/>
-              <a:t>def</a:t>
-            </a:r>
-            <a:r>
-              <a:rPr lang="en-US" altLang="ko-KR" dirty="0" smtClean="0"/>
-              <a:t> </a:t>
-            </a:r>
-            <a:r>
-              <a:rPr lang="en-US" altLang="ko-KR" dirty="0" err="1" smtClean="0"/>
-              <a:t>func</a:t>
-            </a:r>
-            <a:r>
-              <a:rPr lang="en-US" altLang="ko-KR" dirty="0" smtClean="0"/>
-              <a:t>(</a:t>
-            </a:r>
-            <a:r>
-              <a:rPr lang="ko-KR" altLang="en-US" dirty="0" smtClean="0"/>
-              <a:t>입력 값</a:t>
-            </a:r>
-            <a:r>
-              <a:rPr lang="en-US" altLang="ko-KR" dirty="0" smtClean="0"/>
-              <a:t>):</a:t>
-            </a:r>
-          </a:p>
-          <a:p>
-            <a:pPr>
-              <a:lnSpc>
-                <a:spcPct val="150000"/>
-              </a:lnSpc>
-            </a:pPr>
-            <a:r>
-              <a:rPr lang="en-US" altLang="ko-KR" dirty="0" smtClean="0"/>
-              <a:t>    if </a:t>
-            </a:r>
-            <a:r>
-              <a:rPr lang="ko-KR" altLang="en-US" dirty="0" err="1" smtClean="0"/>
-              <a:t>입력값이</a:t>
-            </a:r>
-            <a:r>
-              <a:rPr lang="ko-KR" altLang="en-US" dirty="0" smtClean="0"/>
-              <a:t> 충분히 작으면</a:t>
-            </a:r>
-            <a:r>
-              <a:rPr lang="en-US" altLang="ko-KR" dirty="0" smtClean="0"/>
-              <a:t>: </a:t>
-            </a:r>
-            <a:r>
-              <a:rPr lang="en-US" altLang="ko-KR" sz="1600" dirty="0" smtClean="0">
-                <a:solidFill>
-                  <a:srgbClr val="C00000"/>
-                </a:solidFill>
-              </a:rPr>
-              <a:t>#</a:t>
-            </a:r>
-            <a:r>
-              <a:rPr lang="ko-KR" altLang="en-US" sz="1600" dirty="0" smtClean="0">
-                <a:solidFill>
-                  <a:srgbClr val="C00000"/>
-                </a:solidFill>
-              </a:rPr>
-              <a:t>종료 조건</a:t>
-            </a:r>
-            <a:r>
-              <a:rPr lang="en-US" altLang="ko-KR" sz="1600" dirty="0" smtClean="0">
-                <a:solidFill>
-                  <a:srgbClr val="C00000"/>
-                </a:solidFill>
-              </a:rPr>
-              <a:t> </a:t>
-            </a:r>
-            <a:endParaRPr lang="en-US" altLang="ko-KR" dirty="0" smtClean="0">
-              <a:solidFill>
-                <a:srgbClr val="C00000"/>
-              </a:solidFill>
-            </a:endParaRPr>
-          </a:p>
-          <a:p>
-            <a:pPr>
-              <a:lnSpc>
-                <a:spcPct val="150000"/>
-              </a:lnSpc>
-            </a:pPr>
-            <a:r>
-              <a:rPr lang="en-US" altLang="ko-KR" dirty="0" smtClean="0"/>
-              <a:t>        return </a:t>
-            </a:r>
-            <a:r>
-              <a:rPr lang="ko-KR" altLang="en-US" dirty="0" smtClean="0"/>
-              <a:t>결과값</a:t>
-            </a:r>
-            <a:endParaRPr lang="en-US" altLang="ko-KR" dirty="0" smtClean="0"/>
-          </a:p>
-          <a:p>
-            <a:pPr>
-              <a:lnSpc>
-                <a:spcPct val="150000"/>
-              </a:lnSpc>
-            </a:pPr>
-            <a:r>
-              <a:rPr lang="en-US" altLang="ko-KR" dirty="0" smtClean="0"/>
-              <a:t>    else:     </a:t>
-            </a:r>
-            <a:r>
-              <a:rPr lang="en-US" altLang="ko-KR" sz="1600" dirty="0" smtClean="0">
-                <a:solidFill>
-                  <a:srgbClr val="C00000"/>
-                </a:solidFill>
-              </a:rPr>
-              <a:t>#</a:t>
-            </a:r>
-            <a:r>
-              <a:rPr lang="ko-KR" altLang="en-US" sz="1600" dirty="0" smtClean="0">
-                <a:solidFill>
-                  <a:srgbClr val="C00000"/>
-                </a:solidFill>
-              </a:rPr>
-              <a:t> 더 작은 값으로 호출</a:t>
-            </a:r>
-            <a:endParaRPr lang="en-US" altLang="ko-KR" dirty="0" smtClean="0"/>
-          </a:p>
-          <a:p>
-            <a:pPr>
-              <a:lnSpc>
-                <a:spcPct val="150000"/>
-              </a:lnSpc>
-            </a:pPr>
-            <a:r>
-              <a:rPr lang="en-US" altLang="ko-KR" dirty="0"/>
-              <a:t> </a:t>
-            </a:r>
-            <a:r>
-              <a:rPr lang="en-US" altLang="ko-KR" dirty="0" smtClean="0"/>
-              <a:t>       return </a:t>
-            </a:r>
-            <a:r>
-              <a:rPr lang="ko-KR" altLang="en-US" dirty="0" smtClean="0"/>
-              <a:t>결과값</a:t>
-            </a:r>
-            <a:endParaRPr lang="en-US" altLang="ko-KR" dirty="0"/>
-          </a:p>
-        </p:txBody>
-      </p:sp>
+          <a:ln>
+            <a:solidFill>
+              <a:schemeClr val="bg1">
+                <a:lumMod val="85000"/>
+              </a:schemeClr>
+            </a:solidFill>
+          </a:ln>
+        </p:spPr>
+      </p:pic>
+      <p:pic>
+        <p:nvPicPr>
+          <p:cNvPr id="8" name="그림 7"/>
+          <p:cNvPicPr>
+            <a:picLocks noChangeAspect="1"/>
+          </p:cNvPicPr>
+          <p:nvPr/>
+        </p:nvPicPr>
+        <p:blipFill rotWithShape="1">
+          <a:blip r:embed="rId2">
+            <a:extLst>
+              <a:ext uri="{28A0092B-C50C-407E-A947-70E740481C1C}">
+                <a14:useLocalDpi xmlns:a14="http://schemas.microsoft.com/office/drawing/2010/main" val="0"/>
+              </a:ext>
+            </a:extLst>
+          </a:blip>
+          <a:srcRect t="47637"/>
+          <a:stretch/>
+        </p:blipFill>
+        <p:spPr>
+          <a:xfrm>
+            <a:off x="5025008" y="2891484"/>
+            <a:ext cx="2952328" cy="2227159"/>
+          </a:xfrm>
+          <a:prstGeom prst="rect">
+            <a:avLst/>
+          </a:prstGeom>
+          <a:ln>
+            <a:solidFill>
+              <a:schemeClr val="bg1">
+                <a:lumMod val="85000"/>
+              </a:schemeClr>
+            </a:solidFill>
+          </a:ln>
+        </p:spPr>
+      </p:pic>
     </p:spTree>
     <p:extLst>
       <p:ext uri="{BB962C8B-B14F-4D97-AF65-F5344CB8AC3E}">
-        <p14:creationId xmlns:p14="http://schemas.microsoft.com/office/powerpoint/2010/main" val="2096965877"/>
+        <p14:creationId xmlns:p14="http://schemas.microsoft.com/office/powerpoint/2010/main" val="3893054747"/>
       </p:ext>
     </p:extLst>
   </p:cSld>
@@ -16064,7 +15780,9 @@
         </p:nvSpPr>
         <p:spPr/>
         <p:txBody>
-          <a:bodyPr/>
+          <a:bodyPr>
+            <a:normAutofit/>
+          </a:bodyPr>
           <a:lstStyle/>
           <a:p>
             <a:r>
@@ -16072,12 +15790,16 @@
               <a:t> </a:t>
             </a:r>
             <a:r>
-              <a:rPr lang="ko-KR" altLang="en-US" dirty="0"/>
+              <a:rPr lang="ko-KR" altLang="en-US" dirty="0" smtClean="0"/>
               <a:t>재귀 함수</a:t>
             </a:r>
             <a:r>
               <a:rPr lang="en-US" altLang="ko-KR" dirty="0"/>
-              <a:t>(recursive function)</a:t>
+              <a:t>(recursive function</a:t>
+            </a:r>
+            <a:r>
+              <a:rPr lang="en-US" altLang="ko-KR" dirty="0" smtClean="0"/>
+              <a:t>)</a:t>
             </a:r>
             <a:endParaRPr lang="ko-KR" altLang="en-US" dirty="0"/>
           </a:p>
@@ -16115,7 +15837,7 @@
         <p:spPr>
           <a:xfrm>
             <a:off x="1064568" y="1244738"/>
-            <a:ext cx="6408712" cy="553998"/>
+            <a:ext cx="6408712" cy="1431161"/>
           </a:xfrm>
           <a:prstGeom prst="rect">
             <a:avLst/>
@@ -16152,70 +15874,287 @@
               <a:buChar char="l"/>
             </a:pPr>
             <a:r>
-              <a:rPr lang="ko-KR" altLang="en-US" sz="2000" dirty="0" smtClean="0">
-                <a:latin typeface="휴먼엑스포" panose="02030504000101010101" pitchFamily="18" charset="-127"/>
-                <a:ea typeface="휴먼엑스포" panose="02030504000101010101" pitchFamily="18" charset="-127"/>
-              </a:rPr>
-              <a:t>재귀 함</a:t>
-            </a:r>
-            <a:r>
               <a:rPr lang="ko-KR" altLang="en-US" sz="2000" dirty="0">
                 <a:latin typeface="휴먼엑스포" panose="02030504000101010101" pitchFamily="18" charset="-127"/>
                 <a:ea typeface="휴먼엑스포" panose="02030504000101010101" pitchFamily="18" charset="-127"/>
               </a:rPr>
-              <a:t>수</a:t>
+              <a:t>재귀 함수</a:t>
+            </a:r>
+            <a:r>
+              <a:rPr lang="en-US" altLang="ko-KR" sz="2000" dirty="0">
+                <a:latin typeface="휴먼엑스포" panose="02030504000101010101" pitchFamily="18" charset="-127"/>
+                <a:ea typeface="휴먼엑스포" panose="02030504000101010101" pitchFamily="18" charset="-127"/>
+              </a:rPr>
+              <a:t>(recursive </a:t>
             </a:r>
             <a:r>
               <a:rPr lang="en-US" altLang="ko-KR" sz="2000" dirty="0" smtClean="0">
                 <a:latin typeface="휴먼엑스포" panose="02030504000101010101" pitchFamily="18" charset="-127"/>
                 <a:ea typeface="휴먼엑스포" panose="02030504000101010101" pitchFamily="18" charset="-127"/>
               </a:rPr>
-              <a:t>(recursive function)</a:t>
-            </a:r>
-          </a:p>
-        </p:txBody>
-      </p:sp>
-      <p:pic>
-        <p:nvPicPr>
-          <p:cNvPr id="3" name="그림 2"/>
-          <p:cNvPicPr>
-            <a:picLocks noChangeAspect="1"/>
-          </p:cNvPicPr>
+              <a:t>function)</a:t>
+            </a:r>
+          </a:p>
+          <a:p>
+            <a:pPr>
+              <a:lnSpc>
+                <a:spcPct val="150000"/>
+              </a:lnSpc>
+            </a:pPr>
+            <a:r>
+              <a:rPr lang="ko-KR" altLang="en-US" dirty="0" smtClean="0">
+                <a:latin typeface="휴먼엑스포" panose="02030504000101010101" pitchFamily="18" charset="-127"/>
+                <a:ea typeface="휴먼엑스포" panose="02030504000101010101" pitchFamily="18" charset="-127"/>
+              </a:rPr>
+              <a:t>    어떤 함수 안에서 자기 자신을 부르는 것을 말한다</a:t>
+            </a:r>
+            <a:r>
+              <a:rPr lang="en-US" altLang="ko-KR" dirty="0" smtClean="0">
+                <a:latin typeface="휴먼엑스포" panose="02030504000101010101" pitchFamily="18" charset="-127"/>
+                <a:ea typeface="휴먼엑스포" panose="02030504000101010101" pitchFamily="18" charset="-127"/>
+              </a:rPr>
+              <a:t>.</a:t>
+            </a:r>
+          </a:p>
+          <a:p>
+            <a:pPr>
+              <a:lnSpc>
+                <a:spcPct val="150000"/>
+              </a:lnSpc>
+            </a:pPr>
+            <a:r>
+              <a:rPr lang="en-US" altLang="ko-KR" sz="1400" dirty="0">
+                <a:latin typeface="휴먼엑스포" panose="02030504000101010101" pitchFamily="18" charset="-127"/>
+                <a:ea typeface="휴먼엑스포" panose="02030504000101010101" pitchFamily="18" charset="-127"/>
+              </a:rPr>
+              <a:t> </a:t>
+            </a:r>
+            <a:r>
+              <a:rPr lang="en-US" altLang="ko-KR" sz="1400" dirty="0" smtClean="0">
+                <a:latin typeface="휴먼엑스포" panose="02030504000101010101" pitchFamily="18" charset="-127"/>
+                <a:ea typeface="휴먼엑스포" panose="02030504000101010101" pitchFamily="18" charset="-127"/>
+              </a:rPr>
+              <a:t>     </a:t>
+            </a:r>
+            <a:r>
+              <a:rPr lang="ko-KR" altLang="en-US" dirty="0" smtClean="0">
+                <a:latin typeface="휴먼엑스포" panose="02030504000101010101" pitchFamily="18" charset="-127"/>
+                <a:ea typeface="휴먼엑스포" panose="02030504000101010101" pitchFamily="18" charset="-127"/>
+              </a:rPr>
+              <a:t>재귀호출은 무한 반복하므로 </a:t>
+            </a:r>
+            <a:r>
+              <a:rPr lang="ko-KR" altLang="en-US" dirty="0" smtClean="0">
+                <a:solidFill>
+                  <a:srgbClr val="C00000"/>
+                </a:solidFill>
+                <a:latin typeface="휴먼엑스포" panose="02030504000101010101" pitchFamily="18" charset="-127"/>
+                <a:ea typeface="휴먼엑스포" panose="02030504000101010101" pitchFamily="18" charset="-127"/>
+              </a:rPr>
+              <a:t>종료 조건</a:t>
+            </a:r>
+            <a:r>
+              <a:rPr lang="ko-KR" altLang="en-US" dirty="0" smtClean="0">
+                <a:latin typeface="휴먼엑스포" panose="02030504000101010101" pitchFamily="18" charset="-127"/>
+                <a:ea typeface="휴먼엑스포" panose="02030504000101010101" pitchFamily="18" charset="-127"/>
+              </a:rPr>
+              <a:t>이 필요함</a:t>
+            </a:r>
+            <a:endParaRPr lang="en-US" altLang="ko-KR" dirty="0">
+              <a:latin typeface="휴먼엑스포" panose="02030504000101010101" pitchFamily="18" charset="-127"/>
+              <a:ea typeface="휴먼엑스포" panose="02030504000101010101" pitchFamily="18" charset="-127"/>
+            </a:endParaRPr>
+          </a:p>
+        </p:txBody>
+      </p:sp>
+      <p:sp>
+        <p:nvSpPr>
+          <p:cNvPr id="7" name="TextBox 6"/>
+          <p:cNvSpPr txBox="1"/>
           <p:nvPr/>
-        </p:nvPicPr>
-        <p:blipFill>
-          <a:blip r:embed="rId2">
-            <a:extLst>
-              <a:ext uri="{28A0092B-C50C-407E-A947-70E740481C1C}">
-                <a14:useLocalDpi xmlns:a14="http://schemas.microsoft.com/office/drawing/2010/main" val="0"/>
-              </a:ext>
-            </a:extLst>
-          </a:blip>
-          <a:stretch>
-            <a:fillRect/>
-          </a:stretch>
-        </p:blipFill>
+        </p:nvSpPr>
         <p:spPr>
           <a:xfrm>
-            <a:off x="1712640" y="1916832"/>
-            <a:ext cx="4374259" cy="4031330"/>
-          </a:xfrm>
-          <a:prstGeom prst="rect">
+            <a:off x="1856656" y="2996952"/>
+            <a:ext cx="4680520" cy="2400657"/>
+          </a:xfrm>
+          <a:prstGeom prst="roundRect">
             <a:avLst/>
           </a:prstGeom>
-          <a:ln>
-            <a:solidFill>
-              <a:schemeClr val="bg1">
-                <a:lumMod val="85000"/>
-              </a:schemeClr>
-            </a:solidFill>
-          </a:ln>
-        </p:spPr>
-      </p:pic>
+          <a:ln w="12700"/>
+        </p:spPr>
+        <p:style>
+          <a:lnRef idx="2">
+            <a:schemeClr val="accent5"/>
+          </a:lnRef>
+          <a:fillRef idx="1">
+            <a:schemeClr val="lt1"/>
+          </a:fillRef>
+          <a:effectRef idx="0">
+            <a:schemeClr val="accent5"/>
+          </a:effectRef>
+          <a:fontRef idx="minor">
+            <a:schemeClr val="dk1"/>
+          </a:fontRef>
+        </p:style>
+        <p:txBody>
+          <a:bodyPr wrap="square" rtlCol="0">
+            <a:spAutoFit/>
+          </a:bodyPr>
+          <a:lstStyle/>
+          <a:p>
+            <a:pPr>
+              <a:lnSpc>
+                <a:spcPct val="150000"/>
+              </a:lnSpc>
+            </a:pPr>
+            <a:r>
+              <a:rPr lang="en-US" altLang="ko-KR" dirty="0" err="1" smtClean="0"/>
+              <a:t>def</a:t>
+            </a:r>
+            <a:r>
+              <a:rPr lang="en-US" altLang="ko-KR" dirty="0" smtClean="0"/>
+              <a:t> </a:t>
+            </a:r>
+            <a:r>
+              <a:rPr lang="en-US" altLang="ko-KR" dirty="0" err="1" smtClean="0"/>
+              <a:t>func</a:t>
+            </a:r>
+            <a:r>
+              <a:rPr lang="en-US" altLang="ko-KR" dirty="0" smtClean="0"/>
+              <a:t>(</a:t>
+            </a:r>
+            <a:r>
+              <a:rPr lang="ko-KR" altLang="en-US" dirty="0" smtClean="0"/>
+              <a:t>입력 값</a:t>
+            </a:r>
+            <a:r>
+              <a:rPr lang="en-US" altLang="ko-KR" dirty="0" smtClean="0"/>
+              <a:t>):</a:t>
+            </a:r>
+          </a:p>
+          <a:p>
+            <a:pPr>
+              <a:lnSpc>
+                <a:spcPct val="150000"/>
+              </a:lnSpc>
+            </a:pPr>
+            <a:r>
+              <a:rPr lang="en-US" altLang="ko-KR" dirty="0" smtClean="0"/>
+              <a:t>    if </a:t>
+            </a:r>
+            <a:r>
+              <a:rPr lang="ko-KR" altLang="en-US" dirty="0" err="1" smtClean="0"/>
+              <a:t>입력값이</a:t>
+            </a:r>
+            <a:r>
+              <a:rPr lang="ko-KR" altLang="en-US" dirty="0" smtClean="0"/>
+              <a:t> 충분히 작으면</a:t>
+            </a:r>
+            <a:r>
+              <a:rPr lang="en-US" altLang="ko-KR" dirty="0" smtClean="0"/>
+              <a:t>: </a:t>
+            </a:r>
+            <a:r>
+              <a:rPr lang="en-US" altLang="ko-KR" sz="1600" dirty="0" smtClean="0">
+                <a:solidFill>
+                  <a:srgbClr val="C00000"/>
+                </a:solidFill>
+              </a:rPr>
+              <a:t>#</a:t>
+            </a:r>
+            <a:r>
+              <a:rPr lang="ko-KR" altLang="en-US" sz="1600" dirty="0" smtClean="0">
+                <a:solidFill>
+                  <a:srgbClr val="C00000"/>
+                </a:solidFill>
+              </a:rPr>
+              <a:t>종료 조건</a:t>
+            </a:r>
+            <a:r>
+              <a:rPr lang="en-US" altLang="ko-KR" sz="1600" dirty="0" smtClean="0">
+                <a:solidFill>
+                  <a:srgbClr val="C00000"/>
+                </a:solidFill>
+              </a:rPr>
+              <a:t> </a:t>
+            </a:r>
+            <a:endParaRPr lang="en-US" altLang="ko-KR" dirty="0" smtClean="0">
+              <a:solidFill>
+                <a:srgbClr val="C00000"/>
+              </a:solidFill>
+            </a:endParaRPr>
+          </a:p>
+          <a:p>
+            <a:pPr>
+              <a:lnSpc>
+                <a:spcPct val="150000"/>
+              </a:lnSpc>
+            </a:pPr>
+            <a:r>
+              <a:rPr lang="en-US" altLang="ko-KR" dirty="0" smtClean="0"/>
+              <a:t>        return </a:t>
+            </a:r>
+            <a:r>
+              <a:rPr lang="ko-KR" altLang="en-US" dirty="0" smtClean="0"/>
+              <a:t>결과값</a:t>
+            </a:r>
+            <a:endParaRPr lang="en-US" altLang="ko-KR" dirty="0" smtClean="0"/>
+          </a:p>
+          <a:p>
+            <a:pPr>
+              <a:lnSpc>
+                <a:spcPct val="150000"/>
+              </a:lnSpc>
+            </a:pPr>
+            <a:r>
+              <a:rPr lang="en-US" altLang="ko-KR" dirty="0" smtClean="0"/>
+              <a:t>    else:     </a:t>
+            </a:r>
+            <a:r>
+              <a:rPr lang="en-US" altLang="ko-KR" sz="1600" dirty="0" smtClean="0">
+                <a:solidFill>
+                  <a:srgbClr val="C00000"/>
+                </a:solidFill>
+              </a:rPr>
+              <a:t>#</a:t>
+            </a:r>
+            <a:r>
+              <a:rPr lang="ko-KR" altLang="en-US" sz="1600" dirty="0" smtClean="0">
+                <a:solidFill>
+                  <a:srgbClr val="C00000"/>
+                </a:solidFill>
+              </a:rPr>
+              <a:t> 더 작은 값으로 호출</a:t>
+            </a:r>
+            <a:endParaRPr lang="en-US" altLang="ko-KR" dirty="0" smtClean="0"/>
+          </a:p>
+          <a:p>
+            <a:pPr>
+              <a:lnSpc>
+                <a:spcPct val="150000"/>
+              </a:lnSpc>
+            </a:pPr>
+            <a:r>
+              <a:rPr lang="en-US" altLang="ko-KR" dirty="0"/>
+              <a:t> </a:t>
+            </a:r>
+            <a:r>
+              <a:rPr lang="en-US" altLang="ko-KR" dirty="0" smtClean="0"/>
+              <a:t>       return </a:t>
+            </a:r>
+            <a:r>
+              <a:rPr lang="ko-KR" altLang="en-US" dirty="0" smtClean="0"/>
+              <a:t>결과값</a:t>
+            </a:r>
+            <a:endParaRPr lang="en-US" altLang="ko-KR" dirty="0"/>
+          </a:p>
+        </p:txBody>
+      </p:sp>
     </p:spTree>
     <p:extLst>
       <p:ext uri="{BB962C8B-B14F-4D97-AF65-F5344CB8AC3E}">
-        <p14:creationId xmlns:p14="http://schemas.microsoft.com/office/powerpoint/2010/main" val="70958658"/>
+        <p14:creationId xmlns:p14="http://schemas.microsoft.com/office/powerpoint/2010/main" val="2096965877"/>
       </p:ext>
     </p:extLst>
   </p:cSld>
@@ -16269,12 +16208,12 @@
               <a:t> </a:t>
             </a:r>
             <a:r>
-              <a:rPr lang="ko-KR" altLang="en-US" b="1" dirty="0" err="1" smtClean="0"/>
-              <a:t>팩토리얼</a:t>
-            </a:r>
-            <a:r>
-              <a:rPr lang="en-US" altLang="ko-KR" b="1" dirty="0" smtClean="0"/>
-              <a:t>(factorial)</a:t>
+              <a:rPr lang="ko-KR" altLang="en-US" dirty="0"/>
+              <a:t>재귀 함수</a:t>
+            </a:r>
+            <a:r>
+              <a:rPr lang="en-US" altLang="ko-KR" dirty="0"/>
+              <a:t>(recursive function)</a:t>
             </a:r>
             <a:endParaRPr lang="ko-KR" altLang="en-US" dirty="0"/>
           </a:p>
@@ -16305,14 +16244,14 @@
       </p:sp>
       <p:sp>
         <p:nvSpPr>
-          <p:cNvPr id="5" name="TextBox 4"/>
+          <p:cNvPr id="14" name="TextBox 13"/>
           <p:cNvSpPr txBox="1"/>
           <p:nvPr/>
         </p:nvSpPr>
         <p:spPr>
           <a:xfrm>
-            <a:off x="865650" y="1191630"/>
-            <a:ext cx="4320480" cy="509178"/>
+            <a:off x="1064568" y="1244738"/>
+            <a:ext cx="6408712" cy="553998"/>
           </a:xfrm>
           <a:prstGeom prst="rect">
             <a:avLst/>
@@ -16349,23 +16288,26 @@
               <a:buChar char="l"/>
             </a:pPr>
             <a:r>
-              <a:rPr lang="ko-KR" altLang="en-US" sz="2000" b="1" dirty="0" err="1" smtClean="0">
+              <a:rPr lang="ko-KR" altLang="en-US" sz="2000" dirty="0" smtClean="0">
                 <a:latin typeface="휴먼엑스포" panose="02030504000101010101" pitchFamily="18" charset="-127"/>
                 <a:ea typeface="휴먼엑스포" panose="02030504000101010101" pitchFamily="18" charset="-127"/>
               </a:rPr>
-              <a:t>팩토리얼을</a:t>
-            </a:r>
-            <a:r>
-              <a:rPr lang="ko-KR" altLang="en-US" sz="2000" b="1" dirty="0" smtClean="0">
+              <a:t>재귀 함</a:t>
+            </a:r>
+            <a:r>
+              <a:rPr lang="ko-KR" altLang="en-US" sz="2000" dirty="0">
                 <a:latin typeface="휴먼엑스포" panose="02030504000101010101" pitchFamily="18" charset="-127"/>
                 <a:ea typeface="휴먼엑스포" panose="02030504000101010101" pitchFamily="18" charset="-127"/>
               </a:rPr>
-              <a:t> 구하는 재귀 함수 </a:t>
-            </a:r>
-            <a:endParaRPr lang="en-US" altLang="ko-KR" sz="1600" dirty="0">
-              <a:latin typeface="휴먼엑스포" panose="02030504000101010101" pitchFamily="18" charset="-127"/>
-              <a:ea typeface="휴먼엑스포" panose="02030504000101010101" pitchFamily="18" charset="-127"/>
-            </a:endParaRPr>
+              <a:t>수</a:t>
+            </a:r>
+            <a:r>
+              <a:rPr lang="en-US" altLang="ko-KR" sz="2000" dirty="0" smtClean="0">
+                <a:latin typeface="휴먼엑스포" panose="02030504000101010101" pitchFamily="18" charset="-127"/>
+                <a:ea typeface="휴먼엑스포" panose="02030504000101010101" pitchFamily="18" charset="-127"/>
+              </a:rPr>
+              <a:t>(recursive function)</a:t>
+            </a:r>
           </a:p>
         </p:txBody>
       </p:sp>
@@ -16391,8 +16333,8 @@
         </p:blipFill>
         <p:spPr>
           <a:xfrm>
-            <a:off x="5673080" y="2276872"/>
-            <a:ext cx="3501193" cy="3096344"/>
+            <a:off x="1712640" y="1916832"/>
+            <a:ext cx="4374259" cy="4031330"/>
           </a:xfrm>
           <a:prstGeom prst="rect">
             <a:avLst/>
@@ -16406,47 +16348,10 @@
           </a:ln>
         </p:spPr>
       </p:pic>
-      <p:pic>
-        <p:nvPicPr>
-          <p:cNvPr id="7" name="그림 6"/>
-          <p:cNvPicPr>
-            <a:picLocks noChangeAspect="1"/>
-          </p:cNvPicPr>
-          <p:nvPr/>
-        </p:nvPicPr>
-        <p:blipFill>
-          <a:blip r:embed="rId3">
-            <a:extLst>
-              <a:ext uri="{28A0092B-C50C-407E-A947-70E740481C1C}">
-                <a14:useLocalDpi xmlns:a14="http://schemas.microsoft.com/office/drawing/2010/main" val="0"/>
-              </a:ext>
-            </a:extLst>
-          </a:blip>
-          <a:stretch>
-            <a:fillRect/>
-          </a:stretch>
-        </p:blipFill>
-        <p:spPr>
-          <a:xfrm>
-            <a:off x="1280592" y="1844824"/>
-            <a:ext cx="4084674" cy="4259949"/>
-          </a:xfrm>
-          <a:prstGeom prst="rect">
-            <a:avLst/>
-          </a:prstGeom>
-          <a:ln>
-            <a:solidFill>
-              <a:schemeClr val="bg1">
-                <a:lumMod val="85000"/>
-              </a:schemeClr>
-            </a:solidFill>
-          </a:ln>
-        </p:spPr>
-      </p:pic>
     </p:spTree>
     <p:extLst>
       <p:ext uri="{BB962C8B-B14F-4D97-AF65-F5344CB8AC3E}">
-        <p14:creationId xmlns:p14="http://schemas.microsoft.com/office/powerpoint/2010/main" val="1356078789"/>
+        <p14:creationId xmlns:p14="http://schemas.microsoft.com/office/powerpoint/2010/main" val="70958658"/>
       </p:ext>
     </p:extLst>
   </p:cSld>
@@ -16500,8 +16405,12 @@
               <a:t> </a:t>
             </a:r>
             <a:r>
-              <a:rPr lang="ko-KR" altLang="en-US" dirty="0" smtClean="0"/>
-              <a:t>피보나치 수열</a:t>
+              <a:rPr lang="ko-KR" altLang="en-US" b="1" dirty="0" err="1" smtClean="0"/>
+              <a:t>팩토리얼</a:t>
+            </a:r>
+            <a:r>
+              <a:rPr lang="en-US" altLang="ko-KR" b="1" dirty="0" smtClean="0"/>
+              <a:t>(factorial)</a:t>
             </a:r>
             <a:endParaRPr lang="ko-KR" altLang="en-US" dirty="0"/>
           </a:p>
@@ -16538,8 +16447,8 @@
         </p:nvSpPr>
         <p:spPr>
           <a:xfrm>
-            <a:off x="1064568" y="1196752"/>
-            <a:ext cx="8208912" cy="1292662"/>
+            <a:off x="865650" y="1191630"/>
+            <a:ext cx="4320480" cy="509178"/>
           </a:xfrm>
           <a:prstGeom prst="rect">
             <a:avLst/>
@@ -16576,83 +16485,18 @@
               <a:buChar char="l"/>
             </a:pPr>
             <a:r>
-              <a:rPr lang="ko-KR" altLang="en-US" dirty="0" smtClean="0">
+              <a:rPr lang="ko-KR" altLang="en-US" sz="2000" b="1" dirty="0" err="1" smtClean="0">
                 <a:latin typeface="휴먼엑스포" panose="02030504000101010101" pitchFamily="18" charset="-127"/>
                 <a:ea typeface="휴먼엑스포" panose="02030504000101010101" pitchFamily="18" charset="-127"/>
               </a:rPr>
-              <a:t>피보나치</a:t>
-            </a:r>
-            <a:r>
-              <a:rPr lang="en-US" altLang="ko-KR" dirty="0" smtClean="0">
+              <a:t>팩토리얼을</a:t>
+            </a:r>
+            <a:r>
+              <a:rPr lang="ko-KR" altLang="en-US" sz="2000" b="1" dirty="0" smtClean="0">
                 <a:latin typeface="휴먼엑스포" panose="02030504000101010101" pitchFamily="18" charset="-127"/>
                 <a:ea typeface="휴먼엑스포" panose="02030504000101010101" pitchFamily="18" charset="-127"/>
               </a:rPr>
-              <a:t>(Fibonacci)</a:t>
-            </a:r>
-            <a:r>
-              <a:rPr lang="ko-KR" altLang="en-US" dirty="0" smtClean="0">
-                <a:latin typeface="휴먼엑스포" panose="02030504000101010101" pitchFamily="18" charset="-127"/>
-                <a:ea typeface="휴먼엑스포" panose="02030504000101010101" pitchFamily="18" charset="-127"/>
-              </a:rPr>
-              <a:t> 수열 </a:t>
-            </a:r>
-            <a:endParaRPr lang="en-US" altLang="ko-KR" dirty="0" smtClean="0">
-              <a:latin typeface="휴먼엑스포" panose="02030504000101010101" pitchFamily="18" charset="-127"/>
-              <a:ea typeface="휴먼엑스포" panose="02030504000101010101" pitchFamily="18" charset="-127"/>
-            </a:endParaRPr>
-          </a:p>
-          <a:p>
-            <a:pPr lvl="1">
-              <a:lnSpc>
-                <a:spcPct val="150000"/>
-              </a:lnSpc>
-            </a:pPr>
-            <a:r>
-              <a:rPr lang="ko-KR" altLang="en-US" sz="1600" dirty="0" smtClean="0">
-                <a:latin typeface="휴먼엑스포" panose="02030504000101010101" pitchFamily="18" charset="-127"/>
-                <a:ea typeface="휴먼엑스포" panose="02030504000101010101" pitchFamily="18" charset="-127"/>
-              </a:rPr>
-              <a:t>수학에서 피보나치 수는 </a:t>
-            </a:r>
-            <a:r>
-              <a:rPr lang="ko-KR" altLang="en-US" sz="1600" dirty="0" smtClean="0"/>
-              <a:t>첫째 및 둘째 항이 </a:t>
-            </a:r>
-            <a:r>
-              <a:rPr lang="en-US" altLang="ko-KR" sz="1600" dirty="0" smtClean="0"/>
-              <a:t>1</a:t>
-            </a:r>
-            <a:r>
-              <a:rPr lang="ko-KR" altLang="en-US" sz="1600" dirty="0" smtClean="0"/>
-              <a:t>이며</a:t>
-            </a:r>
-            <a:r>
-              <a:rPr lang="en-US" altLang="ko-KR" sz="1600" dirty="0" smtClean="0"/>
-              <a:t>,</a:t>
-            </a:r>
-            <a:r>
-              <a:rPr lang="ko-KR" altLang="en-US" sz="1600" dirty="0" smtClean="0"/>
-              <a:t> 그 뒤의 모든 항은 바로 앞 두 항의 합인 수열이다</a:t>
-            </a:r>
-            <a:r>
-              <a:rPr lang="en-US" altLang="ko-KR" sz="1600" dirty="0" smtClean="0"/>
-              <a:t>. </a:t>
-            </a:r>
-            <a:r>
-              <a:rPr lang="ko-KR" altLang="en-US" sz="1600" dirty="0"/>
-              <a:t>처음 여섯 항은 각각 </a:t>
-            </a:r>
-            <a:r>
-              <a:rPr lang="en-US" altLang="ko-KR" sz="1600" dirty="0"/>
-              <a:t>1, 1, 2, 3, 5, 8</a:t>
-            </a:r>
-            <a:r>
-              <a:rPr lang="ko-KR" altLang="en-US" sz="1600" dirty="0"/>
-              <a:t>이다</a:t>
-            </a:r>
-            <a:r>
-              <a:rPr lang="en-US" altLang="ko-KR" sz="1600" dirty="0"/>
-              <a:t>.</a:t>
+              <a:t> 구하는 재귀 함수 </a:t>
             </a:r>
             <a:endParaRPr lang="en-US" altLang="ko-KR" sz="1600" dirty="0">
               <a:latin typeface="휴먼엑스포" panose="02030504000101010101" pitchFamily="18" charset="-127"/>
@@ -16663,940 +16507,82 @@
       </p:sp>
       <p:pic>
         <p:nvPicPr>
-          <p:cNvPr id="1026" name="Picture 2" descr="https://statkclee.github.io/ai-lab/fig/ai-fibo-rabbit.png"/>
+          <p:cNvPr id="3" name="그림 2"/>
           <p:cNvPicPr>
-            <a:picLocks noChangeAspect="1" noChangeArrowheads="1"/>
+            <a:picLocks noChangeAspect="1"/>
           </p:cNvPicPr>
           <p:nvPr/>
         </p:nvPicPr>
         <p:blipFill>
-          <a:blip r:embed="rId2" cstate="print">
+          <a:blip r:embed="rId2">
             <a:extLst>
               <a:ext uri="{28A0092B-C50C-407E-A947-70E740481C1C}">
                 <a14:useLocalDpi xmlns:a14="http://schemas.microsoft.com/office/drawing/2010/main" val="0"/>
               </a:ext>
             </a:extLst>
           </a:blip>
-          <a:srcRect/>
           <a:stretch>
             <a:fillRect/>
           </a:stretch>
         </p:blipFill>
-        <p:spPr bwMode="auto">
+        <p:spPr>
           <a:xfrm>
-            <a:off x="920552" y="2771834"/>
-            <a:ext cx="4010492" cy="3240360"/>
+            <a:off x="5673080" y="2276872"/>
+            <a:ext cx="3501193" cy="3096344"/>
           </a:xfrm>
           <a:prstGeom prst="rect">
             <a:avLst/>
           </a:prstGeom>
-          <a:noFill/>
-          <a:extLst>
-            <a:ext uri="{909E8E84-426E-40DD-AFC4-6F175D3DCCD1}">
-              <a14:hiddenFill xmlns:a14="http://schemas.microsoft.com/office/drawing/2010/main">
-                <a:solidFill>
-                  <a:srgbClr val="FFFFFF"/>
-                </a:solidFill>
-              </a14:hiddenFill>
-            </a:ext>
-          </a:extLst>
+          <a:ln>
+            <a:solidFill>
+              <a:schemeClr val="bg1">
+                <a:lumMod val="85000"/>
+              </a:schemeClr>
+            </a:solidFill>
+          </a:ln>
         </p:spPr>
       </p:pic>
-      <p:sp>
-        <p:nvSpPr>
-          <p:cNvPr id="6" name="모서리가 둥근 직사각형 5"/>
-          <p:cNvSpPr/>
+      <p:pic>
+        <p:nvPicPr>
+          <p:cNvPr id="7" name="그림 6"/>
+          <p:cNvPicPr>
+            <a:picLocks noChangeAspect="1"/>
+          </p:cNvPicPr>
           <p:nvPr/>
-        </p:nvSpPr>
+        </p:nvPicPr>
+        <p:blipFill>
+          <a:blip r:embed="rId3">
+            <a:extLst>
+              <a:ext uri="{28A0092B-C50C-407E-A947-70E740481C1C}">
+                <a14:useLocalDpi xmlns:a14="http://schemas.microsoft.com/office/drawing/2010/main" val="0"/>
+              </a:ext>
+            </a:extLst>
+          </a:blip>
+          <a:stretch>
+            <a:fillRect/>
+          </a:stretch>
+        </p:blipFill>
         <p:spPr>
           <a:xfrm>
-            <a:off x="5300599" y="2771834"/>
-            <a:ext cx="444489" cy="360040"/>
-          </a:xfrm>
-          <a:prstGeom prst="roundRect">
+            <a:off x="1280592" y="1844824"/>
+            <a:ext cx="4084674" cy="4259949"/>
+          </a:xfrm>
+          <a:prstGeom prst="rect">
             <a:avLst/>
           </a:prstGeom>
-          <a:ln w="12700"/>
-        </p:spPr>
-        <p:style>
-          <a:lnRef idx="2">
-            <a:schemeClr val="accent1"/>
-          </a:lnRef>
-          <a:fillRef idx="1">
-            <a:schemeClr val="lt1"/>
-          </a:fillRef>
-          <a:effectRef idx="0">
-            <a:schemeClr val="accent1"/>
-          </a:effectRef>
-          <a:fontRef idx="minor">
-            <a:schemeClr val="dk1"/>
-          </a:fontRef>
-        </p:style>
-        <p:txBody>
-          <a:bodyPr rtlCol="0" anchor="ctr"/>
-          <a:lstStyle/>
-          <a:p>
-            <a:pPr algn="ctr"/>
-            <a:r>
-              <a:rPr lang="en-US" altLang="ko-KR" sz="1600" dirty="0">
-                <a:solidFill>
-                  <a:sysClr val="windowText" lastClr="000000"/>
-                </a:solidFill>
-              </a:rPr>
-              <a:t>1</a:t>
-            </a:r>
-            <a:endParaRPr lang="ko-KR" altLang="en-US" sz="1600" dirty="0">
-              <a:solidFill>
-                <a:sysClr val="windowText" lastClr="000000"/>
-              </a:solidFill>
-            </a:endParaRPr>
-          </a:p>
-        </p:txBody>
-      </p:sp>
-      <p:cxnSp>
-        <p:nvCxnSpPr>
-          <p:cNvPr id="7" name="직선 화살표 연결선 6"/>
-          <p:cNvCxnSpPr/>
-          <p:nvPr/>
-        </p:nvCxnSpPr>
-        <p:spPr>
-          <a:xfrm>
-            <a:off x="3440832" y="2915850"/>
-            <a:ext cx="1656184" cy="0"/>
-          </a:xfrm>
-          <a:prstGeom prst="straightConnector1">
-            <a:avLst/>
-          </a:prstGeom>
-          <a:ln w="12700">
+          <a:ln>
             <a:solidFill>
-              <a:srgbClr val="7030A0"/>
+              <a:schemeClr val="bg1">
+                <a:lumMod val="85000"/>
+              </a:schemeClr>
             </a:solidFill>
-            <a:prstDash val="sysDash"/>
-            <a:tailEnd type="triangle"/>
           </a:ln>
         </p:spPr>
-        <p:style>
-          <a:lnRef idx="1">
-            <a:schemeClr val="accent1"/>
-          </a:lnRef>
-          <a:fillRef idx="0">
-            <a:schemeClr val="accent1"/>
-          </a:fillRef>
-          <a:effectRef idx="0">
-            <a:schemeClr val="accent1"/>
-          </a:effectRef>
-          <a:fontRef idx="minor">
-            <a:schemeClr val="tx1"/>
-          </a:fontRef>
-        </p:style>
-      </p:cxnSp>
-      <p:sp>
-        <p:nvSpPr>
-          <p:cNvPr id="8" name="모서리가 둥근 직사각형 7"/>
-          <p:cNvSpPr/>
-          <p:nvPr/>
-        </p:nvSpPr>
-        <p:spPr>
-          <a:xfrm>
-            <a:off x="6114643" y="2835822"/>
-            <a:ext cx="3501858" cy="2827816"/>
-          </a:xfrm>
-          <a:prstGeom prst="roundRect">
-            <a:avLst/>
-          </a:prstGeom>
-          <a:ln/>
-        </p:spPr>
-        <p:style>
-          <a:lnRef idx="2">
-            <a:schemeClr val="accent5"/>
-          </a:lnRef>
-          <a:fillRef idx="1">
-            <a:schemeClr val="lt1"/>
-          </a:fillRef>
-          <a:effectRef idx="0">
-            <a:schemeClr val="accent5"/>
-          </a:effectRef>
-          <a:fontRef idx="minor">
-            <a:schemeClr val="dk1"/>
-          </a:fontRef>
-        </p:style>
-        <p:txBody>
-          <a:bodyPr rtlCol="0" anchor="ctr"/>
-          <a:lstStyle/>
-          <a:p>
-            <a:pPr>
-              <a:lnSpc>
-                <a:spcPct val="150000"/>
-              </a:lnSpc>
-            </a:pPr>
-            <a:r>
-              <a:rPr lang="ko-KR" altLang="en-US" sz="1400" dirty="0" err="1" smtClean="0">
-                <a:solidFill>
-                  <a:sysClr val="windowText" lastClr="000000"/>
-                </a:solidFill>
-              </a:rPr>
-              <a:t>첫번째</a:t>
-            </a:r>
-            <a:r>
-              <a:rPr lang="ko-KR" altLang="en-US" sz="1400" dirty="0" smtClean="0">
-                <a:solidFill>
-                  <a:sysClr val="windowText" lastClr="000000"/>
-                </a:solidFill>
-              </a:rPr>
-              <a:t> 달에 새로 태어난 토끼 </a:t>
-            </a:r>
-            <a:r>
-              <a:rPr lang="ko-KR" altLang="en-US" sz="1400" dirty="0" err="1" smtClean="0">
-                <a:solidFill>
-                  <a:sysClr val="windowText" lastClr="000000"/>
-                </a:solidFill>
-              </a:rPr>
-              <a:t>한쌍이</a:t>
-            </a:r>
-            <a:r>
-              <a:rPr lang="ko-KR" altLang="en-US" sz="1400" dirty="0" smtClean="0">
-                <a:solidFill>
-                  <a:sysClr val="windowText" lastClr="000000"/>
-                </a:solidFill>
-              </a:rPr>
-              <a:t> 있고</a:t>
-            </a:r>
-            <a:r>
-              <a:rPr lang="en-US" altLang="ko-KR" sz="1400" dirty="0" smtClean="0">
-                <a:solidFill>
-                  <a:sysClr val="windowText" lastClr="000000"/>
-                </a:solidFill>
-              </a:rPr>
-              <a:t>, </a:t>
-            </a:r>
-            <a:r>
-              <a:rPr lang="ko-KR" altLang="en-US" sz="1400" dirty="0" err="1" smtClean="0">
-                <a:solidFill>
-                  <a:sysClr val="windowText" lastClr="000000"/>
-                </a:solidFill>
-              </a:rPr>
-              <a:t>둘째달에</a:t>
-            </a:r>
-            <a:r>
-              <a:rPr lang="ko-KR" altLang="en-US" sz="1400" dirty="0" smtClean="0">
-                <a:solidFill>
-                  <a:sysClr val="windowText" lastClr="000000"/>
-                </a:solidFill>
-              </a:rPr>
-              <a:t> 토끼가 커서 그대로 어른토끼 </a:t>
-            </a:r>
-            <a:r>
-              <a:rPr lang="ko-KR" altLang="en-US" sz="1400" dirty="0" err="1" smtClean="0">
-                <a:solidFill>
-                  <a:sysClr val="windowText" lastClr="000000"/>
-                </a:solidFill>
-              </a:rPr>
-              <a:t>한쌍</a:t>
-            </a:r>
-            <a:r>
-              <a:rPr lang="en-US" altLang="ko-KR" sz="1400" dirty="0" smtClean="0">
-                <a:solidFill>
-                  <a:sysClr val="windowText" lastClr="000000"/>
-                </a:solidFill>
-              </a:rPr>
-              <a:t>, </a:t>
-            </a:r>
-            <a:r>
-              <a:rPr lang="ko-KR" altLang="en-US" sz="1400" dirty="0" err="1" smtClean="0">
-                <a:solidFill>
-                  <a:sysClr val="windowText" lastClr="000000"/>
-                </a:solidFill>
-              </a:rPr>
-              <a:t>세째달에는</a:t>
-            </a:r>
-            <a:r>
-              <a:rPr lang="ko-KR" altLang="en-US" sz="1400" dirty="0" smtClean="0">
-                <a:solidFill>
-                  <a:sysClr val="windowText" lastClr="000000"/>
-                </a:solidFill>
-              </a:rPr>
-              <a:t> 새끼를 </a:t>
-            </a:r>
-            <a:r>
-              <a:rPr lang="ko-KR" altLang="en-US" sz="1400" dirty="0" err="1" smtClean="0">
-                <a:solidFill>
-                  <a:sysClr val="windowText" lastClr="000000"/>
-                </a:solidFill>
-              </a:rPr>
-              <a:t>한쌍</a:t>
-            </a:r>
-            <a:r>
-              <a:rPr lang="ko-KR" altLang="en-US" sz="1400" dirty="0" smtClean="0">
-                <a:solidFill>
-                  <a:sysClr val="windowText" lastClr="000000"/>
-                </a:solidFill>
-              </a:rPr>
-              <a:t> 낳아 어른</a:t>
-            </a:r>
-            <a:r>
-              <a:rPr lang="en-US" altLang="ko-KR" sz="1400" dirty="0" smtClean="0">
-                <a:solidFill>
-                  <a:sysClr val="windowText" lastClr="000000"/>
-                </a:solidFill>
-              </a:rPr>
-              <a:t>, </a:t>
-            </a:r>
-            <a:r>
-              <a:rPr lang="ko-KR" altLang="en-US" sz="1400" dirty="0" smtClean="0">
-                <a:solidFill>
-                  <a:sysClr val="windowText" lastClr="000000"/>
-                </a:solidFill>
-              </a:rPr>
-              <a:t>새끼 </a:t>
-            </a:r>
-            <a:r>
-              <a:rPr lang="ko-KR" altLang="en-US" sz="1400" dirty="0" err="1" smtClean="0">
-                <a:solidFill>
-                  <a:sysClr val="windowText" lastClr="000000"/>
-                </a:solidFill>
-              </a:rPr>
-              <a:t>두쌍</a:t>
-            </a:r>
-            <a:r>
-              <a:rPr lang="en-US" altLang="ko-KR" sz="1400" dirty="0" smtClean="0">
-                <a:solidFill>
-                  <a:sysClr val="windowText" lastClr="000000"/>
-                </a:solidFill>
-              </a:rPr>
-              <a:t>, </a:t>
-            </a:r>
-            <a:r>
-              <a:rPr lang="ko-KR" altLang="en-US" sz="1400" dirty="0" err="1" smtClean="0">
-                <a:solidFill>
-                  <a:sysClr val="windowText" lastClr="000000"/>
-                </a:solidFill>
-              </a:rPr>
-              <a:t>네째달에는</a:t>
-            </a:r>
-            <a:r>
-              <a:rPr lang="ko-KR" altLang="en-US" sz="1400" dirty="0" smtClean="0">
-                <a:solidFill>
-                  <a:sysClr val="windowText" lastClr="000000"/>
-                </a:solidFill>
-              </a:rPr>
-              <a:t> 어른이 새끼를 낳고</a:t>
-            </a:r>
-            <a:r>
-              <a:rPr lang="en-US" altLang="ko-KR" sz="1400" dirty="0" smtClean="0">
-                <a:solidFill>
-                  <a:sysClr val="windowText" lastClr="000000"/>
-                </a:solidFill>
-              </a:rPr>
-              <a:t>, </a:t>
-            </a:r>
-            <a:r>
-              <a:rPr lang="ko-KR" altLang="en-US" sz="1400" dirty="0" smtClean="0">
-                <a:solidFill>
-                  <a:sysClr val="windowText" lastClr="000000"/>
-                </a:solidFill>
-              </a:rPr>
-              <a:t>새끼는 어른이 되어 총 </a:t>
-            </a:r>
-            <a:r>
-              <a:rPr lang="ko-KR" altLang="en-US" sz="1400" dirty="0" err="1" smtClean="0">
-                <a:solidFill>
-                  <a:sysClr val="windowText" lastClr="000000"/>
-                </a:solidFill>
-              </a:rPr>
-              <a:t>세쌍</a:t>
-            </a:r>
-            <a:r>
-              <a:rPr lang="en-US" altLang="ko-KR" sz="1400" dirty="0" smtClean="0">
-                <a:solidFill>
-                  <a:sysClr val="windowText" lastClr="000000"/>
-                </a:solidFill>
-              </a:rPr>
-              <a:t>, </a:t>
-            </a:r>
-            <a:r>
-              <a:rPr lang="ko-KR" altLang="en-US" sz="1400" dirty="0" smtClean="0">
-                <a:solidFill>
-                  <a:sysClr val="windowText" lastClr="000000"/>
-                </a:solidFill>
-              </a:rPr>
-              <a:t>이렇게 계속 새끼를 낳고</a:t>
-            </a:r>
-            <a:r>
-              <a:rPr lang="en-US" altLang="ko-KR" sz="1400" dirty="0" smtClean="0">
-                <a:solidFill>
-                  <a:sysClr val="windowText" lastClr="000000"/>
-                </a:solidFill>
-              </a:rPr>
-              <a:t>, </a:t>
-            </a:r>
-            <a:r>
-              <a:rPr lang="ko-KR" altLang="en-US" sz="1400" dirty="0" smtClean="0">
-                <a:solidFill>
-                  <a:sysClr val="windowText" lastClr="000000"/>
-                </a:solidFill>
-              </a:rPr>
-              <a:t>죽지 않는다는 가정을 세우면 피보나치의 수가 된다</a:t>
-            </a:r>
-            <a:r>
-              <a:rPr lang="en-US" altLang="ko-KR" sz="1400" dirty="0" smtClean="0">
-                <a:solidFill>
-                  <a:sysClr val="windowText" lastClr="000000"/>
-                </a:solidFill>
-              </a:rPr>
-              <a:t>.</a:t>
-            </a:r>
-            <a:r>
-              <a:rPr lang="ko-KR" altLang="en-US" sz="1400" dirty="0" smtClean="0">
-                <a:solidFill>
-                  <a:sysClr val="windowText" lastClr="000000"/>
-                </a:solidFill>
-              </a:rPr>
-              <a:t> </a:t>
-            </a:r>
-            <a:endParaRPr lang="ko-KR" altLang="en-US" sz="1400" dirty="0">
-              <a:solidFill>
-                <a:sysClr val="windowText" lastClr="000000"/>
-              </a:solidFill>
-            </a:endParaRPr>
-          </a:p>
-        </p:txBody>
-      </p:sp>
-      <p:sp>
-        <p:nvSpPr>
-          <p:cNvPr id="10" name="모서리가 둥근 직사각형 9"/>
-          <p:cNvSpPr/>
-          <p:nvPr/>
-        </p:nvSpPr>
-        <p:spPr>
-          <a:xfrm>
-            <a:off x="5300599" y="3328144"/>
-            <a:ext cx="444489" cy="360040"/>
-          </a:xfrm>
-          <a:prstGeom prst="roundRect">
-            <a:avLst/>
-          </a:prstGeom>
-          <a:ln w="12700"/>
-        </p:spPr>
-        <p:style>
-          <a:lnRef idx="2">
-            <a:schemeClr val="accent1"/>
-          </a:lnRef>
-          <a:fillRef idx="1">
-            <a:schemeClr val="lt1"/>
-          </a:fillRef>
-          <a:effectRef idx="0">
-            <a:schemeClr val="accent1"/>
-          </a:effectRef>
-          <a:fontRef idx="minor">
-            <a:schemeClr val="dk1"/>
-          </a:fontRef>
-        </p:style>
-        <p:txBody>
-          <a:bodyPr rtlCol="0" anchor="ctr"/>
-          <a:lstStyle/>
-          <a:p>
-            <a:pPr algn="ctr"/>
-            <a:r>
-              <a:rPr lang="en-US" altLang="ko-KR" sz="1600" dirty="0">
-                <a:solidFill>
-                  <a:sysClr val="windowText" lastClr="000000"/>
-                </a:solidFill>
-              </a:rPr>
-              <a:t>1</a:t>
-            </a:r>
-            <a:endParaRPr lang="ko-KR" altLang="en-US" sz="1600" dirty="0">
-              <a:solidFill>
-                <a:sysClr val="windowText" lastClr="000000"/>
-              </a:solidFill>
-            </a:endParaRPr>
-          </a:p>
-        </p:txBody>
-      </p:sp>
-      <p:cxnSp>
-        <p:nvCxnSpPr>
-          <p:cNvPr id="11" name="직선 화살표 연결선 10"/>
-          <p:cNvCxnSpPr/>
-          <p:nvPr/>
-        </p:nvCxnSpPr>
-        <p:spPr>
-          <a:xfrm>
-            <a:off x="3440832" y="3472160"/>
-            <a:ext cx="1656184" cy="0"/>
-          </a:xfrm>
-          <a:prstGeom prst="straightConnector1">
-            <a:avLst/>
-          </a:prstGeom>
-          <a:ln w="12700">
-            <a:solidFill>
-              <a:srgbClr val="7030A0"/>
-            </a:solidFill>
-            <a:prstDash val="sysDash"/>
-            <a:tailEnd type="triangle"/>
-          </a:ln>
-        </p:spPr>
-        <p:style>
-          <a:lnRef idx="1">
-            <a:schemeClr val="accent1"/>
-          </a:lnRef>
-          <a:fillRef idx="0">
-            <a:schemeClr val="accent1"/>
-          </a:fillRef>
-          <a:effectRef idx="0">
-            <a:schemeClr val="accent1"/>
-          </a:effectRef>
-          <a:fontRef idx="minor">
-            <a:schemeClr val="tx1"/>
-          </a:fontRef>
-        </p:style>
-      </p:cxnSp>
-      <p:sp>
-        <p:nvSpPr>
-          <p:cNvPr id="12" name="모서리가 둥근 직사각형 11"/>
-          <p:cNvSpPr/>
-          <p:nvPr/>
-        </p:nvSpPr>
-        <p:spPr>
-          <a:xfrm>
-            <a:off x="5300599" y="3889690"/>
-            <a:ext cx="444489" cy="360040"/>
-          </a:xfrm>
-          <a:prstGeom prst="roundRect">
-            <a:avLst/>
-          </a:prstGeom>
-          <a:ln w="12700"/>
-        </p:spPr>
-        <p:style>
-          <a:lnRef idx="2">
-            <a:schemeClr val="accent1"/>
-          </a:lnRef>
-          <a:fillRef idx="1">
-            <a:schemeClr val="lt1"/>
-          </a:fillRef>
-          <a:effectRef idx="0">
-            <a:schemeClr val="accent1"/>
-          </a:effectRef>
-          <a:fontRef idx="minor">
-            <a:schemeClr val="dk1"/>
-          </a:fontRef>
-        </p:style>
-        <p:txBody>
-          <a:bodyPr rtlCol="0" anchor="ctr"/>
-          <a:lstStyle/>
-          <a:p>
-            <a:pPr algn="ctr"/>
-            <a:r>
-              <a:rPr lang="en-US" altLang="ko-KR" sz="1600" dirty="0" smtClean="0">
-                <a:solidFill>
-                  <a:sysClr val="windowText" lastClr="000000"/>
-                </a:solidFill>
-              </a:rPr>
-              <a:t>2</a:t>
-            </a:r>
-            <a:endParaRPr lang="ko-KR" altLang="en-US" sz="1600" dirty="0">
-              <a:solidFill>
-                <a:sysClr val="windowText" lastClr="000000"/>
-              </a:solidFill>
-            </a:endParaRPr>
-          </a:p>
-        </p:txBody>
-      </p:sp>
-      <p:cxnSp>
-        <p:nvCxnSpPr>
-          <p:cNvPr id="13" name="직선 화살표 연결선 12"/>
-          <p:cNvCxnSpPr/>
-          <p:nvPr/>
-        </p:nvCxnSpPr>
-        <p:spPr>
-          <a:xfrm>
-            <a:off x="3944888" y="4033706"/>
-            <a:ext cx="1152128" cy="0"/>
-          </a:xfrm>
-          <a:prstGeom prst="straightConnector1">
-            <a:avLst/>
-          </a:prstGeom>
-          <a:ln w="12700">
-            <a:solidFill>
-              <a:srgbClr val="7030A0"/>
-            </a:solidFill>
-            <a:prstDash val="sysDash"/>
-            <a:tailEnd type="triangle"/>
-          </a:ln>
-        </p:spPr>
-        <p:style>
-          <a:lnRef idx="1">
-            <a:schemeClr val="accent1"/>
-          </a:lnRef>
-          <a:fillRef idx="0">
-            <a:schemeClr val="accent1"/>
-          </a:fillRef>
-          <a:effectRef idx="0">
-            <a:schemeClr val="accent1"/>
-          </a:effectRef>
-          <a:fontRef idx="minor">
-            <a:schemeClr val="tx1"/>
-          </a:fontRef>
-        </p:style>
-      </p:cxnSp>
-      <p:sp>
-        <p:nvSpPr>
-          <p:cNvPr id="17" name="모서리가 둥근 직사각형 16"/>
-          <p:cNvSpPr/>
-          <p:nvPr/>
-        </p:nvSpPr>
-        <p:spPr>
-          <a:xfrm>
-            <a:off x="5300599" y="4399709"/>
-            <a:ext cx="444489" cy="360040"/>
-          </a:xfrm>
-          <a:prstGeom prst="roundRect">
-            <a:avLst/>
-          </a:prstGeom>
-          <a:ln w="12700"/>
-        </p:spPr>
-        <p:style>
-          <a:lnRef idx="2">
-            <a:schemeClr val="accent1"/>
-          </a:lnRef>
-          <a:fillRef idx="1">
-            <a:schemeClr val="lt1"/>
-          </a:fillRef>
-          <a:effectRef idx="0">
-            <a:schemeClr val="accent1"/>
-          </a:effectRef>
-          <a:fontRef idx="minor">
-            <a:schemeClr val="dk1"/>
-          </a:fontRef>
-        </p:style>
-        <p:txBody>
-          <a:bodyPr rtlCol="0" anchor="ctr"/>
-          <a:lstStyle/>
-          <a:p>
-            <a:pPr algn="ctr"/>
-            <a:r>
-              <a:rPr lang="en-US" altLang="ko-KR" sz="1600" dirty="0" smtClean="0">
-                <a:solidFill>
-                  <a:sysClr val="windowText" lastClr="000000"/>
-                </a:solidFill>
-              </a:rPr>
-              <a:t>3</a:t>
-            </a:r>
-            <a:endParaRPr lang="ko-KR" altLang="en-US" sz="1600" dirty="0">
-              <a:solidFill>
-                <a:sysClr val="windowText" lastClr="000000"/>
-              </a:solidFill>
-            </a:endParaRPr>
-          </a:p>
-        </p:txBody>
-      </p:sp>
-      <p:cxnSp>
-        <p:nvCxnSpPr>
-          <p:cNvPr id="18" name="직선 화살표 연결선 17"/>
-          <p:cNvCxnSpPr/>
-          <p:nvPr/>
-        </p:nvCxnSpPr>
-        <p:spPr>
-          <a:xfrm>
-            <a:off x="3944888" y="4543725"/>
-            <a:ext cx="1152128" cy="0"/>
-          </a:xfrm>
-          <a:prstGeom prst="straightConnector1">
-            <a:avLst/>
-          </a:prstGeom>
-          <a:ln w="12700">
-            <a:solidFill>
-              <a:srgbClr val="7030A0"/>
-            </a:solidFill>
-            <a:prstDash val="sysDash"/>
-            <a:tailEnd type="triangle"/>
-          </a:ln>
-        </p:spPr>
-        <p:style>
-          <a:lnRef idx="1">
-            <a:schemeClr val="accent1"/>
-          </a:lnRef>
-          <a:fillRef idx="0">
-            <a:schemeClr val="accent1"/>
-          </a:fillRef>
-          <a:effectRef idx="0">
-            <a:schemeClr val="accent1"/>
-          </a:effectRef>
-          <a:fontRef idx="minor">
-            <a:schemeClr val="tx1"/>
-          </a:fontRef>
-        </p:style>
-      </p:cxnSp>
-      <p:sp>
-        <p:nvSpPr>
-          <p:cNvPr id="19" name="모서리가 둥근 직사각형 18"/>
-          <p:cNvSpPr/>
-          <p:nvPr/>
-        </p:nvSpPr>
-        <p:spPr>
-          <a:xfrm>
-            <a:off x="5300599" y="5004082"/>
-            <a:ext cx="444489" cy="360040"/>
-          </a:xfrm>
-          <a:prstGeom prst="roundRect">
-            <a:avLst/>
-          </a:prstGeom>
-          <a:ln w="12700"/>
-        </p:spPr>
-        <p:style>
-          <a:lnRef idx="2">
-            <a:schemeClr val="accent1"/>
-          </a:lnRef>
-          <a:fillRef idx="1">
-            <a:schemeClr val="lt1"/>
-          </a:fillRef>
-          <a:effectRef idx="0">
-            <a:schemeClr val="accent1"/>
-          </a:effectRef>
-          <a:fontRef idx="minor">
-            <a:schemeClr val="dk1"/>
-          </a:fontRef>
-        </p:style>
-        <p:txBody>
-          <a:bodyPr rtlCol="0" anchor="ctr"/>
-          <a:lstStyle/>
-          <a:p>
-            <a:pPr algn="ctr"/>
-            <a:r>
-              <a:rPr lang="en-US" altLang="ko-KR" sz="1600" dirty="0" smtClean="0">
-                <a:solidFill>
-                  <a:sysClr val="windowText" lastClr="000000"/>
-                </a:solidFill>
-              </a:rPr>
-              <a:t>5</a:t>
-            </a:r>
-            <a:endParaRPr lang="ko-KR" altLang="en-US" sz="1600" dirty="0">
-              <a:solidFill>
-                <a:sysClr val="windowText" lastClr="000000"/>
-              </a:solidFill>
-            </a:endParaRPr>
-          </a:p>
-        </p:txBody>
-      </p:sp>
-      <p:cxnSp>
-        <p:nvCxnSpPr>
-          <p:cNvPr id="20" name="직선 화살표 연결선 19"/>
-          <p:cNvCxnSpPr/>
-          <p:nvPr/>
-        </p:nvCxnSpPr>
-        <p:spPr>
-          <a:xfrm>
-            <a:off x="4520952" y="5148098"/>
-            <a:ext cx="576064" cy="0"/>
-          </a:xfrm>
-          <a:prstGeom prst="straightConnector1">
-            <a:avLst/>
-          </a:prstGeom>
-          <a:ln w="12700">
-            <a:solidFill>
-              <a:srgbClr val="7030A0"/>
-            </a:solidFill>
-            <a:prstDash val="sysDash"/>
-            <a:tailEnd type="triangle"/>
-          </a:ln>
-        </p:spPr>
-        <p:style>
-          <a:lnRef idx="1">
-            <a:schemeClr val="accent1"/>
-          </a:lnRef>
-          <a:fillRef idx="0">
-            <a:schemeClr val="accent1"/>
-          </a:fillRef>
-          <a:effectRef idx="0">
-            <a:schemeClr val="accent1"/>
-          </a:effectRef>
-          <a:fontRef idx="minor">
-            <a:schemeClr val="tx1"/>
-          </a:fontRef>
-        </p:style>
-      </p:cxnSp>
-      <p:sp>
-        <p:nvSpPr>
-          <p:cNvPr id="21" name="모서리가 둥근 직사각형 20"/>
-          <p:cNvSpPr/>
-          <p:nvPr/>
-        </p:nvSpPr>
-        <p:spPr>
-          <a:xfrm>
-            <a:off x="5300599" y="5591613"/>
-            <a:ext cx="444489" cy="360040"/>
-          </a:xfrm>
-          <a:prstGeom prst="roundRect">
-            <a:avLst/>
-          </a:prstGeom>
-          <a:ln w="12700"/>
-        </p:spPr>
-        <p:style>
-          <a:lnRef idx="2">
-            <a:schemeClr val="accent1"/>
-          </a:lnRef>
-          <a:fillRef idx="1">
-            <a:schemeClr val="lt1"/>
-          </a:fillRef>
-          <a:effectRef idx="0">
-            <a:schemeClr val="accent1"/>
-          </a:effectRef>
-          <a:fontRef idx="minor">
-            <a:schemeClr val="dk1"/>
-          </a:fontRef>
-        </p:style>
-        <p:txBody>
-          <a:bodyPr rtlCol="0" anchor="ctr"/>
-          <a:lstStyle/>
-          <a:p>
-            <a:pPr algn="ctr"/>
-            <a:r>
-              <a:rPr lang="en-US" altLang="ko-KR" sz="1600" dirty="0" smtClean="0">
-                <a:solidFill>
-                  <a:sysClr val="windowText" lastClr="000000"/>
-                </a:solidFill>
-              </a:rPr>
-              <a:t>8</a:t>
-            </a:r>
-            <a:endParaRPr lang="ko-KR" altLang="en-US" sz="1600" dirty="0">
-              <a:solidFill>
-                <a:sysClr val="windowText" lastClr="000000"/>
-              </a:solidFill>
-            </a:endParaRPr>
-          </a:p>
-        </p:txBody>
-      </p:sp>
-      <p:cxnSp>
-        <p:nvCxnSpPr>
-          <p:cNvPr id="22" name="직선 화살표 연결선 21"/>
-          <p:cNvCxnSpPr/>
-          <p:nvPr/>
-        </p:nvCxnSpPr>
-        <p:spPr>
-          <a:xfrm>
-            <a:off x="4931044" y="5735629"/>
-            <a:ext cx="165972" cy="0"/>
-          </a:xfrm>
-          <a:prstGeom prst="straightConnector1">
-            <a:avLst/>
-          </a:prstGeom>
-          <a:ln w="12700">
-            <a:solidFill>
-              <a:srgbClr val="7030A0"/>
-            </a:solidFill>
-            <a:prstDash val="sysDash"/>
-            <a:tailEnd type="triangle"/>
-          </a:ln>
-        </p:spPr>
-        <p:style>
-          <a:lnRef idx="1">
-            <a:schemeClr val="accent1"/>
-          </a:lnRef>
-          <a:fillRef idx="0">
-            <a:schemeClr val="accent1"/>
-          </a:fillRef>
-          <a:effectRef idx="0">
-            <a:schemeClr val="accent1"/>
-          </a:effectRef>
-          <a:fontRef idx="minor">
-            <a:schemeClr val="tx1"/>
-          </a:fontRef>
-        </p:style>
-      </p:cxnSp>
-      <p:sp>
-        <p:nvSpPr>
-          <p:cNvPr id="24" name="타원형 설명선 23"/>
-          <p:cNvSpPr/>
-          <p:nvPr/>
-        </p:nvSpPr>
-        <p:spPr>
-          <a:xfrm>
-            <a:off x="1928664" y="2492896"/>
-            <a:ext cx="778220" cy="595568"/>
-          </a:xfrm>
-          <a:prstGeom prst="wedgeEllipseCallout">
-            <a:avLst>
-              <a:gd name="adj1" fmla="val 63627"/>
-              <a:gd name="adj2" fmla="val 13454"/>
-            </a:avLst>
-          </a:prstGeom>
-          <a:ln/>
-        </p:spPr>
-        <p:style>
-          <a:lnRef idx="2">
-            <a:schemeClr val="accent3"/>
-          </a:lnRef>
-          <a:fillRef idx="1">
-            <a:schemeClr val="lt1"/>
-          </a:fillRef>
-          <a:effectRef idx="0">
-            <a:schemeClr val="accent3"/>
-          </a:effectRef>
-          <a:fontRef idx="minor">
-            <a:schemeClr val="dk1"/>
-          </a:fontRef>
-        </p:style>
-        <p:txBody>
-          <a:bodyPr rtlCol="0" anchor="ctr"/>
-          <a:lstStyle/>
-          <a:p>
-            <a:pPr algn="ctr"/>
-            <a:r>
-              <a:rPr lang="ko-KR" altLang="en-US" sz="1400" smtClean="0"/>
-              <a:t>새끼</a:t>
-            </a:r>
-            <a:endParaRPr lang="ko-KR" altLang="en-US" sz="1400"/>
-          </a:p>
-        </p:txBody>
-      </p:sp>
-      <p:sp>
-        <p:nvSpPr>
-          <p:cNvPr id="26" name="타원형 설명선 25"/>
-          <p:cNvSpPr/>
-          <p:nvPr/>
-        </p:nvSpPr>
-        <p:spPr>
-          <a:xfrm>
-            <a:off x="1928664" y="3160472"/>
-            <a:ext cx="778220" cy="595568"/>
-          </a:xfrm>
-          <a:prstGeom prst="wedgeEllipseCallout">
-            <a:avLst>
-              <a:gd name="adj1" fmla="val 68103"/>
-              <a:gd name="adj2" fmla="val -11404"/>
-            </a:avLst>
-          </a:prstGeom>
-          <a:ln/>
-        </p:spPr>
-        <p:style>
-          <a:lnRef idx="2">
-            <a:schemeClr val="accent3"/>
-          </a:lnRef>
-          <a:fillRef idx="1">
-            <a:schemeClr val="lt1"/>
-          </a:fillRef>
-          <a:effectRef idx="0">
-            <a:schemeClr val="accent3"/>
-          </a:effectRef>
-          <a:fontRef idx="minor">
-            <a:schemeClr val="dk1"/>
-          </a:fontRef>
-        </p:style>
-        <p:txBody>
-          <a:bodyPr rtlCol="0" anchor="ctr"/>
-          <a:lstStyle/>
-          <a:p>
-            <a:pPr algn="ctr"/>
-            <a:r>
-              <a:rPr lang="ko-KR" altLang="en-US" sz="1400" dirty="0" smtClean="0"/>
-              <a:t>어른</a:t>
-            </a:r>
-            <a:endParaRPr lang="ko-KR" altLang="en-US" sz="1400" dirty="0"/>
-          </a:p>
-        </p:txBody>
-      </p:sp>
+      </p:pic>
     </p:spTree>
     <p:extLst>
       <p:ext uri="{BB962C8B-B14F-4D97-AF65-F5344CB8AC3E}">
-        <p14:creationId xmlns:p14="http://schemas.microsoft.com/office/powerpoint/2010/main" val="2302058848"/>
+        <p14:creationId xmlns:p14="http://schemas.microsoft.com/office/powerpoint/2010/main" val="1356078789"/>
       </p:ext>
     </p:extLst>
   </p:cSld>
@@ -17651,7 +16637,7 @@
             </a:r>
             <a:r>
               <a:rPr lang="ko-KR" altLang="en-US" dirty="0" smtClean="0"/>
-              <a:t>재귀 호출</a:t>
+              <a:t>피보나치 수열</a:t>
             </a:r>
             <a:endParaRPr lang="ko-KR" altLang="en-US" dirty="0"/>
           </a:p>
@@ -17680,83 +16666,1073 @@
           </a:p>
         </p:txBody>
       </p:sp>
+      <p:sp>
+        <p:nvSpPr>
+          <p:cNvPr id="5" name="TextBox 4"/>
+          <p:cNvSpPr txBox="1"/>
+          <p:nvPr/>
+        </p:nvSpPr>
+        <p:spPr>
+          <a:xfrm>
+            <a:off x="1064568" y="1196752"/>
+            <a:ext cx="8208912" cy="1292662"/>
+          </a:xfrm>
+          <a:prstGeom prst="rect">
+            <a:avLst/>
+          </a:prstGeom>
+          <a:ln>
+            <a:noFill/>
+          </a:ln>
+        </p:spPr>
+        <p:style>
+          <a:lnRef idx="2">
+            <a:schemeClr val="dk1"/>
+          </a:lnRef>
+          <a:fillRef idx="1">
+            <a:schemeClr val="lt1"/>
+          </a:fillRef>
+          <a:effectRef idx="0">
+            <a:schemeClr val="dk1"/>
+          </a:effectRef>
+          <a:fontRef idx="minor">
+            <a:schemeClr val="dk1"/>
+          </a:fontRef>
+        </p:style>
+        <p:txBody>
+          <a:bodyPr wrap="square" rtlCol="0">
+            <a:spAutoFit/>
+          </a:bodyPr>
+          <a:lstStyle/>
+          <a:p>
+            <a:pPr marL="342900" indent="-342900">
+              <a:lnSpc>
+                <a:spcPct val="150000"/>
+              </a:lnSpc>
+              <a:buFont typeface="Wingdings" panose="05000000000000000000" pitchFamily="2" charset="2"/>
+              <a:buChar char="l"/>
+            </a:pPr>
+            <a:r>
+              <a:rPr lang="ko-KR" altLang="en-US" dirty="0" smtClean="0">
+                <a:latin typeface="휴먼엑스포" panose="02030504000101010101" pitchFamily="18" charset="-127"/>
+                <a:ea typeface="휴먼엑스포" panose="02030504000101010101" pitchFamily="18" charset="-127"/>
+              </a:rPr>
+              <a:t>피보나치</a:t>
+            </a:r>
+            <a:r>
+              <a:rPr lang="en-US" altLang="ko-KR" dirty="0" smtClean="0">
+                <a:latin typeface="휴먼엑스포" panose="02030504000101010101" pitchFamily="18" charset="-127"/>
+                <a:ea typeface="휴먼엑스포" panose="02030504000101010101" pitchFamily="18" charset="-127"/>
+              </a:rPr>
+              <a:t>(Fibonacci)</a:t>
+            </a:r>
+            <a:r>
+              <a:rPr lang="ko-KR" altLang="en-US" dirty="0" smtClean="0">
+                <a:latin typeface="휴먼엑스포" panose="02030504000101010101" pitchFamily="18" charset="-127"/>
+                <a:ea typeface="휴먼엑스포" panose="02030504000101010101" pitchFamily="18" charset="-127"/>
+              </a:rPr>
+              <a:t> 수열 </a:t>
+            </a:r>
+            <a:endParaRPr lang="en-US" altLang="ko-KR" dirty="0" smtClean="0">
+              <a:latin typeface="휴먼엑스포" panose="02030504000101010101" pitchFamily="18" charset="-127"/>
+              <a:ea typeface="휴먼엑스포" panose="02030504000101010101" pitchFamily="18" charset="-127"/>
+            </a:endParaRPr>
+          </a:p>
+          <a:p>
+            <a:pPr lvl="1">
+              <a:lnSpc>
+                <a:spcPct val="150000"/>
+              </a:lnSpc>
+            </a:pPr>
+            <a:r>
+              <a:rPr lang="ko-KR" altLang="en-US" sz="1600" dirty="0" smtClean="0">
+                <a:latin typeface="휴먼엑스포" panose="02030504000101010101" pitchFamily="18" charset="-127"/>
+                <a:ea typeface="휴먼엑스포" panose="02030504000101010101" pitchFamily="18" charset="-127"/>
+              </a:rPr>
+              <a:t>수학에서 피보나치 수는 </a:t>
+            </a:r>
+            <a:r>
+              <a:rPr lang="ko-KR" altLang="en-US" sz="1600" dirty="0" smtClean="0"/>
+              <a:t>첫째 및 둘째 항이 </a:t>
+            </a:r>
+            <a:r>
+              <a:rPr lang="en-US" altLang="ko-KR" sz="1600" dirty="0" smtClean="0"/>
+              <a:t>1</a:t>
+            </a:r>
+            <a:r>
+              <a:rPr lang="ko-KR" altLang="en-US" sz="1600" dirty="0" smtClean="0"/>
+              <a:t>이며</a:t>
+            </a:r>
+            <a:r>
+              <a:rPr lang="en-US" altLang="ko-KR" sz="1600" dirty="0" smtClean="0"/>
+              <a:t>,</a:t>
+            </a:r>
+            <a:r>
+              <a:rPr lang="ko-KR" altLang="en-US" sz="1600" dirty="0" smtClean="0"/>
+              <a:t> 그 뒤의 모든 항은 바로 앞 두 항의 합인 수열이다</a:t>
+            </a:r>
+            <a:r>
+              <a:rPr lang="en-US" altLang="ko-KR" sz="1600" dirty="0" smtClean="0"/>
+              <a:t>. </a:t>
+            </a:r>
+            <a:r>
+              <a:rPr lang="ko-KR" altLang="en-US" sz="1600" dirty="0"/>
+              <a:t>처음 여섯 항은 각각 </a:t>
+            </a:r>
+            <a:r>
+              <a:rPr lang="en-US" altLang="ko-KR" sz="1600" dirty="0"/>
+              <a:t>1, 1, 2, 3, 5, 8</a:t>
+            </a:r>
+            <a:r>
+              <a:rPr lang="ko-KR" altLang="en-US" sz="1600" dirty="0"/>
+              <a:t>이다</a:t>
+            </a:r>
+            <a:r>
+              <a:rPr lang="en-US" altLang="ko-KR" sz="1600" dirty="0"/>
+              <a:t>.</a:t>
+            </a:r>
+            <a:endParaRPr lang="en-US" altLang="ko-KR" sz="1600" dirty="0">
+              <a:latin typeface="휴먼엑스포" panose="02030504000101010101" pitchFamily="18" charset="-127"/>
+              <a:ea typeface="휴먼엑스포" panose="02030504000101010101" pitchFamily="18" charset="-127"/>
+            </a:endParaRPr>
+          </a:p>
+        </p:txBody>
+      </p:sp>
       <p:pic>
         <p:nvPicPr>
-          <p:cNvPr id="5" name="그림 4"/>
+          <p:cNvPr id="1026" name="Picture 2" descr="https://statkclee.github.io/ai-lab/fig/ai-fibo-rabbit.png"/>
           <p:cNvPicPr>
-            <a:picLocks noChangeAspect="1"/>
+            <a:picLocks noChangeAspect="1" noChangeArrowheads="1"/>
           </p:cNvPicPr>
           <p:nvPr/>
         </p:nvPicPr>
-        <p:blipFill rotWithShape="1">
-          <a:blip r:embed="rId2">
+        <p:blipFill>
+          <a:blip r:embed="rId2" cstate="print">
             <a:extLst>
               <a:ext uri="{28A0092B-C50C-407E-A947-70E740481C1C}">
                 <a14:useLocalDpi xmlns:a14="http://schemas.microsoft.com/office/drawing/2010/main" val="0"/>
               </a:ext>
             </a:extLst>
           </a:blip>
-          <a:srcRect b="20216"/>
-          <a:stretch/>
-        </p:blipFill>
-        <p:spPr>
-          <a:xfrm>
-            <a:off x="6537176" y="4338735"/>
-            <a:ext cx="388654" cy="1197767"/>
-          </a:xfrm>
-          <a:prstGeom prst="rect">
-            <a:avLst/>
-          </a:prstGeom>
-          <a:ln>
-            <a:solidFill>
-              <a:schemeClr val="bg1">
-                <a:lumMod val="85000"/>
-              </a:schemeClr>
-            </a:solidFill>
-          </a:ln>
-        </p:spPr>
-      </p:pic>
-      <p:pic>
-        <p:nvPicPr>
-          <p:cNvPr id="6" name="그림 5"/>
-          <p:cNvPicPr>
-            <a:picLocks noChangeAspect="1"/>
-          </p:cNvPicPr>
-          <p:nvPr/>
-        </p:nvPicPr>
-        <p:blipFill>
-          <a:blip r:embed="rId3">
-            <a:extLst>
-              <a:ext uri="{28A0092B-C50C-407E-A947-70E740481C1C}">
-                <a14:useLocalDpi xmlns:a14="http://schemas.microsoft.com/office/drawing/2010/main" val="0"/>
-              </a:ext>
-            </a:extLst>
-          </a:blip>
+          <a:srcRect/>
           <a:stretch>
             <a:fillRect/>
           </a:stretch>
         </p:blipFill>
-        <p:spPr>
+        <p:spPr bwMode="auto">
           <a:xfrm>
-            <a:off x="1640632" y="1196751"/>
-            <a:ext cx="4275191" cy="5273497"/>
+            <a:off x="920552" y="2771834"/>
+            <a:ext cx="4010492" cy="3240360"/>
           </a:xfrm>
           <a:prstGeom prst="rect">
             <a:avLst/>
           </a:prstGeom>
-          <a:ln>
+          <a:noFill/>
+          <a:extLst>
+            <a:ext uri="{909E8E84-426E-40DD-AFC4-6F175D3DCCD1}">
+              <a14:hiddenFill xmlns:a14="http://schemas.microsoft.com/office/drawing/2010/main">
+                <a:solidFill>
+                  <a:srgbClr val="FFFFFF"/>
+                </a:solidFill>
+              </a14:hiddenFill>
+            </a:ext>
+          </a:extLst>
+        </p:spPr>
+      </p:pic>
+      <p:sp>
+        <p:nvSpPr>
+          <p:cNvPr id="6" name="모서리가 둥근 직사각형 5"/>
+          <p:cNvSpPr/>
+          <p:nvPr/>
+        </p:nvSpPr>
+        <p:spPr>
+          <a:xfrm>
+            <a:off x="5300599" y="2771834"/>
+            <a:ext cx="444489" cy="360040"/>
+          </a:xfrm>
+          <a:prstGeom prst="roundRect">
+            <a:avLst/>
+          </a:prstGeom>
+          <a:ln w="12700"/>
+        </p:spPr>
+        <p:style>
+          <a:lnRef idx="2">
+            <a:schemeClr val="accent1"/>
+          </a:lnRef>
+          <a:fillRef idx="1">
+            <a:schemeClr val="lt1"/>
+          </a:fillRef>
+          <a:effectRef idx="0">
+            <a:schemeClr val="accent1"/>
+          </a:effectRef>
+          <a:fontRef idx="minor">
+            <a:schemeClr val="dk1"/>
+          </a:fontRef>
+        </p:style>
+        <p:txBody>
+          <a:bodyPr rtlCol="0" anchor="ctr"/>
+          <a:lstStyle/>
+          <a:p>
+            <a:pPr algn="ctr"/>
+            <a:r>
+              <a:rPr lang="en-US" altLang="ko-KR" sz="1600" dirty="0">
+                <a:solidFill>
+                  <a:sysClr val="windowText" lastClr="000000"/>
+                </a:solidFill>
+              </a:rPr>
+              <a:t>1</a:t>
+            </a:r>
+            <a:endParaRPr lang="ko-KR" altLang="en-US" sz="1600" dirty="0">
+              <a:solidFill>
+                <a:sysClr val="windowText" lastClr="000000"/>
+              </a:solidFill>
+            </a:endParaRPr>
+          </a:p>
+        </p:txBody>
+      </p:sp>
+      <p:cxnSp>
+        <p:nvCxnSpPr>
+          <p:cNvPr id="7" name="직선 화살표 연결선 6"/>
+          <p:cNvCxnSpPr/>
+          <p:nvPr/>
+        </p:nvCxnSpPr>
+        <p:spPr>
+          <a:xfrm>
+            <a:off x="3440832" y="2915850"/>
+            <a:ext cx="1656184" cy="0"/>
+          </a:xfrm>
+          <a:prstGeom prst="straightConnector1">
+            <a:avLst/>
+          </a:prstGeom>
+          <a:ln w="12700">
             <a:solidFill>
-              <a:schemeClr val="bg1">
-                <a:lumMod val="85000"/>
-              </a:schemeClr>
+              <a:srgbClr val="7030A0"/>
             </a:solidFill>
+            <a:prstDash val="sysDash"/>
+            <a:tailEnd type="triangle"/>
           </a:ln>
         </p:spPr>
-      </p:pic>
+        <p:style>
+          <a:lnRef idx="1">
+            <a:schemeClr val="accent1"/>
+          </a:lnRef>
+          <a:fillRef idx="0">
+            <a:schemeClr val="accent1"/>
+          </a:fillRef>
+          <a:effectRef idx="0">
+            <a:schemeClr val="accent1"/>
+          </a:effectRef>
+          <a:fontRef idx="minor">
+            <a:schemeClr val="tx1"/>
+          </a:fontRef>
+        </p:style>
+      </p:cxnSp>
+      <p:sp>
+        <p:nvSpPr>
+          <p:cNvPr id="8" name="모서리가 둥근 직사각형 7"/>
+          <p:cNvSpPr/>
+          <p:nvPr/>
+        </p:nvSpPr>
+        <p:spPr>
+          <a:xfrm>
+            <a:off x="6114643" y="2835822"/>
+            <a:ext cx="3501858" cy="2827816"/>
+          </a:xfrm>
+          <a:prstGeom prst="roundRect">
+            <a:avLst/>
+          </a:prstGeom>
+          <a:ln/>
+        </p:spPr>
+        <p:style>
+          <a:lnRef idx="2">
+            <a:schemeClr val="accent5"/>
+          </a:lnRef>
+          <a:fillRef idx="1">
+            <a:schemeClr val="lt1"/>
+          </a:fillRef>
+          <a:effectRef idx="0">
+            <a:schemeClr val="accent5"/>
+          </a:effectRef>
+          <a:fontRef idx="minor">
+            <a:schemeClr val="dk1"/>
+          </a:fontRef>
+        </p:style>
+        <p:txBody>
+          <a:bodyPr rtlCol="0" anchor="ctr"/>
+          <a:lstStyle/>
+          <a:p>
+            <a:pPr>
+              <a:lnSpc>
+                <a:spcPct val="150000"/>
+              </a:lnSpc>
+            </a:pPr>
+            <a:r>
+              <a:rPr lang="ko-KR" altLang="en-US" sz="1400" dirty="0" err="1" smtClean="0">
+                <a:solidFill>
+                  <a:sysClr val="windowText" lastClr="000000"/>
+                </a:solidFill>
+              </a:rPr>
+              <a:t>첫번째</a:t>
+            </a:r>
+            <a:r>
+              <a:rPr lang="ko-KR" altLang="en-US" sz="1400" dirty="0" smtClean="0">
+                <a:solidFill>
+                  <a:sysClr val="windowText" lastClr="000000"/>
+                </a:solidFill>
+              </a:rPr>
+              <a:t> 달에 새로 태어난 토끼 </a:t>
+            </a:r>
+            <a:r>
+              <a:rPr lang="ko-KR" altLang="en-US" sz="1400" dirty="0" err="1" smtClean="0">
+                <a:solidFill>
+                  <a:sysClr val="windowText" lastClr="000000"/>
+                </a:solidFill>
+              </a:rPr>
+              <a:t>한쌍이</a:t>
+            </a:r>
+            <a:r>
+              <a:rPr lang="ko-KR" altLang="en-US" sz="1400" dirty="0" smtClean="0">
+                <a:solidFill>
+                  <a:sysClr val="windowText" lastClr="000000"/>
+                </a:solidFill>
+              </a:rPr>
+              <a:t> 있고</a:t>
+            </a:r>
+            <a:r>
+              <a:rPr lang="en-US" altLang="ko-KR" sz="1400" dirty="0" smtClean="0">
+                <a:solidFill>
+                  <a:sysClr val="windowText" lastClr="000000"/>
+                </a:solidFill>
+              </a:rPr>
+              <a:t>, </a:t>
+            </a:r>
+            <a:r>
+              <a:rPr lang="ko-KR" altLang="en-US" sz="1400" dirty="0" err="1" smtClean="0">
+                <a:solidFill>
+                  <a:sysClr val="windowText" lastClr="000000"/>
+                </a:solidFill>
+              </a:rPr>
+              <a:t>둘째달에</a:t>
+            </a:r>
+            <a:r>
+              <a:rPr lang="ko-KR" altLang="en-US" sz="1400" dirty="0" smtClean="0">
+                <a:solidFill>
+                  <a:sysClr val="windowText" lastClr="000000"/>
+                </a:solidFill>
+              </a:rPr>
+              <a:t> 토끼가 커서 그대로 어른토끼 </a:t>
+            </a:r>
+            <a:r>
+              <a:rPr lang="ko-KR" altLang="en-US" sz="1400" dirty="0" err="1" smtClean="0">
+                <a:solidFill>
+                  <a:sysClr val="windowText" lastClr="000000"/>
+                </a:solidFill>
+              </a:rPr>
+              <a:t>한쌍</a:t>
+            </a:r>
+            <a:r>
+              <a:rPr lang="en-US" altLang="ko-KR" sz="1400" dirty="0" smtClean="0">
+                <a:solidFill>
+                  <a:sysClr val="windowText" lastClr="000000"/>
+                </a:solidFill>
+              </a:rPr>
+              <a:t>, </a:t>
+            </a:r>
+            <a:r>
+              <a:rPr lang="ko-KR" altLang="en-US" sz="1400" dirty="0" err="1" smtClean="0">
+                <a:solidFill>
+                  <a:sysClr val="windowText" lastClr="000000"/>
+                </a:solidFill>
+              </a:rPr>
+              <a:t>세째달에는</a:t>
+            </a:r>
+            <a:r>
+              <a:rPr lang="ko-KR" altLang="en-US" sz="1400" dirty="0" smtClean="0">
+                <a:solidFill>
+                  <a:sysClr val="windowText" lastClr="000000"/>
+                </a:solidFill>
+              </a:rPr>
+              <a:t> 새끼를 </a:t>
+            </a:r>
+            <a:r>
+              <a:rPr lang="ko-KR" altLang="en-US" sz="1400" dirty="0" err="1" smtClean="0">
+                <a:solidFill>
+                  <a:sysClr val="windowText" lastClr="000000"/>
+                </a:solidFill>
+              </a:rPr>
+              <a:t>한쌍</a:t>
+            </a:r>
+            <a:r>
+              <a:rPr lang="ko-KR" altLang="en-US" sz="1400" dirty="0" smtClean="0">
+                <a:solidFill>
+                  <a:sysClr val="windowText" lastClr="000000"/>
+                </a:solidFill>
+              </a:rPr>
+              <a:t> 낳아 어른</a:t>
+            </a:r>
+            <a:r>
+              <a:rPr lang="en-US" altLang="ko-KR" sz="1400" dirty="0" smtClean="0">
+                <a:solidFill>
+                  <a:sysClr val="windowText" lastClr="000000"/>
+                </a:solidFill>
+              </a:rPr>
+              <a:t>, </a:t>
+            </a:r>
+            <a:r>
+              <a:rPr lang="ko-KR" altLang="en-US" sz="1400" dirty="0" smtClean="0">
+                <a:solidFill>
+                  <a:sysClr val="windowText" lastClr="000000"/>
+                </a:solidFill>
+              </a:rPr>
+              <a:t>새끼 </a:t>
+            </a:r>
+            <a:r>
+              <a:rPr lang="ko-KR" altLang="en-US" sz="1400" dirty="0" err="1" smtClean="0">
+                <a:solidFill>
+                  <a:sysClr val="windowText" lastClr="000000"/>
+                </a:solidFill>
+              </a:rPr>
+              <a:t>두쌍</a:t>
+            </a:r>
+            <a:r>
+              <a:rPr lang="en-US" altLang="ko-KR" sz="1400" dirty="0" smtClean="0">
+                <a:solidFill>
+                  <a:sysClr val="windowText" lastClr="000000"/>
+                </a:solidFill>
+              </a:rPr>
+              <a:t>, </a:t>
+            </a:r>
+            <a:r>
+              <a:rPr lang="ko-KR" altLang="en-US" sz="1400" dirty="0" err="1" smtClean="0">
+                <a:solidFill>
+                  <a:sysClr val="windowText" lastClr="000000"/>
+                </a:solidFill>
+              </a:rPr>
+              <a:t>네째달에는</a:t>
+            </a:r>
+            <a:r>
+              <a:rPr lang="ko-KR" altLang="en-US" sz="1400" dirty="0" smtClean="0">
+                <a:solidFill>
+                  <a:sysClr val="windowText" lastClr="000000"/>
+                </a:solidFill>
+              </a:rPr>
+              <a:t> 어른이 새끼를 낳고</a:t>
+            </a:r>
+            <a:r>
+              <a:rPr lang="en-US" altLang="ko-KR" sz="1400" dirty="0" smtClean="0">
+                <a:solidFill>
+                  <a:sysClr val="windowText" lastClr="000000"/>
+                </a:solidFill>
+              </a:rPr>
+              <a:t>, </a:t>
+            </a:r>
+            <a:r>
+              <a:rPr lang="ko-KR" altLang="en-US" sz="1400" dirty="0" smtClean="0">
+                <a:solidFill>
+                  <a:sysClr val="windowText" lastClr="000000"/>
+                </a:solidFill>
+              </a:rPr>
+              <a:t>새끼는 어른이 되어 총 </a:t>
+            </a:r>
+            <a:r>
+              <a:rPr lang="ko-KR" altLang="en-US" sz="1400" dirty="0" err="1" smtClean="0">
+                <a:solidFill>
+                  <a:sysClr val="windowText" lastClr="000000"/>
+                </a:solidFill>
+              </a:rPr>
+              <a:t>세쌍</a:t>
+            </a:r>
+            <a:r>
+              <a:rPr lang="en-US" altLang="ko-KR" sz="1400" dirty="0" smtClean="0">
+                <a:solidFill>
+                  <a:sysClr val="windowText" lastClr="000000"/>
+                </a:solidFill>
+              </a:rPr>
+              <a:t>, </a:t>
+            </a:r>
+            <a:r>
+              <a:rPr lang="ko-KR" altLang="en-US" sz="1400" dirty="0" smtClean="0">
+                <a:solidFill>
+                  <a:sysClr val="windowText" lastClr="000000"/>
+                </a:solidFill>
+              </a:rPr>
+              <a:t>이렇게 계속 새끼를 낳고</a:t>
+            </a:r>
+            <a:r>
+              <a:rPr lang="en-US" altLang="ko-KR" sz="1400" dirty="0" smtClean="0">
+                <a:solidFill>
+                  <a:sysClr val="windowText" lastClr="000000"/>
+                </a:solidFill>
+              </a:rPr>
+              <a:t>, </a:t>
+            </a:r>
+            <a:r>
+              <a:rPr lang="ko-KR" altLang="en-US" sz="1400" dirty="0" smtClean="0">
+                <a:solidFill>
+                  <a:sysClr val="windowText" lastClr="000000"/>
+                </a:solidFill>
+              </a:rPr>
+              <a:t>죽지 않는다는 가정을 세우면 피보나치의 수가 된다</a:t>
+            </a:r>
+            <a:r>
+              <a:rPr lang="en-US" altLang="ko-KR" sz="1400" dirty="0" smtClean="0">
+                <a:solidFill>
+                  <a:sysClr val="windowText" lastClr="000000"/>
+                </a:solidFill>
+              </a:rPr>
+              <a:t>.</a:t>
+            </a:r>
+            <a:r>
+              <a:rPr lang="ko-KR" altLang="en-US" sz="1400" dirty="0" smtClean="0">
+                <a:solidFill>
+                  <a:sysClr val="windowText" lastClr="000000"/>
+                </a:solidFill>
+              </a:rPr>
+              <a:t> </a:t>
+            </a:r>
+            <a:endParaRPr lang="ko-KR" altLang="en-US" sz="1400" dirty="0">
+              <a:solidFill>
+                <a:sysClr val="windowText" lastClr="000000"/>
+              </a:solidFill>
+            </a:endParaRPr>
+          </a:p>
+        </p:txBody>
+      </p:sp>
+      <p:sp>
+        <p:nvSpPr>
+          <p:cNvPr id="10" name="모서리가 둥근 직사각형 9"/>
+          <p:cNvSpPr/>
+          <p:nvPr/>
+        </p:nvSpPr>
+        <p:spPr>
+          <a:xfrm>
+            <a:off x="5300599" y="3328144"/>
+            <a:ext cx="444489" cy="360040"/>
+          </a:xfrm>
+          <a:prstGeom prst="roundRect">
+            <a:avLst/>
+          </a:prstGeom>
+          <a:ln w="12700"/>
+        </p:spPr>
+        <p:style>
+          <a:lnRef idx="2">
+            <a:schemeClr val="accent1"/>
+          </a:lnRef>
+          <a:fillRef idx="1">
+            <a:schemeClr val="lt1"/>
+          </a:fillRef>
+          <a:effectRef idx="0">
+            <a:schemeClr val="accent1"/>
+          </a:effectRef>
+          <a:fontRef idx="minor">
+            <a:schemeClr val="dk1"/>
+          </a:fontRef>
+        </p:style>
+        <p:txBody>
+          <a:bodyPr rtlCol="0" anchor="ctr"/>
+          <a:lstStyle/>
+          <a:p>
+            <a:pPr algn="ctr"/>
+            <a:r>
+              <a:rPr lang="en-US" altLang="ko-KR" sz="1600" dirty="0">
+                <a:solidFill>
+                  <a:sysClr val="windowText" lastClr="000000"/>
+                </a:solidFill>
+              </a:rPr>
+              <a:t>1</a:t>
+            </a:r>
+            <a:endParaRPr lang="ko-KR" altLang="en-US" sz="1600" dirty="0">
+              <a:solidFill>
+                <a:sysClr val="windowText" lastClr="000000"/>
+              </a:solidFill>
+            </a:endParaRPr>
+          </a:p>
+        </p:txBody>
+      </p:sp>
+      <p:cxnSp>
+        <p:nvCxnSpPr>
+          <p:cNvPr id="11" name="직선 화살표 연결선 10"/>
+          <p:cNvCxnSpPr/>
+          <p:nvPr/>
+        </p:nvCxnSpPr>
+        <p:spPr>
+          <a:xfrm>
+            <a:off x="3440832" y="3472160"/>
+            <a:ext cx="1656184" cy="0"/>
+          </a:xfrm>
+          <a:prstGeom prst="straightConnector1">
+            <a:avLst/>
+          </a:prstGeom>
+          <a:ln w="12700">
+            <a:solidFill>
+              <a:srgbClr val="7030A0"/>
+            </a:solidFill>
+            <a:prstDash val="sysDash"/>
+            <a:tailEnd type="triangle"/>
+          </a:ln>
+        </p:spPr>
+        <p:style>
+          <a:lnRef idx="1">
+            <a:schemeClr val="accent1"/>
+          </a:lnRef>
+          <a:fillRef idx="0">
+            <a:schemeClr val="accent1"/>
+          </a:fillRef>
+          <a:effectRef idx="0">
+            <a:schemeClr val="accent1"/>
+          </a:effectRef>
+          <a:fontRef idx="minor">
+            <a:schemeClr val="tx1"/>
+          </a:fontRef>
+        </p:style>
+      </p:cxnSp>
+      <p:sp>
+        <p:nvSpPr>
+          <p:cNvPr id="12" name="모서리가 둥근 직사각형 11"/>
+          <p:cNvSpPr/>
+          <p:nvPr/>
+        </p:nvSpPr>
+        <p:spPr>
+          <a:xfrm>
+            <a:off x="5300599" y="3889690"/>
+            <a:ext cx="444489" cy="360040"/>
+          </a:xfrm>
+          <a:prstGeom prst="roundRect">
+            <a:avLst/>
+          </a:prstGeom>
+          <a:ln w="12700"/>
+        </p:spPr>
+        <p:style>
+          <a:lnRef idx="2">
+            <a:schemeClr val="accent1"/>
+          </a:lnRef>
+          <a:fillRef idx="1">
+            <a:schemeClr val="lt1"/>
+          </a:fillRef>
+          <a:effectRef idx="0">
+            <a:schemeClr val="accent1"/>
+          </a:effectRef>
+          <a:fontRef idx="minor">
+            <a:schemeClr val="dk1"/>
+          </a:fontRef>
+        </p:style>
+        <p:txBody>
+          <a:bodyPr rtlCol="0" anchor="ctr"/>
+          <a:lstStyle/>
+          <a:p>
+            <a:pPr algn="ctr"/>
+            <a:r>
+              <a:rPr lang="en-US" altLang="ko-KR" sz="1600" dirty="0" smtClean="0">
+                <a:solidFill>
+                  <a:sysClr val="windowText" lastClr="000000"/>
+                </a:solidFill>
+              </a:rPr>
+              <a:t>2</a:t>
+            </a:r>
+            <a:endParaRPr lang="ko-KR" altLang="en-US" sz="1600" dirty="0">
+              <a:solidFill>
+                <a:sysClr val="windowText" lastClr="000000"/>
+              </a:solidFill>
+            </a:endParaRPr>
+          </a:p>
+        </p:txBody>
+      </p:sp>
+      <p:cxnSp>
+        <p:nvCxnSpPr>
+          <p:cNvPr id="13" name="직선 화살표 연결선 12"/>
+          <p:cNvCxnSpPr/>
+          <p:nvPr/>
+        </p:nvCxnSpPr>
+        <p:spPr>
+          <a:xfrm>
+            <a:off x="3944888" y="4033706"/>
+            <a:ext cx="1152128" cy="0"/>
+          </a:xfrm>
+          <a:prstGeom prst="straightConnector1">
+            <a:avLst/>
+          </a:prstGeom>
+          <a:ln w="12700">
+            <a:solidFill>
+              <a:srgbClr val="7030A0"/>
+            </a:solidFill>
+            <a:prstDash val="sysDash"/>
+            <a:tailEnd type="triangle"/>
+          </a:ln>
+        </p:spPr>
+        <p:style>
+          <a:lnRef idx="1">
+            <a:schemeClr val="accent1"/>
+          </a:lnRef>
+          <a:fillRef idx="0">
+            <a:schemeClr val="accent1"/>
+          </a:fillRef>
+          <a:effectRef idx="0">
+            <a:schemeClr val="accent1"/>
+          </a:effectRef>
+          <a:fontRef idx="minor">
+            <a:schemeClr val="tx1"/>
+          </a:fontRef>
+        </p:style>
+      </p:cxnSp>
+      <p:sp>
+        <p:nvSpPr>
+          <p:cNvPr id="17" name="모서리가 둥근 직사각형 16"/>
+          <p:cNvSpPr/>
+          <p:nvPr/>
+        </p:nvSpPr>
+        <p:spPr>
+          <a:xfrm>
+            <a:off x="5300599" y="4399709"/>
+            <a:ext cx="444489" cy="360040"/>
+          </a:xfrm>
+          <a:prstGeom prst="roundRect">
+            <a:avLst/>
+          </a:prstGeom>
+          <a:ln w="12700"/>
+        </p:spPr>
+        <p:style>
+          <a:lnRef idx="2">
+            <a:schemeClr val="accent1"/>
+          </a:lnRef>
+          <a:fillRef idx="1">
+            <a:schemeClr val="lt1"/>
+          </a:fillRef>
+          <a:effectRef idx="0">
+            <a:schemeClr val="accent1"/>
+          </a:effectRef>
+          <a:fontRef idx="minor">
+            <a:schemeClr val="dk1"/>
+          </a:fontRef>
+        </p:style>
+        <p:txBody>
+          <a:bodyPr rtlCol="0" anchor="ctr"/>
+          <a:lstStyle/>
+          <a:p>
+            <a:pPr algn="ctr"/>
+            <a:r>
+              <a:rPr lang="en-US" altLang="ko-KR" sz="1600" dirty="0" smtClean="0">
+                <a:solidFill>
+                  <a:sysClr val="windowText" lastClr="000000"/>
+                </a:solidFill>
+              </a:rPr>
+              <a:t>3</a:t>
+            </a:r>
+            <a:endParaRPr lang="ko-KR" altLang="en-US" sz="1600" dirty="0">
+              <a:solidFill>
+                <a:sysClr val="windowText" lastClr="000000"/>
+              </a:solidFill>
+            </a:endParaRPr>
+          </a:p>
+        </p:txBody>
+      </p:sp>
+      <p:cxnSp>
+        <p:nvCxnSpPr>
+          <p:cNvPr id="18" name="직선 화살표 연결선 17"/>
+          <p:cNvCxnSpPr/>
+          <p:nvPr/>
+        </p:nvCxnSpPr>
+        <p:spPr>
+          <a:xfrm>
+            <a:off x="3944888" y="4543725"/>
+            <a:ext cx="1152128" cy="0"/>
+          </a:xfrm>
+          <a:prstGeom prst="straightConnector1">
+            <a:avLst/>
+          </a:prstGeom>
+          <a:ln w="12700">
+            <a:solidFill>
+              <a:srgbClr val="7030A0"/>
+            </a:solidFill>
+            <a:prstDash val="sysDash"/>
+            <a:tailEnd type="triangle"/>
+          </a:ln>
+        </p:spPr>
+        <p:style>
+          <a:lnRef idx="1">
+            <a:schemeClr val="accent1"/>
+          </a:lnRef>
+          <a:fillRef idx="0">
+            <a:schemeClr val="accent1"/>
+          </a:fillRef>
+          <a:effectRef idx="0">
+            <a:schemeClr val="accent1"/>
+          </a:effectRef>
+          <a:fontRef idx="minor">
+            <a:schemeClr val="tx1"/>
+          </a:fontRef>
+        </p:style>
+      </p:cxnSp>
+      <p:sp>
+        <p:nvSpPr>
+          <p:cNvPr id="19" name="모서리가 둥근 직사각형 18"/>
+          <p:cNvSpPr/>
+          <p:nvPr/>
+        </p:nvSpPr>
+        <p:spPr>
+          <a:xfrm>
+            <a:off x="5300599" y="5004082"/>
+            <a:ext cx="444489" cy="360040"/>
+          </a:xfrm>
+          <a:prstGeom prst="roundRect">
+            <a:avLst/>
+          </a:prstGeom>
+          <a:ln w="12700"/>
+        </p:spPr>
+        <p:style>
+          <a:lnRef idx="2">
+            <a:schemeClr val="accent1"/>
+          </a:lnRef>
+          <a:fillRef idx="1">
+            <a:schemeClr val="lt1"/>
+          </a:fillRef>
+          <a:effectRef idx="0">
+            <a:schemeClr val="accent1"/>
+          </a:effectRef>
+          <a:fontRef idx="minor">
+            <a:schemeClr val="dk1"/>
+          </a:fontRef>
+        </p:style>
+        <p:txBody>
+          <a:bodyPr rtlCol="0" anchor="ctr"/>
+          <a:lstStyle/>
+          <a:p>
+            <a:pPr algn="ctr"/>
+            <a:r>
+              <a:rPr lang="en-US" altLang="ko-KR" sz="1600" dirty="0" smtClean="0">
+                <a:solidFill>
+                  <a:sysClr val="windowText" lastClr="000000"/>
+                </a:solidFill>
+              </a:rPr>
+              <a:t>5</a:t>
+            </a:r>
+            <a:endParaRPr lang="ko-KR" altLang="en-US" sz="1600" dirty="0">
+              <a:solidFill>
+                <a:sysClr val="windowText" lastClr="000000"/>
+              </a:solidFill>
+            </a:endParaRPr>
+          </a:p>
+        </p:txBody>
+      </p:sp>
+      <p:cxnSp>
+        <p:nvCxnSpPr>
+          <p:cNvPr id="20" name="직선 화살표 연결선 19"/>
+          <p:cNvCxnSpPr/>
+          <p:nvPr/>
+        </p:nvCxnSpPr>
+        <p:spPr>
+          <a:xfrm>
+            <a:off x="4520952" y="5148098"/>
+            <a:ext cx="576064" cy="0"/>
+          </a:xfrm>
+          <a:prstGeom prst="straightConnector1">
+            <a:avLst/>
+          </a:prstGeom>
+          <a:ln w="12700">
+            <a:solidFill>
+              <a:srgbClr val="7030A0"/>
+            </a:solidFill>
+            <a:prstDash val="sysDash"/>
+            <a:tailEnd type="triangle"/>
+          </a:ln>
+        </p:spPr>
+        <p:style>
+          <a:lnRef idx="1">
+            <a:schemeClr val="accent1"/>
+          </a:lnRef>
+          <a:fillRef idx="0">
+            <a:schemeClr val="accent1"/>
+          </a:fillRef>
+          <a:effectRef idx="0">
+            <a:schemeClr val="accent1"/>
+          </a:effectRef>
+          <a:fontRef idx="minor">
+            <a:schemeClr val="tx1"/>
+          </a:fontRef>
+        </p:style>
+      </p:cxnSp>
+      <p:sp>
+        <p:nvSpPr>
+          <p:cNvPr id="21" name="모서리가 둥근 직사각형 20"/>
+          <p:cNvSpPr/>
+          <p:nvPr/>
+        </p:nvSpPr>
+        <p:spPr>
+          <a:xfrm>
+            <a:off x="5300599" y="5591613"/>
+            <a:ext cx="444489" cy="360040"/>
+          </a:xfrm>
+          <a:prstGeom prst="roundRect">
+            <a:avLst/>
+          </a:prstGeom>
+          <a:ln w="12700"/>
+        </p:spPr>
+        <p:style>
+          <a:lnRef idx="2">
+            <a:schemeClr val="accent1"/>
+          </a:lnRef>
+          <a:fillRef idx="1">
+            <a:schemeClr val="lt1"/>
+          </a:fillRef>
+          <a:effectRef idx="0">
+            <a:schemeClr val="accent1"/>
+          </a:effectRef>
+          <a:fontRef idx="minor">
+            <a:schemeClr val="dk1"/>
+          </a:fontRef>
+        </p:style>
+        <p:txBody>
+          <a:bodyPr rtlCol="0" anchor="ctr"/>
+          <a:lstStyle/>
+          <a:p>
+            <a:pPr algn="ctr"/>
+            <a:r>
+              <a:rPr lang="en-US" altLang="ko-KR" sz="1600" dirty="0" smtClean="0">
+                <a:solidFill>
+                  <a:sysClr val="windowText" lastClr="000000"/>
+                </a:solidFill>
+              </a:rPr>
+              <a:t>8</a:t>
+            </a:r>
+            <a:endParaRPr lang="ko-KR" altLang="en-US" sz="1600" dirty="0">
+              <a:solidFill>
+                <a:sysClr val="windowText" lastClr="000000"/>
+              </a:solidFill>
+            </a:endParaRPr>
+          </a:p>
+        </p:txBody>
+      </p:sp>
+      <p:cxnSp>
+        <p:nvCxnSpPr>
+          <p:cNvPr id="22" name="직선 화살표 연결선 21"/>
+          <p:cNvCxnSpPr/>
+          <p:nvPr/>
+        </p:nvCxnSpPr>
+        <p:spPr>
+          <a:xfrm>
+            <a:off x="4931044" y="5735629"/>
+            <a:ext cx="165972" cy="0"/>
+          </a:xfrm>
+          <a:prstGeom prst="straightConnector1">
+            <a:avLst/>
+          </a:prstGeom>
+          <a:ln w="12700">
+            <a:solidFill>
+              <a:srgbClr val="7030A0"/>
+            </a:solidFill>
+            <a:prstDash val="sysDash"/>
+            <a:tailEnd type="triangle"/>
+          </a:ln>
+        </p:spPr>
+        <p:style>
+          <a:lnRef idx="1">
+            <a:schemeClr val="accent1"/>
+          </a:lnRef>
+          <a:fillRef idx="0">
+            <a:schemeClr val="accent1"/>
+          </a:fillRef>
+          <a:effectRef idx="0">
+            <a:schemeClr val="accent1"/>
+          </a:effectRef>
+          <a:fontRef idx="minor">
+            <a:schemeClr val="tx1"/>
+          </a:fontRef>
+        </p:style>
+      </p:cxnSp>
+      <p:sp>
+        <p:nvSpPr>
+          <p:cNvPr id="24" name="타원형 설명선 23"/>
+          <p:cNvSpPr/>
+          <p:nvPr/>
+        </p:nvSpPr>
+        <p:spPr>
+          <a:xfrm>
+            <a:off x="1928664" y="2492896"/>
+            <a:ext cx="778220" cy="595568"/>
+          </a:xfrm>
+          <a:prstGeom prst="wedgeEllipseCallout">
+            <a:avLst>
+              <a:gd name="adj1" fmla="val 63627"/>
+              <a:gd name="adj2" fmla="val 13454"/>
+            </a:avLst>
+          </a:prstGeom>
+          <a:ln/>
+        </p:spPr>
+        <p:style>
+          <a:lnRef idx="2">
+            <a:schemeClr val="accent3"/>
+          </a:lnRef>
+          <a:fillRef idx="1">
+            <a:schemeClr val="lt1"/>
+          </a:fillRef>
+          <a:effectRef idx="0">
+            <a:schemeClr val="accent3"/>
+          </a:effectRef>
+          <a:fontRef idx="minor">
+            <a:schemeClr val="dk1"/>
+          </a:fontRef>
+        </p:style>
+        <p:txBody>
+          <a:bodyPr rtlCol="0" anchor="ctr"/>
+          <a:lstStyle/>
+          <a:p>
+            <a:pPr algn="ctr"/>
+            <a:r>
+              <a:rPr lang="ko-KR" altLang="en-US" sz="1400" smtClean="0"/>
+              <a:t>새끼</a:t>
+            </a:r>
+            <a:endParaRPr lang="ko-KR" altLang="en-US" sz="1400"/>
+          </a:p>
+        </p:txBody>
+      </p:sp>
+      <p:sp>
+        <p:nvSpPr>
+          <p:cNvPr id="26" name="타원형 설명선 25"/>
+          <p:cNvSpPr/>
+          <p:nvPr/>
+        </p:nvSpPr>
+        <p:spPr>
+          <a:xfrm>
+            <a:off x="1928664" y="3160472"/>
+            <a:ext cx="778220" cy="595568"/>
+          </a:xfrm>
+          <a:prstGeom prst="wedgeEllipseCallout">
+            <a:avLst>
+              <a:gd name="adj1" fmla="val 68103"/>
+              <a:gd name="adj2" fmla="val -11404"/>
+            </a:avLst>
+          </a:prstGeom>
+          <a:ln/>
+        </p:spPr>
+        <p:style>
+          <a:lnRef idx="2">
+            <a:schemeClr val="accent3"/>
+          </a:lnRef>
+          <a:fillRef idx="1">
+            <a:schemeClr val="lt1"/>
+          </a:fillRef>
+          <a:effectRef idx="0">
+            <a:schemeClr val="accent3"/>
+          </a:effectRef>
+          <a:fontRef idx="minor">
+            <a:schemeClr val="dk1"/>
+          </a:fontRef>
+        </p:style>
+        <p:txBody>
+          <a:bodyPr rtlCol="0" anchor="ctr"/>
+          <a:lstStyle/>
+          <a:p>
+            <a:pPr algn="ctr"/>
+            <a:r>
+              <a:rPr lang="ko-KR" altLang="en-US" sz="1400" dirty="0" smtClean="0"/>
+              <a:t>어른</a:t>
+            </a:r>
+            <a:endParaRPr lang="ko-KR" altLang="en-US" sz="1400" dirty="0"/>
+          </a:p>
+        </p:txBody>
+      </p:sp>
     </p:spTree>
     <p:extLst>
       <p:ext uri="{BB962C8B-B14F-4D97-AF65-F5344CB8AC3E}">
-        <p14:creationId xmlns:p14="http://schemas.microsoft.com/office/powerpoint/2010/main" val="112464478"/>
+        <p14:creationId xmlns:p14="http://schemas.microsoft.com/office/powerpoint/2010/main" val="2302058848"/>
       </p:ext>
     </p:extLst>
   </p:cSld>
@@ -17802,36 +17778,18 @@
         </p:nvSpPr>
         <p:spPr/>
         <p:txBody>
-          <a:bodyPr>
-            <a:normAutofit/>
-          </a:bodyPr>
-          <a:lstStyle/>
-          <a:p>
-            <a:r>
-              <a:rPr lang="en-US" altLang="ko-KR" sz="2800" dirty="0"/>
-              <a:t> </a:t>
-            </a:r>
-            <a:r>
-              <a:rPr lang="en-US" altLang="ko-KR" sz="2800" dirty="0" smtClean="0"/>
-              <a:t>lambda</a:t>
-            </a:r>
+          <a:bodyPr/>
+          <a:lstStyle/>
+          <a:p>
             <a:r>
               <a:rPr lang="en-US" altLang="ko-KR" dirty="0"/>
               <a:t> </a:t>
             </a:r>
             <a:r>
-              <a:rPr lang="en-US" altLang="ko-KR" dirty="0" smtClean="0"/>
-              <a:t>Expressions(</a:t>
-            </a:r>
-            <a:r>
-              <a:rPr lang="ko-KR" altLang="en-US" dirty="0" err="1" smtClean="0"/>
-              <a:t>람다식</a:t>
-            </a:r>
-            <a:r>
-              <a:rPr lang="en-US" altLang="ko-KR" dirty="0" smtClean="0"/>
-              <a:t>)</a:t>
-            </a:r>
-            <a:endParaRPr lang="ko-KR" altLang="en-US" sz="2800" dirty="0"/>
+              <a:rPr lang="ko-KR" altLang="en-US" dirty="0" smtClean="0"/>
+              <a:t>재귀 호출</a:t>
+            </a:r>
+            <a:endParaRPr lang="ko-KR" altLang="en-US" dirty="0"/>
           </a:p>
         </p:txBody>
       </p:sp>
@@ -17853,6 +17811,184 @@
             <a:fld id="{1BDE3FE7-3AEA-4B05-AC5A-802D1816ACF0}" type="slidenum">
               <a:rPr lang="ko-KR" altLang="en-US" smtClean="0"/>
               <a:t>37</a:t>
+            </a:fld>
+            <a:endParaRPr lang="ko-KR" altLang="en-US"/>
+          </a:p>
+        </p:txBody>
+      </p:sp>
+      <p:pic>
+        <p:nvPicPr>
+          <p:cNvPr id="5" name="그림 4"/>
+          <p:cNvPicPr>
+            <a:picLocks noChangeAspect="1"/>
+          </p:cNvPicPr>
+          <p:nvPr/>
+        </p:nvPicPr>
+        <p:blipFill rotWithShape="1">
+          <a:blip r:embed="rId2">
+            <a:extLst>
+              <a:ext uri="{28A0092B-C50C-407E-A947-70E740481C1C}">
+                <a14:useLocalDpi xmlns:a14="http://schemas.microsoft.com/office/drawing/2010/main" val="0"/>
+              </a:ext>
+            </a:extLst>
+          </a:blip>
+          <a:srcRect b="20216"/>
+          <a:stretch/>
+        </p:blipFill>
+        <p:spPr>
+          <a:xfrm>
+            <a:off x="6537176" y="4338735"/>
+            <a:ext cx="388654" cy="1197767"/>
+          </a:xfrm>
+          <a:prstGeom prst="rect">
+            <a:avLst/>
+          </a:prstGeom>
+          <a:ln>
+            <a:solidFill>
+              <a:schemeClr val="bg1">
+                <a:lumMod val="85000"/>
+              </a:schemeClr>
+            </a:solidFill>
+          </a:ln>
+        </p:spPr>
+      </p:pic>
+      <p:pic>
+        <p:nvPicPr>
+          <p:cNvPr id="6" name="그림 5"/>
+          <p:cNvPicPr>
+            <a:picLocks noChangeAspect="1"/>
+          </p:cNvPicPr>
+          <p:nvPr/>
+        </p:nvPicPr>
+        <p:blipFill>
+          <a:blip r:embed="rId3">
+            <a:extLst>
+              <a:ext uri="{28A0092B-C50C-407E-A947-70E740481C1C}">
+                <a14:useLocalDpi xmlns:a14="http://schemas.microsoft.com/office/drawing/2010/main" val="0"/>
+              </a:ext>
+            </a:extLst>
+          </a:blip>
+          <a:stretch>
+            <a:fillRect/>
+          </a:stretch>
+        </p:blipFill>
+        <p:spPr>
+          <a:xfrm>
+            <a:off x="1640632" y="1196751"/>
+            <a:ext cx="4275191" cy="5273497"/>
+          </a:xfrm>
+          <a:prstGeom prst="rect">
+            <a:avLst/>
+          </a:prstGeom>
+          <a:ln>
+            <a:solidFill>
+              <a:schemeClr val="bg1">
+                <a:lumMod val="85000"/>
+              </a:schemeClr>
+            </a:solidFill>
+          </a:ln>
+        </p:spPr>
+      </p:pic>
+    </p:spTree>
+    <p:extLst>
+      <p:ext uri="{BB962C8B-B14F-4D97-AF65-F5344CB8AC3E}">
+        <p14:creationId xmlns:p14="http://schemas.microsoft.com/office/powerpoint/2010/main" val="112464478"/>
+      </p:ext>
+    </p:extLst>
+  </p:cSld>
+  <p:clrMapOvr>
+    <a:masterClrMapping/>
+  </p:clrMapOvr>
+  <p:timing>
+    <p:tnLst>
+      <p:par>
+        <p:cTn id="1" dur="indefinite" restart="never" nodeType="tmRoot"/>
+      </p:par>
+    </p:tnLst>
+  </p:timing>
+</p:sld>
+</file>
+
+<file path=ppt/slides/slide38.xml><?xml version="1.0" encoding="utf-8"?>
+<p:sld xmlns:a="http://schemas.openxmlformats.org/drawingml/2006/main" xmlns:r="http://schemas.openxmlformats.org/officeDocument/2006/relationships" xmlns:p="http://schemas.openxmlformats.org/presentationml/2006/main">
+  <p:cSld>
+    <p:spTree>
+      <p:nvGrpSpPr>
+        <p:cNvPr id="1" name=""/>
+        <p:cNvGrpSpPr/>
+        <p:nvPr/>
+      </p:nvGrpSpPr>
+      <p:grpSpPr>
+        <a:xfrm>
+          <a:off x="0" y="0"/>
+          <a:ext cx="0" cy="0"/>
+          <a:chOff x="0" y="0"/>
+          <a:chExt cx="0" cy="0"/>
+        </a:xfrm>
+      </p:grpSpPr>
+      <p:sp>
+        <p:nvSpPr>
+          <p:cNvPr id="2" name="제목 1"/>
+          <p:cNvSpPr>
+            <a:spLocks noGrp="1"/>
+          </p:cNvSpPr>
+          <p:nvPr>
+            <p:ph type="title"/>
+          </p:nvPr>
+        </p:nvSpPr>
+        <p:spPr/>
+        <p:txBody>
+          <a:bodyPr>
+            <a:normAutofit/>
+          </a:bodyPr>
+          <a:lstStyle/>
+          <a:p>
+            <a:r>
+              <a:rPr lang="en-US" altLang="ko-KR" sz="2800" dirty="0"/>
+              <a:t> </a:t>
+            </a:r>
+            <a:r>
+              <a:rPr lang="en-US" altLang="ko-KR" sz="2800" dirty="0" smtClean="0"/>
+              <a:t>lambda</a:t>
+            </a:r>
+            <a:r>
+              <a:rPr lang="en-US" altLang="ko-KR" dirty="0"/>
+              <a:t> </a:t>
+            </a:r>
+            <a:r>
+              <a:rPr lang="en-US" altLang="ko-KR" dirty="0" smtClean="0"/>
+              <a:t>Expressions(</a:t>
+            </a:r>
+            <a:r>
+              <a:rPr lang="ko-KR" altLang="en-US" dirty="0" err="1" smtClean="0"/>
+              <a:t>람다식</a:t>
+            </a:r>
+            <a:r>
+              <a:rPr lang="en-US" altLang="ko-KR" dirty="0" smtClean="0"/>
+              <a:t>)</a:t>
+            </a:r>
+            <a:endParaRPr lang="ko-KR" altLang="en-US" sz="2800" dirty="0"/>
+          </a:p>
+        </p:txBody>
+      </p:sp>
+      <p:sp>
+        <p:nvSpPr>
+          <p:cNvPr id="4" name="슬라이드 번호 개체 틀 3"/>
+          <p:cNvSpPr>
+            <a:spLocks noGrp="1"/>
+          </p:cNvSpPr>
+          <p:nvPr>
+            <p:ph type="sldNum" sz="quarter" idx="12"/>
+          </p:nvPr>
+        </p:nvSpPr>
+        <p:spPr/>
+        <p:txBody>
+          <a:bodyPr/>
+          <a:lstStyle/>
+          <a:p>
+            <a:fld id="{1BDE3FE7-3AEA-4B05-AC5A-802D1816ACF0}" type="slidenum">
+              <a:rPr lang="ko-KR" altLang="en-US" smtClean="0"/>
+              <a:t>38</a:t>
             </a:fld>
             <a:endParaRPr lang="ko-KR" altLang="en-US"/>
           </a:p>
@@ -18257,7 +18393,7 @@
 </p:sld>
 </file>
 
-<file path=ppt/slides/slide38.xml><?xml version="1.0" encoding="utf-8"?>
+<file path=ppt/slides/slide39.xml><?xml version="1.0" encoding="utf-8"?>
 <p:sld xmlns:a="http://schemas.openxmlformats.org/drawingml/2006/main" xmlns:r="http://schemas.openxmlformats.org/officeDocument/2006/relationships" xmlns:p="http://schemas.openxmlformats.org/presentationml/2006/main">
   <p:cSld>
     <p:spTree>
@@ -18336,7 +18472,7 @@
           <a:p>
             <a:fld id="{1BDE3FE7-3AEA-4B05-AC5A-802D1816ACF0}" type="slidenum">
               <a:rPr lang="ko-KR" altLang="en-US" smtClean="0"/>
-              <a:t>38</a:t>
+              <a:t>39</a:t>
             </a:fld>
             <a:endParaRPr lang="ko-KR" altLang="en-US"/>
           </a:p>
@@ -18458,223 +18594,6 @@
     <p:extLst>
       <p:ext uri="{BB962C8B-B14F-4D97-AF65-F5344CB8AC3E}">
         <p14:creationId xmlns:p14="http://schemas.microsoft.com/office/powerpoint/2010/main" val="2661252444"/>
-      </p:ext>
-    </p:extLst>
-  </p:cSld>
-  <p:clrMapOvr>
-    <a:masterClrMapping/>
-  </p:clrMapOvr>
-  <p:timing>
-    <p:tnLst>
-      <p:par>
-        <p:cTn id="1" dur="indefinite" restart="never" nodeType="tmRoot"/>
-      </p:par>
-    </p:tnLst>
-  </p:timing>
-</p:sld>
-</file>
-
-<file path=ppt/slides/slide39.xml><?xml version="1.0" encoding="utf-8"?>
-<p:sld xmlns:a="http://schemas.openxmlformats.org/drawingml/2006/main" xmlns:r="http://schemas.openxmlformats.org/officeDocument/2006/relationships" xmlns:p="http://schemas.openxmlformats.org/presentationml/2006/main">
-  <p:cSld>
-    <p:spTree>
-      <p:nvGrpSpPr>
-        <p:cNvPr id="1" name=""/>
-        <p:cNvGrpSpPr/>
-        <p:nvPr/>
-      </p:nvGrpSpPr>
-      <p:grpSpPr>
-        <a:xfrm>
-          <a:off x="0" y="0"/>
-          <a:ext cx="0" cy="0"/>
-          <a:chOff x="0" y="0"/>
-          <a:chExt cx="0" cy="0"/>
-        </a:xfrm>
-      </p:grpSpPr>
-      <p:sp>
-        <p:nvSpPr>
-          <p:cNvPr id="2" name="제목 1"/>
-          <p:cNvSpPr>
-            <a:spLocks noGrp="1"/>
-          </p:cNvSpPr>
-          <p:nvPr>
-            <p:ph type="title"/>
-          </p:nvPr>
-        </p:nvSpPr>
-        <p:spPr/>
-        <p:txBody>
-          <a:bodyPr>
-            <a:normAutofit/>
-          </a:bodyPr>
-          <a:lstStyle/>
-          <a:p>
-            <a:r>
-              <a:rPr lang="en-US" altLang="ko-KR" sz="2800" dirty="0"/>
-              <a:t> </a:t>
-            </a:r>
-            <a:r>
-              <a:rPr lang="en-US" altLang="ko-KR" sz="2800" dirty="0" smtClean="0"/>
-              <a:t>lambda</a:t>
-            </a:r>
-            <a:r>
-              <a:rPr lang="en-US" altLang="ko-KR" dirty="0"/>
-              <a:t> </a:t>
-            </a:r>
-            <a:r>
-              <a:rPr lang="en-US" altLang="ko-KR" dirty="0" smtClean="0"/>
-              <a:t>Expressions(</a:t>
-            </a:r>
-            <a:r>
-              <a:rPr lang="ko-KR" altLang="en-US" dirty="0" err="1" smtClean="0"/>
-              <a:t>람다식</a:t>
-            </a:r>
-            <a:r>
-              <a:rPr lang="en-US" altLang="ko-KR" dirty="0" smtClean="0"/>
-              <a:t>)</a:t>
-            </a:r>
-            <a:endParaRPr lang="ko-KR" altLang="en-US" sz="2800" dirty="0"/>
-          </a:p>
-        </p:txBody>
-      </p:sp>
-      <p:sp>
-        <p:nvSpPr>
-          <p:cNvPr id="4" name="슬라이드 번호 개체 틀 3"/>
-          <p:cNvSpPr>
-            <a:spLocks noGrp="1"/>
-          </p:cNvSpPr>
-          <p:nvPr>
-            <p:ph type="sldNum" sz="quarter" idx="12"/>
-          </p:nvPr>
-        </p:nvSpPr>
-        <p:spPr/>
-        <p:txBody>
-          <a:bodyPr/>
-          <a:lstStyle/>
-          <a:p>
-            <a:fld id="{1BDE3FE7-3AEA-4B05-AC5A-802D1816ACF0}" type="slidenum">
-              <a:rPr lang="ko-KR" altLang="en-US" smtClean="0"/>
-              <a:t>39</a:t>
-            </a:fld>
-            <a:endParaRPr lang="ko-KR" altLang="en-US"/>
-          </a:p>
-        </p:txBody>
-      </p:sp>
-      <p:sp>
-        <p:nvSpPr>
-          <p:cNvPr id="18" name="모서리가 둥근 직사각형 17"/>
-          <p:cNvSpPr/>
-          <p:nvPr/>
-        </p:nvSpPr>
-        <p:spPr>
-          <a:xfrm>
-            <a:off x="1064569" y="1196752"/>
-            <a:ext cx="4392487" cy="576064"/>
-          </a:xfrm>
-          <a:prstGeom prst="roundRect">
-            <a:avLst/>
-          </a:prstGeom>
-          <a:ln>
-            <a:noFill/>
-          </a:ln>
-        </p:spPr>
-        <p:style>
-          <a:lnRef idx="2">
-            <a:schemeClr val="dk1"/>
-          </a:lnRef>
-          <a:fillRef idx="1">
-            <a:schemeClr val="lt1"/>
-          </a:fillRef>
-          <a:effectRef idx="0">
-            <a:schemeClr val="dk1"/>
-          </a:effectRef>
-          <a:fontRef idx="minor">
-            <a:schemeClr val="dk1"/>
-          </a:fontRef>
-        </p:style>
-        <p:txBody>
-          <a:bodyPr rtlCol="0" anchor="ctr"/>
-          <a:lstStyle/>
-          <a:p>
-            <a:pPr marL="285750" indent="-285750">
-              <a:lnSpc>
-                <a:spcPct val="150000"/>
-              </a:lnSpc>
-              <a:buFont typeface="Wingdings" panose="05000000000000000000" pitchFamily="2" charset="2"/>
-              <a:buChar char="l"/>
-            </a:pPr>
-            <a:r>
-              <a:rPr lang="ko-KR" altLang="en-US" b="1" dirty="0" smtClean="0">
-                <a:solidFill>
-                  <a:sysClr val="windowText" lastClr="000000"/>
-                </a:solidFill>
-              </a:rPr>
-              <a:t>매개변수가 </a:t>
-            </a:r>
-            <a:r>
-              <a:rPr lang="en-US" altLang="ko-KR" b="1" dirty="0">
-                <a:solidFill>
-                  <a:sysClr val="windowText" lastClr="000000"/>
-                </a:solidFill>
-              </a:rPr>
-              <a:t>2</a:t>
-            </a:r>
-            <a:r>
-              <a:rPr lang="ko-KR" altLang="en-US" b="1" dirty="0" smtClean="0">
-                <a:solidFill>
-                  <a:sysClr val="windowText" lastClr="000000"/>
-                </a:solidFill>
-              </a:rPr>
-              <a:t>개인 람다 함수</a:t>
-            </a:r>
-            <a:endParaRPr lang="en-US" altLang="ko-KR" sz="1600" b="1" dirty="0" smtClean="0">
-              <a:solidFill>
-                <a:sysClr val="windowText" lastClr="000000"/>
-              </a:solidFill>
-            </a:endParaRPr>
-          </a:p>
-        </p:txBody>
-      </p:sp>
-      <p:pic>
-        <p:nvPicPr>
-          <p:cNvPr id="3" name="그림 2"/>
-          <p:cNvPicPr>
-            <a:picLocks noChangeAspect="1"/>
-          </p:cNvPicPr>
-          <p:nvPr/>
-        </p:nvPicPr>
-        <p:blipFill>
-          <a:blip r:embed="rId2">
-            <a:extLst>
-              <a:ext uri="{28A0092B-C50C-407E-A947-70E740481C1C}">
-                <a14:useLocalDpi xmlns:a14="http://schemas.microsoft.com/office/drawing/2010/main" val="0"/>
-              </a:ext>
-            </a:extLst>
-          </a:blip>
-          <a:stretch>
-            <a:fillRect/>
-          </a:stretch>
-        </p:blipFill>
-        <p:spPr>
-          <a:xfrm>
-            <a:off x="2144688" y="1825961"/>
-            <a:ext cx="3802710" cy="4480949"/>
-          </a:xfrm>
-          <a:prstGeom prst="rect">
-            <a:avLst/>
-          </a:prstGeom>
-          <a:ln>
-            <a:solidFill>
-              <a:schemeClr val="bg1">
-                <a:lumMod val="85000"/>
-              </a:schemeClr>
-            </a:solidFill>
-          </a:ln>
-        </p:spPr>
-      </p:pic>
-    </p:spTree>
-    <p:extLst>
-      <p:ext uri="{BB962C8B-B14F-4D97-AF65-F5344CB8AC3E}">
-        <p14:creationId xmlns:p14="http://schemas.microsoft.com/office/powerpoint/2010/main" val="2586234800"/>
       </p:ext>
     </p:extLst>
   </p:cSld>
@@ -19202,8 +19121,8 @@
         </p:nvSpPr>
         <p:spPr>
           <a:xfrm>
-            <a:off x="1208585" y="1268760"/>
-            <a:ext cx="5184575" cy="576064"/>
+            <a:off x="1064569" y="1196752"/>
+            <a:ext cx="4392487" cy="576064"/>
           </a:xfrm>
           <a:prstGeom prst="roundRect">
             <a:avLst/>
@@ -19243,7 +19162,23 @@
                   <a:sysClr val="windowText" lastClr="000000"/>
                 </a:solidFill>
               </a:rPr>
-              <a:t>람다 함수를 매개 변수로 전달하기</a:t>
+              <a:t>매개변수가 </a:t>
+            </a:r>
+            <a:r>
+              <a:rPr lang="en-US" altLang="ko-KR" b="1" dirty="0">
+                <a:solidFill>
+                  <a:sysClr val="windowText" lastClr="000000"/>
+                </a:solidFill>
+              </a:rPr>
+              <a:t>2</a:t>
+            </a:r>
+            <a:r>
+              <a:rPr lang="ko-KR" altLang="en-US" b="1" dirty="0" smtClean="0">
+                <a:solidFill>
+                  <a:sysClr val="windowText" lastClr="000000"/>
+                </a:solidFill>
+              </a:rPr>
+              <a:t>개인 람다 함수</a:t>
             </a:r>
             <a:endParaRPr lang="en-US" altLang="ko-KR" sz="1600" b="1" dirty="0" smtClean="0">
               <a:solidFill>
@@ -19275,8 +19210,8 @@
         </p:blipFill>
         <p:spPr>
           <a:xfrm>
-            <a:off x="2000672" y="1996803"/>
-            <a:ext cx="4099916" cy="4168501"/>
+            <a:off x="2144688" y="1825961"/>
+            <a:ext cx="3802710" cy="4480949"/>
           </a:xfrm>
           <a:prstGeom prst="rect">
             <a:avLst/>
@@ -19293,7 +19228,7 @@
     </p:spTree>
     <p:extLst>
       <p:ext uri="{BB962C8B-B14F-4D97-AF65-F5344CB8AC3E}">
-        <p14:creationId xmlns:p14="http://schemas.microsoft.com/office/powerpoint/2010/main" val="3633052153"/>
+        <p14:creationId xmlns:p14="http://schemas.microsoft.com/office/powerpoint/2010/main" val="2586234800"/>
       </p:ext>
     </p:extLst>
   </p:cSld>
@@ -19350,19 +19285,23 @@
             </a:r>
             <a:r>
               <a:rPr lang="en-US" altLang="ko-KR" sz="2800" dirty="0" smtClean="0"/>
-              <a:t>lambda(</a:t>
-            </a:r>
-            <a:r>
-              <a:rPr lang="ko-KR" altLang="en-US" sz="2800" dirty="0" smtClean="0"/>
-              <a:t>람다</a:t>
-            </a:r>
-            <a:r>
-              <a:rPr lang="en-US" altLang="ko-KR" sz="2800" dirty="0" smtClean="0"/>
-              <a:t>) </a:t>
-            </a:r>
-            <a:r>
-              <a:rPr lang="ko-KR" altLang="en-US" sz="2800" dirty="0" smtClean="0"/>
-              <a:t>프로그래밍</a:t>
+              <a:t>lambda</a:t>
+            </a:r>
+            <a:r>
+              <a:rPr lang="en-US" altLang="ko-KR" dirty="0"/>
+              <a:t> </a:t>
+            </a:r>
+            <a:r>
+              <a:rPr lang="en-US" altLang="ko-KR" dirty="0" smtClean="0"/>
+              <a:t>Expressions(</a:t>
+            </a:r>
+            <a:r>
+              <a:rPr lang="ko-KR" altLang="en-US" dirty="0" err="1" smtClean="0"/>
+              <a:t>람다식</a:t>
+            </a:r>
+            <a:r>
+              <a:rPr lang="en-US" altLang="ko-KR" dirty="0" smtClean="0"/>
+              <a:t>)</a:t>
             </a:r>
             <a:endParaRPr lang="ko-KR" altLang="en-US" sz="2800" dirty="0"/>
           </a:p>
@@ -19393,49 +19332,66 @@
       </p:sp>
       <p:sp>
         <p:nvSpPr>
-          <p:cNvPr id="6" name="TextBox 5"/>
-          <p:cNvSpPr txBox="1"/>
+          <p:cNvPr id="18" name="모서리가 둥근 직사각형 17"/>
+          <p:cNvSpPr/>
           <p:nvPr/>
         </p:nvSpPr>
         <p:spPr>
           <a:xfrm>
-            <a:off x="1064568" y="1268760"/>
-            <a:ext cx="5688632" cy="400110"/>
-          </a:xfrm>
-          <a:prstGeom prst="rect">
+            <a:off x="1208585" y="1268760"/>
+            <a:ext cx="5184575" cy="576064"/>
+          </a:xfrm>
+          <a:prstGeom prst="roundRect">
             <a:avLst/>
           </a:prstGeom>
-          <a:noFill/>
-        </p:spPr>
-        <p:txBody>
-          <a:bodyPr wrap="square" rtlCol="0">
-            <a:spAutoFit/>
-          </a:bodyPr>
+          <a:ln>
+            <a:noFill/>
+          </a:ln>
+        </p:spPr>
+        <p:style>
+          <a:lnRef idx="2">
+            <a:schemeClr val="dk1"/>
+          </a:lnRef>
+          <a:fillRef idx="1">
+            <a:schemeClr val="lt1"/>
+          </a:fillRef>
+          <a:effectRef idx="0">
+            <a:schemeClr val="dk1"/>
+          </a:effectRef>
+          <a:fontRef idx="minor">
+            <a:schemeClr val="dk1"/>
+          </a:fontRef>
+        </p:style>
+        <p:txBody>
+          <a:bodyPr rtlCol="0" anchor="ctr"/>
           <a:lstStyle/>
           <a:p>
             <a:pPr marL="285750" indent="-285750">
-              <a:buFont typeface="Arial" panose="020B0604020202020204" pitchFamily="34" charset="0"/>
-              <a:buChar char="•"/>
+              <a:lnSpc>
+                <a:spcPct val="150000"/>
+              </a:lnSpc>
+              <a:buFont typeface="Wingdings" panose="05000000000000000000" pitchFamily="2" charset="2"/>
+              <a:buChar char="l"/>
             </a:pPr>
             <a:r>
-              <a:rPr lang="en-US" altLang="ko-KR" sz="2000" b="1" dirty="0"/>
-              <a:t>l</a:t>
-            </a:r>
-            <a:r>
-              <a:rPr lang="en-US" altLang="ko-KR" sz="2000" b="1" dirty="0" smtClean="0"/>
-              <a:t>ambda - map() </a:t>
-            </a:r>
-            <a:r>
-              <a:rPr lang="ko-KR" altLang="en-US" sz="2000" b="1" dirty="0" smtClean="0"/>
-              <a:t>함수와 함께 사용 </a:t>
-            </a:r>
-            <a:endParaRPr lang="ko-KR" altLang="en-US" sz="2000" b="1" dirty="0"/>
+              <a:rPr lang="ko-KR" altLang="en-US" b="1" dirty="0" smtClean="0">
+                <a:solidFill>
+                  <a:sysClr val="windowText" lastClr="000000"/>
+                </a:solidFill>
+              </a:rPr>
+              <a:t>람다 함수를 매개 변수로 전달하기</a:t>
+            </a:r>
+            <a:endParaRPr lang="en-US" altLang="ko-KR" sz="1600" b="1" dirty="0" smtClean="0">
+              <a:solidFill>
+                <a:sysClr val="windowText" lastClr="000000"/>
+              </a:solidFill>
+            </a:endParaRPr>
           </a:p>
         </p:txBody>
       </p:sp>
       <p:pic>
         <p:nvPicPr>
-          <p:cNvPr id="5" name="그림 4"/>
+          <p:cNvPr id="3" name="그림 2"/>
           <p:cNvPicPr>
             <a:picLocks noChangeAspect="1"/>
           </p:cNvPicPr>
@@ -19455,8 +19411,8 @@
         </p:blipFill>
         <p:spPr>
           <a:xfrm>
-            <a:off x="1568624" y="1865624"/>
-            <a:ext cx="4953429" cy="2903472"/>
+            <a:off x="2000672" y="1996803"/>
+            <a:ext cx="4099916" cy="4168501"/>
           </a:xfrm>
           <a:prstGeom prst="rect">
             <a:avLst/>
@@ -19473,7 +19429,7 @@
     </p:spTree>
     <p:extLst>
       <p:ext uri="{BB962C8B-B14F-4D97-AF65-F5344CB8AC3E}">
-        <p14:creationId xmlns:p14="http://schemas.microsoft.com/office/powerpoint/2010/main" val="3176362000"/>
+        <p14:creationId xmlns:p14="http://schemas.microsoft.com/office/powerpoint/2010/main" val="3633052153"/>
       </p:ext>
     </p:extLst>
   </p:cSld>
@@ -19566,6 +19522,186 @@
             <a:fld id="{1BDE3FE7-3AEA-4B05-AC5A-802D1816ACF0}" type="slidenum">
               <a:rPr lang="ko-KR" altLang="en-US" smtClean="0"/>
               <a:t>42</a:t>
+            </a:fld>
+            <a:endParaRPr lang="ko-KR" altLang="en-US"/>
+          </a:p>
+        </p:txBody>
+      </p:sp>
+      <p:sp>
+        <p:nvSpPr>
+          <p:cNvPr id="6" name="TextBox 5"/>
+          <p:cNvSpPr txBox="1"/>
+          <p:nvPr/>
+        </p:nvSpPr>
+        <p:spPr>
+          <a:xfrm>
+            <a:off x="1064568" y="1268760"/>
+            <a:ext cx="5688632" cy="400110"/>
+          </a:xfrm>
+          <a:prstGeom prst="rect">
+            <a:avLst/>
+          </a:prstGeom>
+          <a:noFill/>
+        </p:spPr>
+        <p:txBody>
+          <a:bodyPr wrap="square" rtlCol="0">
+            <a:spAutoFit/>
+          </a:bodyPr>
+          <a:lstStyle/>
+          <a:p>
+            <a:pPr marL="285750" indent="-285750">
+              <a:buFont typeface="Arial" panose="020B0604020202020204" pitchFamily="34" charset="0"/>
+              <a:buChar char="•"/>
+            </a:pPr>
+            <a:r>
+              <a:rPr lang="en-US" altLang="ko-KR" sz="2000" b="1" dirty="0"/>
+              <a:t>l</a:t>
+            </a:r>
+            <a:r>
+              <a:rPr lang="en-US" altLang="ko-KR" sz="2000" b="1" dirty="0" smtClean="0"/>
+              <a:t>ambda - map() </a:t>
+            </a:r>
+            <a:r>
+              <a:rPr lang="ko-KR" altLang="en-US" sz="2000" b="1" dirty="0" smtClean="0"/>
+              <a:t>함수와 함께 사용 </a:t>
+            </a:r>
+            <a:endParaRPr lang="ko-KR" altLang="en-US" sz="2000" b="1" dirty="0"/>
+          </a:p>
+        </p:txBody>
+      </p:sp>
+      <p:pic>
+        <p:nvPicPr>
+          <p:cNvPr id="5" name="그림 4"/>
+          <p:cNvPicPr>
+            <a:picLocks noChangeAspect="1"/>
+          </p:cNvPicPr>
+          <p:nvPr/>
+        </p:nvPicPr>
+        <p:blipFill>
+          <a:blip r:embed="rId2">
+            <a:extLst>
+              <a:ext uri="{28A0092B-C50C-407E-A947-70E740481C1C}">
+                <a14:useLocalDpi xmlns:a14="http://schemas.microsoft.com/office/drawing/2010/main" val="0"/>
+              </a:ext>
+            </a:extLst>
+          </a:blip>
+          <a:stretch>
+            <a:fillRect/>
+          </a:stretch>
+        </p:blipFill>
+        <p:spPr>
+          <a:xfrm>
+            <a:off x="1568624" y="1865624"/>
+            <a:ext cx="4953429" cy="2903472"/>
+          </a:xfrm>
+          <a:prstGeom prst="rect">
+            <a:avLst/>
+          </a:prstGeom>
+          <a:ln>
+            <a:solidFill>
+              <a:schemeClr val="bg1">
+                <a:lumMod val="85000"/>
+              </a:schemeClr>
+            </a:solidFill>
+          </a:ln>
+        </p:spPr>
+      </p:pic>
+    </p:spTree>
+    <p:extLst>
+      <p:ext uri="{BB962C8B-B14F-4D97-AF65-F5344CB8AC3E}">
+        <p14:creationId xmlns:p14="http://schemas.microsoft.com/office/powerpoint/2010/main" val="3176362000"/>
+      </p:ext>
+    </p:extLst>
+  </p:cSld>
+  <p:clrMapOvr>
+    <a:masterClrMapping/>
+  </p:clrMapOvr>
+  <p:timing>
+    <p:tnLst>
+      <p:par>
+        <p:cTn id="1" dur="indefinite" restart="never" nodeType="tmRoot"/>
+      </p:par>
+    </p:tnLst>
+  </p:timing>
+</p:sld>
+</file>
+
+<file path=ppt/slides/slide43.xml><?xml version="1.0" encoding="utf-8"?>
+<p:sld xmlns:a="http://schemas.openxmlformats.org/drawingml/2006/main" xmlns:r="http://schemas.openxmlformats.org/officeDocument/2006/relationships" xmlns:p="http://schemas.openxmlformats.org/presentationml/2006/main">
+  <p:cSld>
+    <p:spTree>
+      <p:nvGrpSpPr>
+        <p:cNvPr id="1" name=""/>
+        <p:cNvGrpSpPr/>
+        <p:nvPr/>
+      </p:nvGrpSpPr>
+      <p:grpSpPr>
+        <a:xfrm>
+          <a:off x="0" y="0"/>
+          <a:ext cx="0" cy="0"/>
+          <a:chOff x="0" y="0"/>
+          <a:chExt cx="0" cy="0"/>
+        </a:xfrm>
+      </p:grpSpPr>
+      <p:sp>
+        <p:nvSpPr>
+          <p:cNvPr id="2" name="제목 1"/>
+          <p:cNvSpPr>
+            <a:spLocks noGrp="1"/>
+          </p:cNvSpPr>
+          <p:nvPr>
+            <p:ph type="title"/>
+          </p:nvPr>
+        </p:nvSpPr>
+        <p:spPr/>
+        <p:txBody>
+          <a:bodyPr>
+            <a:normAutofit/>
+          </a:bodyPr>
+          <a:lstStyle/>
+          <a:p>
+            <a:r>
+              <a:rPr lang="en-US" altLang="ko-KR" sz="2800" dirty="0"/>
+              <a:t> </a:t>
+            </a:r>
+            <a:r>
+              <a:rPr lang="en-US" altLang="ko-KR" sz="2800" dirty="0" smtClean="0"/>
+              <a:t>lambda(</a:t>
+            </a:r>
+            <a:r>
+              <a:rPr lang="ko-KR" altLang="en-US" sz="2800" dirty="0" smtClean="0"/>
+              <a:t>람다</a:t>
+            </a:r>
+            <a:r>
+              <a:rPr lang="en-US" altLang="ko-KR" sz="2800" dirty="0" smtClean="0"/>
+              <a:t>) </a:t>
+            </a:r>
+            <a:r>
+              <a:rPr lang="ko-KR" altLang="en-US" sz="2800" dirty="0" smtClean="0"/>
+              <a:t>프로그래밍</a:t>
+            </a:r>
+            <a:endParaRPr lang="ko-KR" altLang="en-US" sz="2800" dirty="0"/>
+          </a:p>
+        </p:txBody>
+      </p:sp>
+      <p:sp>
+        <p:nvSpPr>
+          <p:cNvPr id="4" name="슬라이드 번호 개체 틀 3"/>
+          <p:cNvSpPr>
+            <a:spLocks noGrp="1"/>
+          </p:cNvSpPr>
+          <p:nvPr>
+            <p:ph type="sldNum" sz="quarter" idx="12"/>
+          </p:nvPr>
+        </p:nvSpPr>
+        <p:spPr/>
+        <p:txBody>
+          <a:bodyPr/>
+          <a:lstStyle/>
+          <a:p>
+            <a:fld id="{1BDE3FE7-3AEA-4B05-AC5A-802D1816ACF0}" type="slidenum">
+              <a:rPr lang="ko-KR" altLang="en-US" smtClean="0"/>
+              <a:t>43</a:t>
             </a:fld>
             <a:endParaRPr lang="ko-KR" altLang="en-US"/>
           </a:p>

--- a/python_ppt/Python 5장. 함수.pptx
+++ b/python_ppt/Python 5장. 함수.pptx
@@ -250,7 +250,7 @@
           <a:p>
             <a:fld id="{7665CDAC-D627-4E87-877A-1B781DD4CADC}" type="datetimeFigureOut">
               <a:rPr lang="ko-KR" altLang="en-US" smtClean="0"/>
-              <a:t>2023-05-11</a:t>
+              <a:t>2023-05-15</a:t>
             </a:fld>
             <a:endParaRPr lang="ko-KR" altLang="en-US"/>
           </a:p>
@@ -662,7 +662,7 @@
           <a:p>
             <a:fld id="{C25BCFD5-C4DF-4EBC-B718-C69ED2FBDE6F}" type="datetime1">
               <a:rPr lang="ko-KR" altLang="en-US" smtClean="0"/>
-              <a:t>2023-05-11</a:t>
+              <a:t>2023-05-15</a:t>
             </a:fld>
             <a:endParaRPr lang="ko-KR" altLang="en-US"/>
           </a:p>
@@ -1113,7 +1113,7 @@
           <a:p>
             <a:fld id="{AB448CD7-D367-43D5-B461-ACE552E75063}" type="datetime1">
               <a:rPr lang="ko-KR" altLang="en-US" smtClean="0"/>
-              <a:t>2023-05-11</a:t>
+              <a:t>2023-05-15</a:t>
             </a:fld>
             <a:endParaRPr lang="ko-KR" altLang="en-US"/>
           </a:p>
@@ -1291,7 +1291,7 @@
           <a:p>
             <a:fld id="{B6E49E79-7361-4780-8BEF-7EDE3708298A}" type="datetime1">
               <a:rPr lang="ko-KR" altLang="en-US" smtClean="0"/>
-              <a:t>2023-05-11</a:t>
+              <a:t>2023-05-15</a:t>
             </a:fld>
             <a:endParaRPr lang="ko-KR" altLang="en-US"/>
           </a:p>
@@ -1463,7 +1463,7 @@
           <a:p>
             <a:fld id="{A4D42E3C-B70B-437C-85CF-1286301B9CBA}" type="datetime1">
               <a:rPr lang="ko-KR" altLang="en-US" smtClean="0"/>
-              <a:t>2023-05-11</a:t>
+              <a:t>2023-05-15</a:t>
             </a:fld>
             <a:endParaRPr lang="ko-KR" altLang="en-US"/>
           </a:p>
@@ -1715,7 +1715,7 @@
           <a:p>
             <a:fld id="{B3369A20-5B3D-4D98-A822-26B93D177A40}" type="datetime1">
               <a:rPr lang="ko-KR" altLang="en-US" smtClean="0"/>
-              <a:t>2023-05-11</a:t>
+              <a:t>2023-05-15</a:t>
             </a:fld>
             <a:endParaRPr lang="ko-KR" altLang="en-US"/>
           </a:p>
@@ -2000,7 +2000,7 @@
           <a:p>
             <a:fld id="{685CD4CE-9E43-4F70-A9D8-A2130CA7D92A}" type="datetime1">
               <a:rPr lang="ko-KR" altLang="en-US" smtClean="0"/>
-              <a:t>2023-05-11</a:t>
+              <a:t>2023-05-15</a:t>
             </a:fld>
             <a:endParaRPr lang="ko-KR" altLang="en-US"/>
           </a:p>
@@ -2426,7 +2426,7 @@
           <a:p>
             <a:fld id="{F752BD92-DA3E-4A0B-90C9-7DE5E15B6E96}" type="datetime1">
               <a:rPr lang="ko-KR" altLang="en-US" smtClean="0"/>
-              <a:t>2023-05-11</a:t>
+              <a:t>2023-05-15</a:t>
             </a:fld>
             <a:endParaRPr lang="ko-KR" altLang="en-US"/>
           </a:p>
@@ -2550,7 +2550,7 @@
           <a:p>
             <a:fld id="{8EA2B83A-F366-424E-B742-340ACF856BB5}" type="datetime1">
               <a:rPr lang="ko-KR" altLang="en-US" smtClean="0"/>
-              <a:t>2023-05-11</a:t>
+              <a:t>2023-05-15</a:t>
             </a:fld>
             <a:endParaRPr lang="ko-KR" altLang="en-US"/>
           </a:p>
@@ -2645,7 +2645,7 @@
           <a:p>
             <a:fld id="{9A49D68B-5DBD-48E9-A8D4-FCBC4B3DD9C6}" type="datetime1">
               <a:rPr lang="ko-KR" altLang="en-US" smtClean="0"/>
-              <a:t>2023-05-11</a:t>
+              <a:t>2023-05-15</a:t>
             </a:fld>
             <a:endParaRPr lang="ko-KR" altLang="en-US"/>
           </a:p>
@@ -2920,7 +2920,7 @@
           <a:p>
             <a:fld id="{4CAB534F-7D16-467B-9320-91F98915D181}" type="datetime1">
               <a:rPr lang="ko-KR" altLang="en-US" smtClean="0"/>
-              <a:t>2023-05-11</a:t>
+              <a:t>2023-05-15</a:t>
             </a:fld>
             <a:endParaRPr lang="ko-KR" altLang="en-US"/>
           </a:p>
@@ -3172,7 +3172,7 @@
           <a:p>
             <a:fld id="{A390A91F-2F8D-4486-A69D-D680F95444B0}" type="datetime1">
               <a:rPr lang="ko-KR" altLang="en-US" smtClean="0"/>
-              <a:t>2023-05-11</a:t>
+              <a:t>2023-05-15</a:t>
             </a:fld>
             <a:endParaRPr lang="ko-KR" altLang="en-US"/>
           </a:p>
@@ -3351,7 +3351,7 @@
           <a:p>
             <a:fld id="{2238BBEA-E8DD-414A-BF68-FC2AFA7CFF2D}" type="datetime1">
               <a:rPr lang="ko-KR" altLang="en-US" smtClean="0"/>
-              <a:t>2023-05-11</a:t>
+              <a:t>2023-05-15</a:t>
             </a:fld>
             <a:endParaRPr lang="ko-KR" altLang="en-US"/>
           </a:p>
